--- a/Project 1 Presentation.pptx
+++ b/Project 1 Presentation.pptx
@@ -12,9 +12,13 @@
     <p:sldId id="260" r:id="rId6"/>
     <p:sldId id="264" r:id="rId7"/>
     <p:sldId id="261" r:id="rId8"/>
-    <p:sldId id="262" r:id="rId9"/>
-    <p:sldId id="263" r:id="rId10"/>
-    <p:sldId id="265" r:id="rId11"/>
+    <p:sldId id="266" r:id="rId9"/>
+    <p:sldId id="268" r:id="rId10"/>
+    <p:sldId id="269" r:id="rId11"/>
+    <p:sldId id="262" r:id="rId12"/>
+    <p:sldId id="263" r:id="rId13"/>
+    <p:sldId id="265" r:id="rId14"/>
+    <p:sldId id="270" r:id="rId15"/>
   </p:sldIdLst>
   <p:sldSz cx="12192000" cy="6858000"/>
   <p:notesSz cx="6858000" cy="9144000"/>
@@ -113,6 +117,11 @@
       </a:defRPr>
     </a:lvl9pPr>
   </p:defaultTextStyle>
+  <p:extLst>
+    <p:ext uri="{EFAFB233-063F-42B5-8137-9DF3F51BA10A}">
+      <p15:sldGuideLst xmlns:p15="http://schemas.microsoft.com/office/powerpoint/2012/main"/>
+    </p:ext>
+  </p:extLst>
 </p:presentation>
 </file>
 
@@ -3076,7 +3085,7 @@
           <a:p>
             <a:fld id="{C3F5752A-20FB-004E-98EE-3C66723388AA}" type="datetimeFigureOut">
               <a:rPr lang="en-US" smtClean="0"/>
-              <a:t>1/22/22</a:t>
+              <a:t>2/7/22</a:t>
             </a:fld>
             <a:endParaRPr lang="en-US"/>
           </a:p>
@@ -3274,7 +3283,7 @@
           <a:p>
             <a:fld id="{C3F5752A-20FB-004E-98EE-3C66723388AA}" type="datetimeFigureOut">
               <a:rPr lang="en-US" smtClean="0"/>
-              <a:t>1/22/22</a:t>
+              <a:t>2/7/22</a:t>
             </a:fld>
             <a:endParaRPr lang="en-US"/>
           </a:p>
@@ -3482,7 +3491,7 @@
           <a:p>
             <a:fld id="{C3F5752A-20FB-004E-98EE-3C66723388AA}" type="datetimeFigureOut">
               <a:rPr lang="en-US" smtClean="0"/>
-              <a:t>1/22/22</a:t>
+              <a:t>2/7/22</a:t>
             </a:fld>
             <a:endParaRPr lang="en-US"/>
           </a:p>
@@ -3680,7 +3689,7 @@
           <a:p>
             <a:fld id="{C3F5752A-20FB-004E-98EE-3C66723388AA}" type="datetimeFigureOut">
               <a:rPr lang="en-US" smtClean="0"/>
-              <a:t>1/22/22</a:t>
+              <a:t>2/7/22</a:t>
             </a:fld>
             <a:endParaRPr lang="en-US"/>
           </a:p>
@@ -3955,7 +3964,7 @@
           <a:p>
             <a:fld id="{C3F5752A-20FB-004E-98EE-3C66723388AA}" type="datetimeFigureOut">
               <a:rPr lang="en-US" smtClean="0"/>
-              <a:t>1/22/22</a:t>
+              <a:t>2/7/22</a:t>
             </a:fld>
             <a:endParaRPr lang="en-US"/>
           </a:p>
@@ -4220,7 +4229,7 @@
           <a:p>
             <a:fld id="{C3F5752A-20FB-004E-98EE-3C66723388AA}" type="datetimeFigureOut">
               <a:rPr lang="en-US" smtClean="0"/>
-              <a:t>1/22/22</a:t>
+              <a:t>2/7/22</a:t>
             </a:fld>
             <a:endParaRPr lang="en-US"/>
           </a:p>
@@ -4632,7 +4641,7 @@
           <a:p>
             <a:fld id="{C3F5752A-20FB-004E-98EE-3C66723388AA}" type="datetimeFigureOut">
               <a:rPr lang="en-US" smtClean="0"/>
-              <a:t>1/22/22</a:t>
+              <a:t>2/7/22</a:t>
             </a:fld>
             <a:endParaRPr lang="en-US"/>
           </a:p>
@@ -4773,7 +4782,7 @@
           <a:p>
             <a:fld id="{C3F5752A-20FB-004E-98EE-3C66723388AA}" type="datetimeFigureOut">
               <a:rPr lang="en-US" smtClean="0"/>
-              <a:t>1/22/22</a:t>
+              <a:t>2/7/22</a:t>
             </a:fld>
             <a:endParaRPr lang="en-US"/>
           </a:p>
@@ -4886,7 +4895,7 @@
           <a:p>
             <a:fld id="{C3F5752A-20FB-004E-98EE-3C66723388AA}" type="datetimeFigureOut">
               <a:rPr lang="en-US" smtClean="0"/>
-              <a:t>1/22/22</a:t>
+              <a:t>2/7/22</a:t>
             </a:fld>
             <a:endParaRPr lang="en-US"/>
           </a:p>
@@ -5197,7 +5206,7 @@
           <a:p>
             <a:fld id="{C3F5752A-20FB-004E-98EE-3C66723388AA}" type="datetimeFigureOut">
               <a:rPr lang="en-US" smtClean="0"/>
-              <a:t>1/22/22</a:t>
+              <a:t>2/7/22</a:t>
             </a:fld>
             <a:endParaRPr lang="en-US"/>
           </a:p>
@@ -5485,7 +5494,7 @@
           <a:p>
             <a:fld id="{C3F5752A-20FB-004E-98EE-3C66723388AA}" type="datetimeFigureOut">
               <a:rPr lang="en-US" smtClean="0"/>
-              <a:t>1/22/22</a:t>
+              <a:t>2/7/22</a:t>
             </a:fld>
             <a:endParaRPr lang="en-US"/>
           </a:p>
@@ -5726,7 +5735,7 @@
           <a:p>
             <a:fld id="{C3F5752A-20FB-004E-98EE-3C66723388AA}" type="datetimeFigureOut">
               <a:rPr lang="en-US" smtClean="0"/>
-              <a:t>1/22/22</a:t>
+              <a:t>2/7/22</a:t>
             </a:fld>
             <a:endParaRPr lang="en-US"/>
           </a:p>
@@ -6129,6 +6138,1200 @@
 <file path=ppt/slides/slide1.xml><?xml version="1.0" encoding="utf-8"?>
 <p:sld xmlns:a="http://schemas.openxmlformats.org/drawingml/2006/main" xmlns:r="http://schemas.openxmlformats.org/officeDocument/2006/relationships" xmlns:p="http://schemas.openxmlformats.org/presentationml/2006/main">
   <p:cSld>
+    <p:bg>
+      <p:bgPr>
+        <a:solidFill>
+          <a:schemeClr val="bg1"/>
+        </a:solidFill>
+        <a:effectLst/>
+      </p:bgPr>
+    </p:bg>
+    <p:spTree>
+      <p:nvGrpSpPr>
+        <p:cNvPr id="1" name=""/>
+        <p:cNvGrpSpPr/>
+        <p:nvPr/>
+      </p:nvGrpSpPr>
+      <p:grpSpPr>
+        <a:xfrm>
+          <a:off x="0" y="0"/>
+          <a:ext cx="0" cy="0"/>
+          <a:chOff x="0" y="0"/>
+          <a:chExt cx="0" cy="0"/>
+        </a:xfrm>
+      </p:grpSpPr>
+      <p:sp useBgFill="1">
+        <p:nvSpPr>
+          <p:cNvPr id="8" name="Rectangle 7">
+            <a:extLst>
+              <a:ext uri="{FF2B5EF4-FFF2-40B4-BE49-F238E27FC236}">
+                <a16:creationId xmlns:a16="http://schemas.microsoft.com/office/drawing/2014/main" id="{6F5A5072-7B47-4D32-B52A-4EBBF590B8A5}"/>
+              </a:ext>
+              <a:ext uri="{C183D7F6-B498-43B3-948B-1728B52AA6E4}">
+                <adec:decorative xmlns:adec="http://schemas.microsoft.com/office/drawing/2017/decorative" val="1"/>
+              </a:ext>
+            </a:extLst>
+          </p:cNvPr>
+          <p:cNvSpPr>
+            <a:spLocks noGrp="1" noRot="1" noChangeAspect="1" noMove="1" noResize="1" noEditPoints="1" noAdjustHandles="1" noChangeArrowheads="1" noChangeShapeType="1" noTextEdit="1"/>
+          </p:cNvSpPr>
+          <p:nvPr>
+            <p:extLst>
+              <p:ext uri="{386F3935-93C4-4BCD-93E2-E3B085C9AB24}">
+                <p16:designElem xmlns:p16="http://schemas.microsoft.com/office/powerpoint/2015/main" val="1"/>
+              </p:ext>
+            </p:extLst>
+          </p:nvPr>
+        </p:nvSpPr>
+        <p:spPr>
+          <a:xfrm>
+            <a:off x="0" y="0"/>
+            <a:ext cx="12192000" cy="6858000"/>
+          </a:xfrm>
+          <a:prstGeom prst="rect">
+            <a:avLst/>
+          </a:prstGeom>
+          <a:ln w="12700" cap="flat" cmpd="sng" algn="ctr">
+            <a:noFill/>
+            <a:prstDash val="solid"/>
+            <a:miter lim="800000"/>
+          </a:ln>
+          <a:effectLst/>
+          <a:extLst>
+            <a:ext uri="{91240B29-F687-4F45-9708-019B960494DF}">
+              <a14:hiddenLine xmlns:a14="http://schemas.microsoft.com/office/drawing/2010/main" w="12700" cap="flat" cmpd="sng" algn="ctr">
+                <a:solidFill>
+                  <a:schemeClr val="accent1">
+                    <a:shade val="50000"/>
+                  </a:schemeClr>
+                </a:solidFill>
+                <a:prstDash val="solid"/>
+                <a:miter lim="800000"/>
+              </a14:hiddenLine>
+            </a:ext>
+          </a:extLst>
+        </p:spPr>
+        <p:style>
+          <a:lnRef idx="2">
+            <a:schemeClr val="accent1">
+              <a:shade val="50000"/>
+            </a:schemeClr>
+          </a:lnRef>
+          <a:fillRef idx="1">
+            <a:schemeClr val="accent1"/>
+          </a:fillRef>
+          <a:effectRef idx="0">
+            <a:schemeClr val="accent1"/>
+          </a:effectRef>
+          <a:fontRef idx="minor">
+            <a:schemeClr val="lt1"/>
+          </a:fontRef>
+        </p:style>
+        <p:txBody>
+          <a:bodyPr rtlCol="0" anchor="ctr"/>
+          <a:lstStyle/>
+          <a:p>
+            <a:pPr algn="ctr"/>
+            <a:endParaRPr lang="en-US"/>
+          </a:p>
+        </p:txBody>
+      </p:sp>
+      <p:sp>
+        <p:nvSpPr>
+          <p:cNvPr id="10" name="Rectangle 9">
+            <a:extLst>
+              <a:ext uri="{FF2B5EF4-FFF2-40B4-BE49-F238E27FC236}">
+                <a16:creationId xmlns:a16="http://schemas.microsoft.com/office/drawing/2014/main" id="{9715DAF0-AE1B-46C9-8A6B-DB2AA05AB91D}"/>
+              </a:ext>
+              <a:ext uri="{C183D7F6-B498-43B3-948B-1728B52AA6E4}">
+                <adec:decorative xmlns:adec="http://schemas.microsoft.com/office/drawing/2017/decorative" val="1"/>
+              </a:ext>
+            </a:extLst>
+          </p:cNvPr>
+          <p:cNvSpPr>
+            <a:spLocks noGrp="1" noRot="1" noChangeAspect="1" noMove="1" noResize="1" noEditPoints="1" noAdjustHandles="1" noChangeArrowheads="1" noChangeShapeType="1" noTextEdit="1"/>
+          </p:cNvSpPr>
+          <p:nvPr>
+            <p:extLst>
+              <p:ext uri="{386F3935-93C4-4BCD-93E2-E3B085C9AB24}">
+                <p16:designElem xmlns:p16="http://schemas.microsoft.com/office/powerpoint/2015/main" val="1"/>
+              </p:ext>
+            </p:extLst>
+          </p:nvPr>
+        </p:nvSpPr>
+        <p:spPr>
+          <a:xfrm rot="10800000">
+            <a:off x="-2" y="-22693"/>
+            <a:ext cx="12191999" cy="4374129"/>
+          </a:xfrm>
+          <a:prstGeom prst="rect">
+            <a:avLst/>
+          </a:prstGeom>
+          <a:gradFill>
+            <a:gsLst>
+              <a:gs pos="0">
+                <a:schemeClr val="accent1">
+                  <a:lumMod val="75000"/>
+                </a:schemeClr>
+              </a:gs>
+              <a:gs pos="100000">
+                <a:srgbClr val="000000"/>
+              </a:gs>
+            </a:gsLst>
+            <a:lin ang="15000000" scaled="0"/>
+          </a:gradFill>
+          <a:ln>
+            <a:noFill/>
+          </a:ln>
+        </p:spPr>
+        <p:style>
+          <a:lnRef idx="2">
+            <a:schemeClr val="accent1">
+              <a:shade val="50000"/>
+            </a:schemeClr>
+          </a:lnRef>
+          <a:fillRef idx="1">
+            <a:schemeClr val="accent1"/>
+          </a:fillRef>
+          <a:effectRef idx="0">
+            <a:schemeClr val="accent1"/>
+          </a:effectRef>
+          <a:fontRef idx="minor">
+            <a:schemeClr val="lt1"/>
+          </a:fontRef>
+        </p:style>
+        <p:txBody>
+          <a:bodyPr rtlCol="0" anchor="ctr"/>
+          <a:lstStyle/>
+          <a:p>
+            <a:pPr algn="ctr"/>
+            <a:endParaRPr lang="en-US"/>
+          </a:p>
+        </p:txBody>
+      </p:sp>
+      <p:sp>
+        <p:nvSpPr>
+          <p:cNvPr id="12" name="Rectangle 11">
+            <a:extLst>
+              <a:ext uri="{FF2B5EF4-FFF2-40B4-BE49-F238E27FC236}">
+                <a16:creationId xmlns:a16="http://schemas.microsoft.com/office/drawing/2014/main" id="{6016219D-510E-4184-9090-6D5578A87BD1}"/>
+              </a:ext>
+              <a:ext uri="{C183D7F6-B498-43B3-948B-1728B52AA6E4}">
+                <adec:decorative xmlns:adec="http://schemas.microsoft.com/office/drawing/2017/decorative" val="1"/>
+              </a:ext>
+            </a:extLst>
+          </p:cNvPr>
+          <p:cNvSpPr>
+            <a:spLocks noGrp="1" noRot="1" noChangeAspect="1" noMove="1" noResize="1" noEditPoints="1" noAdjustHandles="1" noChangeArrowheads="1" noChangeShapeType="1" noTextEdit="1"/>
+          </p:cNvSpPr>
+          <p:nvPr>
+            <p:extLst>
+              <p:ext uri="{386F3935-93C4-4BCD-93E2-E3B085C9AB24}">
+                <p16:designElem xmlns:p16="http://schemas.microsoft.com/office/powerpoint/2015/main" val="1"/>
+              </p:ext>
+            </p:extLst>
+          </p:nvPr>
+        </p:nvSpPr>
+        <p:spPr>
+          <a:xfrm rot="5400000">
+            <a:off x="3908719" y="-3931841"/>
+            <a:ext cx="4374557" cy="12192000"/>
+          </a:xfrm>
+          <a:prstGeom prst="rect">
+            <a:avLst/>
+          </a:prstGeom>
+          <a:gradFill>
+            <a:gsLst>
+              <a:gs pos="40000">
+                <a:schemeClr val="accent1">
+                  <a:alpha val="0"/>
+                </a:schemeClr>
+              </a:gs>
+              <a:gs pos="100000">
+                <a:schemeClr val="accent1">
+                  <a:lumMod val="75000"/>
+                  <a:alpha val="52000"/>
+                </a:schemeClr>
+              </a:gs>
+            </a:gsLst>
+            <a:lin ang="2400000" scaled="0"/>
+          </a:gradFill>
+          <a:ln>
+            <a:noFill/>
+          </a:ln>
+        </p:spPr>
+        <p:style>
+          <a:lnRef idx="2">
+            <a:schemeClr val="accent1">
+              <a:shade val="50000"/>
+            </a:schemeClr>
+          </a:lnRef>
+          <a:fillRef idx="1">
+            <a:schemeClr val="accent1"/>
+          </a:fillRef>
+          <a:effectRef idx="0">
+            <a:schemeClr val="accent1"/>
+          </a:effectRef>
+          <a:fontRef idx="minor">
+            <a:schemeClr val="lt1"/>
+          </a:fontRef>
+        </p:style>
+        <p:txBody>
+          <a:bodyPr rtlCol="0" anchor="ctr"/>
+          <a:lstStyle/>
+          <a:p>
+            <a:pPr algn="ctr"/>
+            <a:endParaRPr lang="en-US"/>
+          </a:p>
+        </p:txBody>
+      </p:sp>
+      <p:sp>
+        <p:nvSpPr>
+          <p:cNvPr id="14" name="Rectangle 13">
+            <a:extLst>
+              <a:ext uri="{FF2B5EF4-FFF2-40B4-BE49-F238E27FC236}">
+                <a16:creationId xmlns:a16="http://schemas.microsoft.com/office/drawing/2014/main" id="{AFF4A713-7B75-4B21-90D7-5AB19547C728}"/>
+              </a:ext>
+              <a:ext uri="{C183D7F6-B498-43B3-948B-1728B52AA6E4}">
+                <adec:decorative xmlns:adec="http://schemas.microsoft.com/office/drawing/2017/decorative" val="1"/>
+              </a:ext>
+            </a:extLst>
+          </p:cNvPr>
+          <p:cNvSpPr>
+            <a:spLocks noGrp="1" noRot="1" noChangeAspect="1" noMove="1" noResize="1" noEditPoints="1" noAdjustHandles="1" noChangeArrowheads="1" noChangeShapeType="1" noTextEdit="1"/>
+          </p:cNvSpPr>
+          <p:nvPr>
+            <p:extLst>
+              <p:ext uri="{386F3935-93C4-4BCD-93E2-E3B085C9AB24}">
+                <p16:designElem xmlns:p16="http://schemas.microsoft.com/office/powerpoint/2015/main" val="1"/>
+              </p:ext>
+            </p:extLst>
+          </p:nvPr>
+        </p:nvSpPr>
+        <p:spPr>
+          <a:xfrm rot="5400000">
+            <a:off x="4136696" y="-3703868"/>
+            <a:ext cx="4374128" cy="11736479"/>
+          </a:xfrm>
+          <a:prstGeom prst="rect">
+            <a:avLst/>
+          </a:prstGeom>
+          <a:gradFill>
+            <a:gsLst>
+              <a:gs pos="17000">
+                <a:schemeClr val="accent1">
+                  <a:alpha val="0"/>
+                </a:schemeClr>
+              </a:gs>
+              <a:gs pos="100000">
+                <a:srgbClr val="000000">
+                  <a:alpha val="37000"/>
+                </a:srgbClr>
+              </a:gs>
+            </a:gsLst>
+            <a:lin ang="7800000" scaled="0"/>
+          </a:gradFill>
+          <a:ln>
+            <a:noFill/>
+          </a:ln>
+        </p:spPr>
+        <p:style>
+          <a:lnRef idx="2">
+            <a:schemeClr val="accent1">
+              <a:shade val="50000"/>
+            </a:schemeClr>
+          </a:lnRef>
+          <a:fillRef idx="1">
+            <a:schemeClr val="accent1"/>
+          </a:fillRef>
+          <a:effectRef idx="0">
+            <a:schemeClr val="accent1"/>
+          </a:effectRef>
+          <a:fontRef idx="minor">
+            <a:schemeClr val="lt1"/>
+          </a:fontRef>
+        </p:style>
+        <p:txBody>
+          <a:bodyPr rtlCol="0" anchor="ctr"/>
+          <a:lstStyle/>
+          <a:p>
+            <a:pPr algn="ctr"/>
+            <a:endParaRPr lang="en-US"/>
+          </a:p>
+        </p:txBody>
+      </p:sp>
+      <p:sp>
+        <p:nvSpPr>
+          <p:cNvPr id="16" name="Rectangle 15">
+            <a:extLst>
+              <a:ext uri="{FF2B5EF4-FFF2-40B4-BE49-F238E27FC236}">
+                <a16:creationId xmlns:a16="http://schemas.microsoft.com/office/drawing/2014/main" id="{DC631C0B-6DA6-4E57-8231-CE32B3434A7E}"/>
+              </a:ext>
+              <a:ext uri="{C183D7F6-B498-43B3-948B-1728B52AA6E4}">
+                <adec:decorative xmlns:adec="http://schemas.microsoft.com/office/drawing/2017/decorative" val="1"/>
+              </a:ext>
+            </a:extLst>
+          </p:cNvPr>
+          <p:cNvSpPr>
+            <a:spLocks noGrp="1" noRot="1" noChangeAspect="1" noMove="1" noResize="1" noEditPoints="1" noAdjustHandles="1" noChangeArrowheads="1" noChangeShapeType="1" noTextEdit="1"/>
+          </p:cNvSpPr>
+          <p:nvPr>
+            <p:extLst>
+              <p:ext uri="{386F3935-93C4-4BCD-93E2-E3B085C9AB24}">
+                <p16:designElem xmlns:p16="http://schemas.microsoft.com/office/powerpoint/2015/main" val="1"/>
+              </p:ext>
+            </p:extLst>
+          </p:nvPr>
+        </p:nvSpPr>
+        <p:spPr>
+          <a:xfrm>
+            <a:off x="-5" y="-22690"/>
+            <a:ext cx="8542485" cy="4374126"/>
+          </a:xfrm>
+          <a:prstGeom prst="rect">
+            <a:avLst/>
+          </a:prstGeom>
+          <a:gradFill>
+            <a:gsLst>
+              <a:gs pos="0">
+                <a:schemeClr val="accent1">
+                  <a:lumMod val="50000"/>
+                  <a:alpha val="0"/>
+                </a:schemeClr>
+              </a:gs>
+              <a:gs pos="100000">
+                <a:srgbClr val="000000">
+                  <a:alpha val="25000"/>
+                </a:srgbClr>
+              </a:gs>
+            </a:gsLst>
+            <a:lin ang="18600000" scaled="0"/>
+          </a:gradFill>
+          <a:ln>
+            <a:noFill/>
+          </a:ln>
+        </p:spPr>
+        <p:style>
+          <a:lnRef idx="2">
+            <a:schemeClr val="accent1">
+              <a:shade val="50000"/>
+            </a:schemeClr>
+          </a:lnRef>
+          <a:fillRef idx="1">
+            <a:schemeClr val="accent1"/>
+          </a:fillRef>
+          <a:effectRef idx="0">
+            <a:schemeClr val="accent1"/>
+          </a:effectRef>
+          <a:fontRef idx="minor">
+            <a:schemeClr val="lt1"/>
+          </a:fontRef>
+        </p:style>
+        <p:txBody>
+          <a:bodyPr rtlCol="0" anchor="ctr"/>
+          <a:lstStyle/>
+          <a:p>
+            <a:pPr algn="ctr"/>
+            <a:endParaRPr lang="en-US"/>
+          </a:p>
+        </p:txBody>
+      </p:sp>
+      <p:sp>
+        <p:nvSpPr>
+          <p:cNvPr id="18" name="Freeform: Shape 17">
+            <a:extLst>
+              <a:ext uri="{FF2B5EF4-FFF2-40B4-BE49-F238E27FC236}">
+                <a16:creationId xmlns:a16="http://schemas.microsoft.com/office/drawing/2014/main" id="{C29501E6-A978-4A61-9689-9085AF97A53A}"/>
+              </a:ext>
+              <a:ext uri="{C183D7F6-B498-43B3-948B-1728B52AA6E4}">
+                <adec:decorative xmlns:adec="http://schemas.microsoft.com/office/drawing/2017/decorative" val="1"/>
+              </a:ext>
+            </a:extLst>
+          </p:cNvPr>
+          <p:cNvSpPr>
+            <a:spLocks noGrp="1" noRot="1" noChangeAspect="1" noMove="1" noResize="1" noEditPoints="1" noAdjustHandles="1" noChangeArrowheads="1" noChangeShapeType="1" noTextEdit="1"/>
+          </p:cNvSpPr>
+          <p:nvPr>
+            <p:extLst>
+              <p:ext uri="{386F3935-93C4-4BCD-93E2-E3B085C9AB24}">
+                <p16:designElem xmlns:p16="http://schemas.microsoft.com/office/powerpoint/2015/main" val="1"/>
+              </p:ext>
+            </p:extLst>
+          </p:nvPr>
+        </p:nvSpPr>
+        <p:spPr>
+          <a:xfrm rot="12508972">
+            <a:off x="5945431" y="-1032053"/>
+            <a:ext cx="4990147" cy="4439131"/>
+          </a:xfrm>
+          <a:custGeom>
+            <a:avLst/>
+            <a:gdLst>
+              <a:gd name="connsiteX0" fmla="*/ 4990147 w 4990147"/>
+              <a:gd name="connsiteY0" fmla="*/ 2229378 h 4439131"/>
+              <a:gd name="connsiteX1" fmla="*/ 917384 w 4990147"/>
+              <a:gd name="connsiteY1" fmla="*/ 4439131 h 4439131"/>
+              <a:gd name="connsiteX2" fmla="*/ 910814 w 4990147"/>
+              <a:gd name="connsiteY2" fmla="*/ 4434219 h 4439131"/>
+              <a:gd name="connsiteX3" fmla="*/ 0 w 4990147"/>
+              <a:gd name="connsiteY3" fmla="*/ 2502877 h 4439131"/>
+              <a:gd name="connsiteX4" fmla="*/ 2502877 w 4990147"/>
+              <a:gd name="connsiteY4" fmla="*/ 0 h 4439131"/>
+              <a:gd name="connsiteX5" fmla="*/ 4954904 w 4990147"/>
+              <a:gd name="connsiteY5" fmla="*/ 1998460 h 4439131"/>
+            </a:gdLst>
+            <a:ahLst/>
+            <a:cxnLst>
+              <a:cxn ang="0">
+                <a:pos x="connsiteX0" y="connsiteY0"/>
+              </a:cxn>
+              <a:cxn ang="0">
+                <a:pos x="connsiteX1" y="connsiteY1"/>
+              </a:cxn>
+              <a:cxn ang="0">
+                <a:pos x="connsiteX2" y="connsiteY2"/>
+              </a:cxn>
+              <a:cxn ang="0">
+                <a:pos x="connsiteX3" y="connsiteY3"/>
+              </a:cxn>
+              <a:cxn ang="0">
+                <a:pos x="connsiteX4" y="connsiteY4"/>
+              </a:cxn>
+              <a:cxn ang="0">
+                <a:pos x="connsiteX5" y="connsiteY5"/>
+              </a:cxn>
+            </a:cxnLst>
+            <a:rect l="l" t="t" r="r" b="b"/>
+            <a:pathLst>
+              <a:path w="4990147" h="4439131">
+                <a:moveTo>
+                  <a:pt x="4990147" y="2229378"/>
+                </a:moveTo>
+                <a:lnTo>
+                  <a:pt x="917384" y="4439131"/>
+                </a:lnTo>
+                <a:lnTo>
+                  <a:pt x="910814" y="4434219"/>
+                </a:lnTo>
+                <a:cubicBezTo>
+                  <a:pt x="354557" y="3975154"/>
+                  <a:pt x="0" y="3280421"/>
+                  <a:pt x="0" y="2502877"/>
+                </a:cubicBezTo>
+                <a:cubicBezTo>
+                  <a:pt x="0" y="1120576"/>
+                  <a:pt x="1120576" y="0"/>
+                  <a:pt x="2502877" y="0"/>
+                </a:cubicBezTo>
+                <a:cubicBezTo>
+                  <a:pt x="3712390" y="0"/>
+                  <a:pt x="4721520" y="857941"/>
+                  <a:pt x="4954904" y="1998460"/>
+                </a:cubicBezTo>
+                <a:close/>
+              </a:path>
+            </a:pathLst>
+          </a:custGeom>
+          <a:gradFill>
+            <a:gsLst>
+              <a:gs pos="0">
+                <a:schemeClr val="accent1">
+                  <a:alpha val="22000"/>
+                </a:schemeClr>
+              </a:gs>
+              <a:gs pos="87000">
+                <a:schemeClr val="accent1">
+                  <a:lumMod val="60000"/>
+                  <a:lumOff val="40000"/>
+                  <a:alpha val="2000"/>
+                </a:schemeClr>
+              </a:gs>
+            </a:gsLst>
+            <a:lin ang="8400000" scaled="0"/>
+          </a:gradFill>
+          <a:ln>
+            <a:noFill/>
+          </a:ln>
+        </p:spPr>
+        <p:style>
+          <a:lnRef idx="2">
+            <a:schemeClr val="accent1">
+              <a:shade val="50000"/>
+            </a:schemeClr>
+          </a:lnRef>
+          <a:fillRef idx="1">
+            <a:schemeClr val="accent1"/>
+          </a:fillRef>
+          <a:effectRef idx="0">
+            <a:schemeClr val="accent1"/>
+          </a:effectRef>
+          <a:fontRef idx="minor">
+            <a:schemeClr val="lt1"/>
+          </a:fontRef>
+        </p:style>
+        <p:txBody>
+          <a:bodyPr wrap="square" rtlCol="0" anchor="ctr">
+            <a:noAutofit/>
+          </a:bodyPr>
+          <a:lstStyle/>
+          <a:p>
+            <a:pPr algn="ctr"/>
+            <a:endParaRPr lang="en-US" dirty="0"/>
+          </a:p>
+        </p:txBody>
+      </p:sp>
+      <p:sp>
+        <p:nvSpPr>
+          <p:cNvPr id="2" name="Title 1">
+            <a:extLst>
+              <a:ext uri="{FF2B5EF4-FFF2-40B4-BE49-F238E27FC236}">
+                <a16:creationId xmlns:a16="http://schemas.microsoft.com/office/drawing/2014/main" id="{7FCF0864-E616-324F-95F5-80AEBC173861}"/>
+              </a:ext>
+            </a:extLst>
+          </p:cNvPr>
+          <p:cNvSpPr>
+            <a:spLocks noGrp="1"/>
+          </p:cNvSpPr>
+          <p:nvPr>
+            <p:ph type="ctrTitle"/>
+          </p:nvPr>
+        </p:nvSpPr>
+        <p:spPr>
+          <a:xfrm>
+            <a:off x="1314824" y="735106"/>
+            <a:ext cx="10053763" cy="2928470"/>
+          </a:xfrm>
+        </p:spPr>
+        <p:txBody>
+          <a:bodyPr anchor="b">
+            <a:normAutofit/>
+          </a:bodyPr>
+          <a:lstStyle/>
+          <a:p>
+            <a:pPr algn="l"/>
+            <a:r>
+              <a:rPr lang="en-US" sz="4800" dirty="0">
+                <a:solidFill>
+                  <a:srgbClr val="FFFFFF"/>
+                </a:solidFill>
+              </a:rPr>
+              <a:t>Formula For Success – Best Director, Actor/Actress, and Producer</a:t>
+            </a:r>
+          </a:p>
+        </p:txBody>
+      </p:sp>
+      <p:sp>
+        <p:nvSpPr>
+          <p:cNvPr id="3" name="Subtitle 2">
+            <a:extLst>
+              <a:ext uri="{FF2B5EF4-FFF2-40B4-BE49-F238E27FC236}">
+                <a16:creationId xmlns:a16="http://schemas.microsoft.com/office/drawing/2014/main" id="{287AC451-E7D3-2C42-87E3-CA866325CF79}"/>
+              </a:ext>
+            </a:extLst>
+          </p:cNvPr>
+          <p:cNvSpPr>
+            <a:spLocks noGrp="1"/>
+          </p:cNvSpPr>
+          <p:nvPr>
+            <p:ph type="subTitle" idx="1"/>
+          </p:nvPr>
+        </p:nvSpPr>
+        <p:spPr>
+          <a:xfrm>
+            <a:off x="1350682" y="4870824"/>
+            <a:ext cx="10005951" cy="1458258"/>
+          </a:xfrm>
+        </p:spPr>
+        <p:txBody>
+          <a:bodyPr anchor="ctr">
+            <a:normAutofit/>
+          </a:bodyPr>
+          <a:lstStyle/>
+          <a:p>
+            <a:pPr algn="l"/>
+            <a:r>
+              <a:rPr lang="en-US" dirty="0"/>
+              <a:t>BY: Carlos Marin</a:t>
+            </a:r>
+            <a:endParaRPr lang="en-US"/>
+          </a:p>
+        </p:txBody>
+      </p:sp>
+    </p:spTree>
+    <p:extLst>
+      <p:ext uri="{BB962C8B-B14F-4D97-AF65-F5344CB8AC3E}">
+        <p14:creationId xmlns:p14="http://schemas.microsoft.com/office/powerpoint/2010/main" val="2331325954"/>
+      </p:ext>
+    </p:extLst>
+  </p:cSld>
+  <p:clrMapOvr>
+    <a:masterClrMapping/>
+  </p:clrMapOvr>
+</p:sld>
+</file>
+
+<file path=ppt/slides/slide10.xml><?xml version="1.0" encoding="utf-8"?>
+<p:sld xmlns:a="http://schemas.openxmlformats.org/drawingml/2006/main" xmlns:r="http://schemas.openxmlformats.org/officeDocument/2006/relationships" xmlns:p="http://schemas.openxmlformats.org/presentationml/2006/main">
+  <p:cSld>
+    <p:bg>
+      <p:bgPr>
+        <a:solidFill>
+          <a:schemeClr val="bg1"/>
+        </a:solidFill>
+        <a:effectLst/>
+      </p:bgPr>
+    </p:bg>
+    <p:spTree>
+      <p:nvGrpSpPr>
+        <p:cNvPr id="1" name=""/>
+        <p:cNvGrpSpPr/>
+        <p:nvPr/>
+      </p:nvGrpSpPr>
+      <p:grpSpPr>
+        <a:xfrm>
+          <a:off x="0" y="0"/>
+          <a:ext cx="0" cy="0"/>
+          <a:chOff x="0" y="0"/>
+          <a:chExt cx="0" cy="0"/>
+        </a:xfrm>
+      </p:grpSpPr>
+      <p:sp useBgFill="1">
+        <p:nvSpPr>
+          <p:cNvPr id="137" name="Rectangle 136">
+            <a:extLst>
+              <a:ext uri="{FF2B5EF4-FFF2-40B4-BE49-F238E27FC236}">
+                <a16:creationId xmlns:a16="http://schemas.microsoft.com/office/drawing/2014/main" id="{2151139A-886F-4B97-8815-729AD3831BBD}"/>
+              </a:ext>
+              <a:ext uri="{C183D7F6-B498-43B3-948B-1728B52AA6E4}">
+                <adec:decorative xmlns:adec="http://schemas.microsoft.com/office/drawing/2017/decorative" val="1"/>
+              </a:ext>
+            </a:extLst>
+          </p:cNvPr>
+          <p:cNvSpPr>
+            <a:spLocks noGrp="1" noRot="1" noChangeAspect="1" noMove="1" noResize="1" noEditPoints="1" noAdjustHandles="1" noChangeArrowheads="1" noChangeShapeType="1" noTextEdit="1"/>
+          </p:cNvSpPr>
+          <p:nvPr>
+            <p:extLst>
+              <p:ext uri="{386F3935-93C4-4BCD-93E2-E3B085C9AB24}">
+                <p16:designElem xmlns:p16="http://schemas.microsoft.com/office/powerpoint/2015/main" val="1"/>
+              </p:ext>
+            </p:extLst>
+          </p:nvPr>
+        </p:nvSpPr>
+        <p:spPr>
+          <a:xfrm>
+            <a:off x="0" y="0"/>
+            <a:ext cx="12192000" cy="6858000"/>
+          </a:xfrm>
+          <a:prstGeom prst="rect">
+            <a:avLst/>
+          </a:prstGeom>
+          <a:ln w="12700" cap="flat" cmpd="sng" algn="ctr">
+            <a:noFill/>
+            <a:prstDash val="solid"/>
+            <a:miter lim="800000"/>
+          </a:ln>
+          <a:effectLst/>
+          <a:extLst>
+            <a:ext uri="{91240B29-F687-4F45-9708-019B960494DF}">
+              <a14:hiddenLine xmlns:a14="http://schemas.microsoft.com/office/drawing/2010/main" w="12700" cap="flat" cmpd="sng" algn="ctr">
+                <a:solidFill>
+                  <a:schemeClr val="accent1">
+                    <a:shade val="50000"/>
+                  </a:schemeClr>
+                </a:solidFill>
+                <a:prstDash val="solid"/>
+                <a:miter lim="800000"/>
+              </a14:hiddenLine>
+            </a:ext>
+          </a:extLst>
+        </p:spPr>
+        <p:style>
+          <a:lnRef idx="2">
+            <a:schemeClr val="accent1">
+              <a:shade val="50000"/>
+            </a:schemeClr>
+          </a:lnRef>
+          <a:fillRef idx="1">
+            <a:schemeClr val="accent1"/>
+          </a:fillRef>
+          <a:effectRef idx="0">
+            <a:schemeClr val="accent1"/>
+          </a:effectRef>
+          <a:fontRef idx="minor">
+            <a:schemeClr val="lt1"/>
+          </a:fontRef>
+        </p:style>
+        <p:txBody>
+          <a:bodyPr rtlCol="0" anchor="ctr"/>
+          <a:lstStyle/>
+          <a:p>
+            <a:pPr algn="ctr"/>
+            <a:endParaRPr lang="en-US" sz="2000"/>
+          </a:p>
+        </p:txBody>
+      </p:sp>
+      <p:sp>
+        <p:nvSpPr>
+          <p:cNvPr id="139" name="Rectangle 138">
+            <a:extLst>
+              <a:ext uri="{FF2B5EF4-FFF2-40B4-BE49-F238E27FC236}">
+                <a16:creationId xmlns:a16="http://schemas.microsoft.com/office/drawing/2014/main" id="{AB5E08C4-8CDD-4623-A5B8-E998C6DEE3B7}"/>
+              </a:ext>
+              <a:ext uri="{C183D7F6-B498-43B3-948B-1728B52AA6E4}">
+                <adec:decorative xmlns:adec="http://schemas.microsoft.com/office/drawing/2017/decorative" val="1"/>
+              </a:ext>
+            </a:extLst>
+          </p:cNvPr>
+          <p:cNvSpPr>
+            <a:spLocks noGrp="1" noRot="1" noChangeAspect="1" noMove="1" noResize="1" noEditPoints="1" noAdjustHandles="1" noChangeArrowheads="1" noChangeShapeType="1" noTextEdit="1"/>
+          </p:cNvSpPr>
+          <p:nvPr>
+            <p:extLst>
+              <p:ext uri="{386F3935-93C4-4BCD-93E2-E3B085C9AB24}">
+                <p16:designElem xmlns:p16="http://schemas.microsoft.com/office/powerpoint/2015/main" val="1"/>
+              </p:ext>
+            </p:extLst>
+          </p:nvPr>
+        </p:nvSpPr>
+        <p:spPr>
+          <a:xfrm flipH="1">
+            <a:off x="2" y="492"/>
+            <a:ext cx="12191998" cy="1575955"/>
+          </a:xfrm>
+          <a:prstGeom prst="rect">
+            <a:avLst/>
+          </a:prstGeom>
+          <a:gradFill>
+            <a:gsLst>
+              <a:gs pos="0">
+                <a:schemeClr val="accent1">
+                  <a:lumMod val="50000"/>
+                </a:schemeClr>
+              </a:gs>
+              <a:gs pos="100000">
+                <a:schemeClr val="accent1">
+                  <a:lumMod val="75000"/>
+                </a:schemeClr>
+              </a:gs>
+            </a:gsLst>
+            <a:lin ang="8400000" scaled="0"/>
+          </a:gradFill>
+          <a:ln>
+            <a:noFill/>
+          </a:ln>
+        </p:spPr>
+        <p:style>
+          <a:lnRef idx="2">
+            <a:schemeClr val="accent1">
+              <a:shade val="50000"/>
+            </a:schemeClr>
+          </a:lnRef>
+          <a:fillRef idx="1">
+            <a:schemeClr val="accent1"/>
+          </a:fillRef>
+          <a:effectRef idx="0">
+            <a:schemeClr val="accent1"/>
+          </a:effectRef>
+          <a:fontRef idx="minor">
+            <a:schemeClr val="lt1"/>
+          </a:fontRef>
+        </p:style>
+        <p:txBody>
+          <a:bodyPr rtlCol="0" anchor="ctr"/>
+          <a:lstStyle/>
+          <a:p>
+            <a:pPr algn="ctr"/>
+            <a:endParaRPr lang="en-US"/>
+          </a:p>
+        </p:txBody>
+      </p:sp>
+      <p:sp>
+        <p:nvSpPr>
+          <p:cNvPr id="141" name="Rectangle 140">
+            <a:extLst>
+              <a:ext uri="{FF2B5EF4-FFF2-40B4-BE49-F238E27FC236}">
+                <a16:creationId xmlns:a16="http://schemas.microsoft.com/office/drawing/2014/main" id="{15F33878-D502-4FFA-8ACE-F2AECDB2A23F}"/>
+              </a:ext>
+              <a:ext uri="{C183D7F6-B498-43B3-948B-1728B52AA6E4}">
+                <adec:decorative xmlns:adec="http://schemas.microsoft.com/office/drawing/2017/decorative" val="1"/>
+              </a:ext>
+            </a:extLst>
+          </p:cNvPr>
+          <p:cNvSpPr>
+            <a:spLocks noGrp="1" noRot="1" noChangeAspect="1" noMove="1" noResize="1" noEditPoints="1" noAdjustHandles="1" noChangeArrowheads="1" noChangeShapeType="1" noTextEdit="1"/>
+          </p:cNvSpPr>
+          <p:nvPr>
+            <p:extLst>
+              <p:ext uri="{386F3935-93C4-4BCD-93E2-E3B085C9AB24}">
+                <p16:designElem xmlns:p16="http://schemas.microsoft.com/office/powerpoint/2015/main" val="1"/>
+              </p:ext>
+            </p:extLst>
+          </p:nvPr>
+        </p:nvSpPr>
+        <p:spPr>
+          <a:xfrm rot="10800000" flipH="1">
+            <a:off x="8128857" y="35"/>
+            <a:ext cx="4063143" cy="1576412"/>
+          </a:xfrm>
+          <a:prstGeom prst="rect">
+            <a:avLst/>
+          </a:prstGeom>
+          <a:gradFill>
+            <a:gsLst>
+              <a:gs pos="19000">
+                <a:schemeClr val="accent1">
+                  <a:lumMod val="50000"/>
+                  <a:alpha val="68000"/>
+                </a:schemeClr>
+              </a:gs>
+              <a:gs pos="100000">
+                <a:schemeClr val="accent1">
+                  <a:alpha val="79000"/>
+                </a:schemeClr>
+              </a:gs>
+            </a:gsLst>
+            <a:lin ang="19200000" scaled="0"/>
+          </a:gradFill>
+          <a:ln>
+            <a:noFill/>
+          </a:ln>
+        </p:spPr>
+        <p:style>
+          <a:lnRef idx="2">
+            <a:schemeClr val="accent1">
+              <a:shade val="50000"/>
+            </a:schemeClr>
+          </a:lnRef>
+          <a:fillRef idx="1">
+            <a:schemeClr val="accent1"/>
+          </a:fillRef>
+          <a:effectRef idx="0">
+            <a:schemeClr val="accent1"/>
+          </a:effectRef>
+          <a:fontRef idx="minor">
+            <a:schemeClr val="lt1"/>
+          </a:fontRef>
+        </p:style>
+        <p:txBody>
+          <a:bodyPr rtlCol="0" anchor="ctr"/>
+          <a:lstStyle/>
+          <a:p>
+            <a:pPr algn="ctr"/>
+            <a:endParaRPr lang="en-US"/>
+          </a:p>
+        </p:txBody>
+      </p:sp>
+      <p:sp>
+        <p:nvSpPr>
+          <p:cNvPr id="143" name="Rectangle 142">
+            <a:extLst>
+              <a:ext uri="{FF2B5EF4-FFF2-40B4-BE49-F238E27FC236}">
+                <a16:creationId xmlns:a16="http://schemas.microsoft.com/office/drawing/2014/main" id="{D3539FEE-81D3-4406-802E-60B20B16F4F6}"/>
+              </a:ext>
+              <a:ext uri="{C183D7F6-B498-43B3-948B-1728B52AA6E4}">
+                <adec:decorative xmlns:adec="http://schemas.microsoft.com/office/drawing/2017/decorative" val="1"/>
+              </a:ext>
+            </a:extLst>
+          </p:cNvPr>
+          <p:cNvSpPr>
+            <a:spLocks noGrp="1" noRot="1" noChangeAspect="1" noMove="1" noResize="1" noEditPoints="1" noAdjustHandles="1" noChangeArrowheads="1" noChangeShapeType="1" noTextEdit="1"/>
+          </p:cNvSpPr>
+          <p:nvPr>
+            <p:extLst>
+              <p:ext uri="{386F3935-93C4-4BCD-93E2-E3B085C9AB24}">
+                <p16:designElem xmlns:p16="http://schemas.microsoft.com/office/powerpoint/2015/main" val="1"/>
+              </p:ext>
+            </p:extLst>
+          </p:nvPr>
+        </p:nvSpPr>
+        <p:spPr>
+          <a:xfrm rot="5400000">
+            <a:off x="5307778" y="-5307777"/>
+            <a:ext cx="1576446" cy="12192001"/>
+          </a:xfrm>
+          <a:prstGeom prst="rect">
+            <a:avLst/>
+          </a:prstGeom>
+          <a:gradFill>
+            <a:gsLst>
+              <a:gs pos="16000">
+                <a:srgbClr val="000000">
+                  <a:alpha val="0"/>
+                </a:srgbClr>
+              </a:gs>
+              <a:gs pos="99000">
+                <a:srgbClr val="000000">
+                  <a:alpha val="87000"/>
+                </a:srgbClr>
+              </a:gs>
+            </a:gsLst>
+            <a:lin ang="11400000" scaled="0"/>
+          </a:gradFill>
+          <a:ln>
+            <a:noFill/>
+          </a:ln>
+        </p:spPr>
+        <p:style>
+          <a:lnRef idx="2">
+            <a:schemeClr val="accent1">
+              <a:shade val="50000"/>
+            </a:schemeClr>
+          </a:lnRef>
+          <a:fillRef idx="1">
+            <a:schemeClr val="accent1"/>
+          </a:fillRef>
+          <a:effectRef idx="0">
+            <a:schemeClr val="accent1"/>
+          </a:effectRef>
+          <a:fontRef idx="minor">
+            <a:schemeClr val="lt1"/>
+          </a:fontRef>
+        </p:style>
+        <p:txBody>
+          <a:bodyPr rtlCol="0" anchor="ctr"/>
+          <a:lstStyle/>
+          <a:p>
+            <a:pPr algn="ctr"/>
+            <a:endParaRPr lang="en-US" dirty="0"/>
+          </a:p>
+        </p:txBody>
+      </p:sp>
+      <p:sp>
+        <p:nvSpPr>
+          <p:cNvPr id="145" name="Rectangle 144">
+            <a:extLst>
+              <a:ext uri="{FF2B5EF4-FFF2-40B4-BE49-F238E27FC236}">
+                <a16:creationId xmlns:a16="http://schemas.microsoft.com/office/drawing/2014/main" id="{DC701763-729E-462F-A5A8-E0DEFEB1E2E4}"/>
+              </a:ext>
+              <a:ext uri="{C183D7F6-B498-43B3-948B-1728B52AA6E4}">
+                <adec:decorative xmlns:adec="http://schemas.microsoft.com/office/drawing/2017/decorative" val="1"/>
+              </a:ext>
+            </a:extLst>
+          </p:cNvPr>
+          <p:cNvSpPr>
+            <a:spLocks noGrp="1" noRot="1" noChangeAspect="1" noMove="1" noResize="1" noEditPoints="1" noAdjustHandles="1" noChangeArrowheads="1" noChangeShapeType="1" noTextEdit="1"/>
+          </p:cNvSpPr>
+          <p:nvPr>
+            <p:extLst>
+              <p:ext uri="{386F3935-93C4-4BCD-93E2-E3B085C9AB24}">
+                <p16:designElem xmlns:p16="http://schemas.microsoft.com/office/powerpoint/2015/main" val="1"/>
+              </p:ext>
+            </p:extLst>
+          </p:nvPr>
+        </p:nvSpPr>
+        <p:spPr>
+          <a:xfrm>
+            <a:off x="3825434" y="986"/>
+            <a:ext cx="4303422" cy="1575461"/>
+          </a:xfrm>
+          <a:prstGeom prst="rect">
+            <a:avLst/>
+          </a:prstGeom>
+          <a:gradFill>
+            <a:gsLst>
+              <a:gs pos="0">
+                <a:schemeClr val="accent1">
+                  <a:alpha val="17000"/>
+                </a:schemeClr>
+              </a:gs>
+              <a:gs pos="74000">
+                <a:schemeClr val="accent1">
+                  <a:lumMod val="50000"/>
+                  <a:alpha val="0"/>
+                </a:schemeClr>
+              </a:gs>
+            </a:gsLst>
+            <a:lin ang="14400000" scaled="0"/>
+          </a:gradFill>
+          <a:ln>
+            <a:noFill/>
+          </a:ln>
+        </p:spPr>
+        <p:style>
+          <a:lnRef idx="2">
+            <a:schemeClr val="accent1">
+              <a:shade val="50000"/>
+            </a:schemeClr>
+          </a:lnRef>
+          <a:fillRef idx="1">
+            <a:schemeClr val="accent1"/>
+          </a:fillRef>
+          <a:effectRef idx="0">
+            <a:schemeClr val="accent1"/>
+          </a:effectRef>
+          <a:fontRef idx="minor">
+            <a:schemeClr val="lt1"/>
+          </a:fontRef>
+        </p:style>
+        <p:txBody>
+          <a:bodyPr rtlCol="0" anchor="ctr"/>
+          <a:lstStyle/>
+          <a:p>
+            <a:pPr algn="ctr"/>
+            <a:endParaRPr lang="en-US"/>
+          </a:p>
+        </p:txBody>
+      </p:sp>
+      <p:sp>
+        <p:nvSpPr>
+          <p:cNvPr id="2" name="Title 1">
+            <a:extLst>
+              <a:ext uri="{FF2B5EF4-FFF2-40B4-BE49-F238E27FC236}">
+                <a16:creationId xmlns:a16="http://schemas.microsoft.com/office/drawing/2014/main" id="{2D5D46DE-345B-A547-B1B1-C7513AB2563D}"/>
+              </a:ext>
+            </a:extLst>
+          </p:cNvPr>
+          <p:cNvSpPr>
+            <a:spLocks noGrp="1"/>
+          </p:cNvSpPr>
+          <p:nvPr>
+            <p:ph type="title"/>
+          </p:nvPr>
+        </p:nvSpPr>
+        <p:spPr>
+          <a:xfrm>
+            <a:off x="699714" y="353160"/>
+            <a:ext cx="7091300" cy="898581"/>
+          </a:xfrm>
+        </p:spPr>
+        <p:txBody>
+          <a:bodyPr vert="horz" lIns="91440" tIns="45720" rIns="91440" bIns="45720" rtlCol="0" anchor="ctr">
+            <a:normAutofit/>
+          </a:bodyPr>
+          <a:lstStyle/>
+          <a:p>
+            <a:r>
+              <a:rPr lang="en-US" sz="4000" dirty="0">
+                <a:solidFill>
+                  <a:srgbClr val="FFFFFF"/>
+                </a:solidFill>
+              </a:rPr>
+              <a:t>Results - Actresses</a:t>
+            </a:r>
+          </a:p>
+        </p:txBody>
+      </p:sp>
+      <p:pic>
+        <p:nvPicPr>
+          <p:cNvPr id="5122" name="Picture 2">
+            <a:extLst>
+              <a:ext uri="{FF2B5EF4-FFF2-40B4-BE49-F238E27FC236}">
+                <a16:creationId xmlns:a16="http://schemas.microsoft.com/office/drawing/2014/main" id="{DA154CD4-14B7-9346-B30C-44E792378F71}"/>
+              </a:ext>
+            </a:extLst>
+          </p:cNvPr>
+          <p:cNvPicPr>
+            <a:picLocks noGrp="1" noChangeAspect="1" noChangeArrowheads="1"/>
+          </p:cNvPicPr>
+          <p:nvPr>
+            <p:ph idx="1"/>
+          </p:nvPr>
+        </p:nvPicPr>
+        <p:blipFill>
+          <a:blip r:embed="rId2">
+            <a:extLst>
+              <a:ext uri="{28A0092B-C50C-407E-A947-70E740481C1C}">
+                <a14:useLocalDpi xmlns:a14="http://schemas.microsoft.com/office/drawing/2010/main" val="0"/>
+              </a:ext>
+            </a:extLst>
+          </a:blip>
+          <a:srcRect/>
+          <a:stretch>
+            <a:fillRect/>
+          </a:stretch>
+        </p:blipFill>
+        <p:spPr bwMode="auto">
+          <a:xfrm>
+            <a:off x="1289136" y="1928621"/>
+            <a:ext cx="4470227" cy="4351338"/>
+          </a:xfrm>
+          <a:prstGeom prst="rect">
+            <a:avLst/>
+          </a:prstGeom>
+          <a:noFill/>
+          <a:extLst>
+            <a:ext uri="{909E8E84-426E-40DD-AFC4-6F175D3DCCD1}">
+              <a14:hiddenFill xmlns:a14="http://schemas.microsoft.com/office/drawing/2010/main">
+                <a:solidFill>
+                  <a:srgbClr val="FFFFFF"/>
+                </a:solidFill>
+              </a14:hiddenFill>
+            </a:ext>
+          </a:extLst>
+        </p:spPr>
+      </p:pic>
+      <p:pic>
+        <p:nvPicPr>
+          <p:cNvPr id="5124" name="Picture 4">
+            <a:extLst>
+              <a:ext uri="{FF2B5EF4-FFF2-40B4-BE49-F238E27FC236}">
+                <a16:creationId xmlns:a16="http://schemas.microsoft.com/office/drawing/2014/main" id="{CECF5619-A904-DB41-A8AA-23B1582C4F69}"/>
+              </a:ext>
+            </a:extLst>
+          </p:cNvPr>
+          <p:cNvPicPr>
+            <a:picLocks noChangeAspect="1" noChangeArrowheads="1"/>
+          </p:cNvPicPr>
+          <p:nvPr/>
+        </p:nvPicPr>
+        <p:blipFill>
+          <a:blip r:embed="rId3">
+            <a:extLst>
+              <a:ext uri="{28A0092B-C50C-407E-A947-70E740481C1C}">
+                <a14:useLocalDpi xmlns:a14="http://schemas.microsoft.com/office/drawing/2010/main" val="0"/>
+              </a:ext>
+            </a:extLst>
+          </a:blip>
+          <a:srcRect/>
+          <a:stretch>
+            <a:fillRect/>
+          </a:stretch>
+        </p:blipFill>
+        <p:spPr bwMode="auto">
+          <a:xfrm>
+            <a:off x="6096000" y="1780190"/>
+            <a:ext cx="5016500" cy="4648200"/>
+          </a:xfrm>
+          <a:prstGeom prst="rect">
+            <a:avLst/>
+          </a:prstGeom>
+          <a:noFill/>
+          <a:extLst>
+            <a:ext uri="{909E8E84-426E-40DD-AFC4-6F175D3DCCD1}">
+              <a14:hiddenFill xmlns:a14="http://schemas.microsoft.com/office/drawing/2010/main">
+                <a:solidFill>
+                  <a:srgbClr val="FFFFFF"/>
+                </a:solidFill>
+              </a14:hiddenFill>
+            </a:ext>
+          </a:extLst>
+        </p:spPr>
+      </p:pic>
+    </p:spTree>
+    <p:extLst>
+      <p:ext uri="{BB962C8B-B14F-4D97-AF65-F5344CB8AC3E}">
+        <p14:creationId xmlns:p14="http://schemas.microsoft.com/office/powerpoint/2010/main" val="266667832"/>
+      </p:ext>
+    </p:extLst>
+  </p:cSld>
+  <p:clrMapOvr>
+    <a:masterClrMapping/>
+  </p:clrMapOvr>
+</p:sld>
+</file>
+
+<file path=ppt/slides/slide11.xml><?xml version="1.0" encoding="utf-8"?>
+<p:sld xmlns:a="http://schemas.openxmlformats.org/drawingml/2006/main" xmlns:r="http://schemas.openxmlformats.org/officeDocument/2006/relationships" xmlns:p="http://schemas.openxmlformats.org/presentationml/2006/main">
+  <p:cSld>
+    <p:bg>
+      <p:bgPr>
+        <a:solidFill>
+          <a:schemeClr val="bg1"/>
+        </a:solidFill>
+        <a:effectLst/>
+      </p:bgPr>
+    </p:bg>
     <p:spTree>
       <p:nvGrpSpPr>
         <p:cNvPr id="1" name=""/>
@@ -6148,7 +7351,7 @@
           <p:cNvPr id="2" name="Title 1">
             <a:extLst>
               <a:ext uri="{FF2B5EF4-FFF2-40B4-BE49-F238E27FC236}">
-                <a16:creationId xmlns:a16="http://schemas.microsoft.com/office/drawing/2014/main" id="{7FCF0864-E616-324F-95F5-80AEBC173861}"/>
+                <a16:creationId xmlns:a16="http://schemas.microsoft.com/office/drawing/2014/main" id="{80ECD576-99C5-D742-9F38-9C2393803CB8}"/>
               </a:ext>
             </a:extLst>
           </p:cNvPr>
@@ -6156,27 +7359,34 @@
             <a:spLocks noGrp="1"/>
           </p:cNvSpPr>
           <p:nvPr>
-            <p:ph type="ctrTitle"/>
-          </p:nvPr>
-        </p:nvSpPr>
-        <p:spPr/>
-        <p:txBody>
-          <a:bodyPr/>
+            <p:ph type="title"/>
+          </p:nvPr>
+        </p:nvSpPr>
+        <p:spPr>
+          <a:xfrm>
+            <a:off x="4965430" y="629268"/>
+            <a:ext cx="6586491" cy="1286160"/>
+          </a:xfrm>
+        </p:spPr>
+        <p:txBody>
+          <a:bodyPr anchor="b">
+            <a:normAutofit/>
+          </a:bodyPr>
           <a:lstStyle/>
           <a:p>
             <a:r>
               <a:rPr lang="en-US" dirty="0"/>
-              <a:t>Movie Genres Success in the Movie industry</a:t>
+              <a:t>Results (continued…)</a:t>
             </a:r>
           </a:p>
         </p:txBody>
       </p:sp>
       <p:sp>
         <p:nvSpPr>
-          <p:cNvPr id="3" name="Subtitle 2">
-            <a:extLst>
-              <a:ext uri="{FF2B5EF4-FFF2-40B4-BE49-F238E27FC236}">
-                <a16:creationId xmlns:a16="http://schemas.microsoft.com/office/drawing/2014/main" id="{287AC451-E7D3-2C42-87E3-CA866325CF79}"/>
+          <p:cNvPr id="3" name="Content Placeholder 2">
+            <a:extLst>
+              <a:ext uri="{FF2B5EF4-FFF2-40B4-BE49-F238E27FC236}">
+                <a16:creationId xmlns:a16="http://schemas.microsoft.com/office/drawing/2014/main" id="{E284294C-649B-8841-8B9B-0C78E1821671}"/>
               </a:ext>
             </a:extLst>
           </p:cNvPr>
@@ -6184,25 +7394,114 @@
             <a:spLocks noGrp="1"/>
           </p:cNvSpPr>
           <p:nvPr>
-            <p:ph type="subTitle" idx="1"/>
-          </p:nvPr>
-        </p:nvSpPr>
-        <p:spPr/>
-        <p:txBody>
-          <a:bodyPr/>
+            <p:ph idx="1"/>
+          </p:nvPr>
+        </p:nvSpPr>
+        <p:spPr>
+          <a:xfrm>
+            <a:off x="4965431" y="2438400"/>
+            <a:ext cx="6586489" cy="3785419"/>
+          </a:xfrm>
+        </p:spPr>
+        <p:txBody>
+          <a:bodyPr>
+            <a:normAutofit/>
+          </a:bodyPr>
           <a:lstStyle/>
           <a:p>
             <a:r>
-              <a:rPr lang="en-US" dirty="0"/>
-              <a:t>BY: Carlos Marin</a:t>
+              <a:rPr lang="en-US" sz="2000" dirty="0"/>
+              <a:t>Results show  there is little variability on average rating. The biggest measure of success is by ROI Percentage. </a:t>
             </a:r>
           </a:p>
         </p:txBody>
       </p:sp>
+      <p:pic>
+        <p:nvPicPr>
+          <p:cNvPr id="5" name="Picture 4" descr="Colourful charts and graphs">
+            <a:extLst>
+              <a:ext uri="{FF2B5EF4-FFF2-40B4-BE49-F238E27FC236}">
+                <a16:creationId xmlns:a16="http://schemas.microsoft.com/office/drawing/2014/main" id="{53E516F8-9F2D-4D94-A3F0-BFA583588AC7}"/>
+              </a:ext>
+            </a:extLst>
+          </p:cNvPr>
+          <p:cNvPicPr>
+            <a:picLocks noChangeAspect="1"/>
+          </p:cNvPicPr>
+          <p:nvPr/>
+        </p:nvPicPr>
+        <p:blipFill rotWithShape="1">
+          <a:blip r:embed="rId2"/>
+          <a:srcRect l="29492" r="25389" b="-1"/>
+          <a:stretch/>
+        </p:blipFill>
+        <p:spPr>
+          <a:xfrm>
+            <a:off x="20" y="10"/>
+            <a:ext cx="4635571" cy="6857990"/>
+          </a:xfrm>
+          <a:prstGeom prst="rect">
+            <a:avLst/>
+          </a:prstGeom>
+          <a:effectLst/>
+        </p:spPr>
+      </p:pic>
+      <p:cxnSp>
+        <p:nvCxnSpPr>
+          <p:cNvPr id="9" name="Straight Connector 8">
+            <a:extLst>
+              <a:ext uri="{FF2B5EF4-FFF2-40B4-BE49-F238E27FC236}">
+                <a16:creationId xmlns:a16="http://schemas.microsoft.com/office/drawing/2014/main" id="{A7F400EE-A8A5-48AF-B4D6-291B52C6F0B0}"/>
+              </a:ext>
+              <a:ext uri="{C183D7F6-B498-43B3-948B-1728B52AA6E4}">
+                <adec:decorative xmlns:adec="http://schemas.microsoft.com/office/drawing/2017/decorative" val="1"/>
+              </a:ext>
+            </a:extLst>
+          </p:cNvPr>
+          <p:cNvCxnSpPr>
+            <a:cxnSpLocks noGrp="1" noRot="1" noChangeAspect="1" noMove="1" noResize="1" noEditPoints="1" noAdjustHandles="1" noChangeArrowheads="1" noChangeShapeType="1"/>
+          </p:cNvCxnSpPr>
+          <p:nvPr>
+            <p:extLst>
+              <p:ext uri="{386F3935-93C4-4BCD-93E2-E3B085C9AB24}">
+                <p16:designElem xmlns:p16="http://schemas.microsoft.com/office/powerpoint/2015/main" val="1"/>
+              </p:ext>
+            </p:extLst>
+          </p:nvPr>
+        </p:nvCxnSpPr>
+        <p:spPr>
+          <a:xfrm>
+            <a:off x="5080934" y="2115117"/>
+            <a:ext cx="6309360" cy="0"/>
+          </a:xfrm>
+          <a:prstGeom prst="line">
+            <a:avLst/>
+          </a:prstGeom>
+          <a:ln w="19050">
+            <a:solidFill>
+              <a:srgbClr val="E5B15D"/>
+            </a:solidFill>
+          </a:ln>
+        </p:spPr>
+        <p:style>
+          <a:lnRef idx="1">
+            <a:schemeClr val="accent1"/>
+          </a:lnRef>
+          <a:fillRef idx="0">
+            <a:schemeClr val="accent1"/>
+          </a:fillRef>
+          <a:effectRef idx="0">
+            <a:schemeClr val="accent1"/>
+          </a:effectRef>
+          <a:fontRef idx="minor">
+            <a:schemeClr val="tx1"/>
+          </a:fontRef>
+        </p:style>
+      </p:cxnSp>
     </p:spTree>
     <p:extLst>
       <p:ext uri="{BB962C8B-B14F-4D97-AF65-F5344CB8AC3E}">
-        <p14:creationId xmlns:p14="http://schemas.microsoft.com/office/powerpoint/2010/main" val="2331325954"/>
+        <p14:creationId xmlns:p14="http://schemas.microsoft.com/office/powerpoint/2010/main" val="493001081"/>
       </p:ext>
     </p:extLst>
   </p:cSld>
@@ -6212,7 +7511,7 @@
 </p:sld>
 </file>
 
-<file path=ppt/slides/slide10.xml><?xml version="1.0" encoding="utf-8"?>
+<file path=ppt/slides/slide12.xml><?xml version="1.0" encoding="utf-8"?>
 <p:sld xmlns:a="http://schemas.openxmlformats.org/drawingml/2006/main" xmlns:r="http://schemas.openxmlformats.org/officeDocument/2006/relationships" xmlns:p="http://schemas.openxmlformats.org/presentationml/2006/main">
   <p:cSld>
     <p:bg>
@@ -6864,7 +8163,7 @@
           <p:cNvPr id="2" name="Title 1">
             <a:extLst>
               <a:ext uri="{FF2B5EF4-FFF2-40B4-BE49-F238E27FC236}">
-                <a16:creationId xmlns:a16="http://schemas.microsoft.com/office/drawing/2014/main" id="{F60B305A-C1EA-AA4C-B376-3FED8ACDFF33}"/>
+                <a16:creationId xmlns:a16="http://schemas.microsoft.com/office/drawing/2014/main" id="{46E91C97-A06F-AC4A-8D1E-7409EF5640B1}"/>
               </a:ext>
             </a:extLst>
           </p:cNvPr>
@@ -6889,12 +8188,12 @@
           <a:p>
             <a:pPr algn="r"/>
             <a:r>
-              <a:rPr lang="en-US" sz="4000">
+              <a:rPr lang="en-US" sz="4000" dirty="0">
                 <a:solidFill>
                   <a:srgbClr val="FFFFFF"/>
                 </a:solidFill>
               </a:rPr>
-              <a:t>Next Steps…</a:t>
+              <a:t>Conclusions/ Findings</a:t>
             </a:r>
           </a:p>
         </p:txBody>
@@ -6904,7 +8203,7 @@
           <p:cNvPr id="3" name="Content Placeholder 2">
             <a:extLst>
               <a:ext uri="{FF2B5EF4-FFF2-40B4-BE49-F238E27FC236}">
-                <a16:creationId xmlns:a16="http://schemas.microsoft.com/office/drawing/2014/main" id="{BF862CB4-D907-6645-A76F-C429DF850D7F}"/>
+                <a16:creationId xmlns:a16="http://schemas.microsoft.com/office/drawing/2014/main" id="{F0879E51-3025-FD47-A6D2-158E9D009E69}"/>
               </a:ext>
             </a:extLst>
           </p:cNvPr>
@@ -6923,78 +8222,40 @@
         </p:spPr>
         <p:txBody>
           <a:bodyPr anchor="ctr">
-            <a:normAutofit/>
+            <a:normAutofit fontScale="92500" lnSpcReduction="20000"/>
           </a:bodyPr>
           <a:lstStyle/>
           <a:p>
-            <a:pPr marL="0" indent="0">
-              <a:buNone/>
-            </a:pPr>
-            <a:endParaRPr lang="en-US" sz="2000" dirty="0"/>
-          </a:p>
-          <a:p>
             <a:r>
               <a:rPr lang="en-US" sz="2000" dirty="0"/>
-              <a:t> </a:t>
+              <a:t>-1) David Gordon Green is the highest ROI director, His success in movies vary from dark comedies movies like Pineapple Express and shows like "Eastbound and Down' to slasher films such as Halloween he has great variety under his belt. </a:t>
             </a:r>
-            <a:r>
-              <a:rPr lang="en-US" sz="2000" b="1" u="sng" dirty="0"/>
-              <a:t>How can we increase ROI Percentage?</a:t>
-            </a:r>
-          </a:p>
-          <a:p>
-            <a:pPr marL="0" indent="0">
-              <a:buNone/>
-            </a:pPr>
+          </a:p>
+          <a:p>
+            <a:endParaRPr lang="en-US" sz="2000" dirty="0"/>
+          </a:p>
+          <a:p>
             <a:r>
               <a:rPr lang="en-US" sz="2000" dirty="0"/>
-              <a:t>Could Having potential more popular studios, directors, writers play a major role in movie success and overall?</a:t>
+              <a:t>-2) Top 3 Actors are Channing Tatum, Kevin Hart, and Steve Carell. Kevin Hart and Steve Carell are largely known for their comedies. Channing Tatum is a bit of wildcard he has played in action movies such as White House Down, and GI Joe, he has also played in comedies such as 21/22 Jump Street Films and Dramas such as Dear John and Coach Carter.</a:t>
             </a:r>
+          </a:p>
+          <a:p>
+            <a:endParaRPr lang="en-US" sz="2000" dirty="0"/>
           </a:p>
           <a:p>
             <a:r>
               <a:rPr lang="en-US" sz="2000" dirty="0"/>
-              <a:t> </a:t>
+              <a:t>-3) Jason Blum, he is the best Producer for thrillers and horrors. He is well known for his work in movies such as paranormal activity, Halloween, The Purge. He worked with David Gordon Green for the Halloween movies.</a:t>
             </a:r>
-            <a:r>
-              <a:rPr lang="en-US" sz="2000" b="1" u="sng" dirty="0"/>
-              <a:t>More Data in other Genres</a:t>
-            </a:r>
-          </a:p>
-          <a:p>
-            <a:pPr marL="0" indent="0">
-              <a:buNone/>
-            </a:pPr>
+          </a:p>
+          <a:p>
+            <a:endParaRPr lang="en-US" sz="2000" dirty="0"/>
+          </a:p>
+          <a:p>
             <a:r>
               <a:rPr lang="en-US" sz="2000" dirty="0"/>
-              <a:t>Low data for other genres not mentioned such as Action, Fantasy, Horror. More Data is needed to perform analysis on their success  </a:t>
-            </a:r>
-          </a:p>
-          <a:p>
-            <a:r>
-              <a:rPr lang="en-US" sz="2000" dirty="0"/>
-              <a:t> </a:t>
-            </a:r>
-            <a:r>
-              <a:rPr lang="en-US" sz="2000" b="1" u="sng" dirty="0"/>
-              <a:t>Different measure of success</a:t>
-            </a:r>
-          </a:p>
-          <a:p>
-            <a:pPr marL="0" indent="0">
-              <a:buNone/>
-            </a:pPr>
-            <a:r>
-              <a:rPr lang="en-US" sz="2000" dirty="0"/>
-              <a:t>Rather than measure Return on Investment percentage and average rating. </a:t>
-            </a:r>
-            <a:r>
-              <a:rPr lang="en-US" sz="2000" dirty="0" err="1"/>
-              <a:t>Meaure</a:t>
-            </a:r>
-            <a:r>
-              <a:rPr lang="en-US" sz="2000" dirty="0"/>
-              <a:t> average rating of success of certain directors in movie genres and compare how similar directors that work in that genre do</a:t>
+              <a:t>-4) Cate Blanchett, is another jack of all trades for an actress. She has played Dramas such as the Curious Case of Benjamin Button, to Comedies like Don't Look Up, and Fantasy like The Hobbit/Lord of the Rings.</a:t>
             </a:r>
           </a:p>
         </p:txBody>
@@ -7002,7 +8263,7 @@
     </p:spTree>
     <p:extLst>
       <p:ext uri="{BB962C8B-B14F-4D97-AF65-F5344CB8AC3E}">
-        <p14:creationId xmlns:p14="http://schemas.microsoft.com/office/powerpoint/2010/main" val="588871070"/>
+        <p14:creationId xmlns:p14="http://schemas.microsoft.com/office/powerpoint/2010/main" val="1690659996"/>
       </p:ext>
     </p:extLst>
   </p:cSld>
@@ -7012,368 +8273,7 @@
 </p:sld>
 </file>
 
-<file path=ppt/slides/slide2.xml><?xml version="1.0" encoding="utf-8"?>
-<p:sld xmlns:a="http://schemas.openxmlformats.org/drawingml/2006/main" xmlns:r="http://schemas.openxmlformats.org/officeDocument/2006/relationships" xmlns:p="http://schemas.openxmlformats.org/presentationml/2006/main">
-  <p:cSld>
-    <p:bg>
-      <p:bgPr>
-        <a:solidFill>
-          <a:schemeClr val="bg1"/>
-        </a:solidFill>
-        <a:effectLst/>
-      </p:bgPr>
-    </p:bg>
-    <p:spTree>
-      <p:nvGrpSpPr>
-        <p:cNvPr id="1" name=""/>
-        <p:cNvGrpSpPr/>
-        <p:nvPr/>
-      </p:nvGrpSpPr>
-      <p:grpSpPr>
-        <a:xfrm>
-          <a:off x="0" y="0"/>
-          <a:ext cx="0" cy="0"/>
-          <a:chOff x="0" y="0"/>
-          <a:chExt cx="0" cy="0"/>
-        </a:xfrm>
-      </p:grpSpPr>
-      <p:sp>
-        <p:nvSpPr>
-          <p:cNvPr id="9" name="Rectangle 8">
-            <a:extLst>
-              <a:ext uri="{FF2B5EF4-FFF2-40B4-BE49-F238E27FC236}">
-                <a16:creationId xmlns:a16="http://schemas.microsoft.com/office/drawing/2014/main" id="{B819A166-7571-4003-A6B8-B62034C3ED30}"/>
-              </a:ext>
-              <a:ext uri="{C183D7F6-B498-43B3-948B-1728B52AA6E4}">
-                <adec:decorative xmlns:adec="http://schemas.microsoft.com/office/drawing/2017/decorative" val="1"/>
-              </a:ext>
-            </a:extLst>
-          </p:cNvPr>
-          <p:cNvSpPr>
-            <a:spLocks noGrp="1" noRot="1" noChangeAspect="1" noMove="1" noResize="1" noEditPoints="1" noAdjustHandles="1" noChangeArrowheads="1" noChangeShapeType="1" noTextEdit="1"/>
-          </p:cNvSpPr>
-          <p:nvPr>
-            <p:extLst>
-              <p:ext uri="{386F3935-93C4-4BCD-93E2-E3B085C9AB24}">
-                <p16:designElem xmlns:p16="http://schemas.microsoft.com/office/powerpoint/2015/main" val="1"/>
-              </p:ext>
-            </p:extLst>
-          </p:nvPr>
-        </p:nvSpPr>
-        <p:spPr>
-          <a:xfrm>
-            <a:off x="-1" y="0"/>
-            <a:ext cx="5093209" cy="6858000"/>
-          </a:xfrm>
-          <a:prstGeom prst="rect">
-            <a:avLst/>
-          </a:prstGeom>
-          <a:solidFill>
-            <a:schemeClr val="accent1"/>
-          </a:solidFill>
-          <a:ln>
-            <a:noFill/>
-          </a:ln>
-        </p:spPr>
-        <p:style>
-          <a:lnRef idx="2">
-            <a:schemeClr val="accent1">
-              <a:shade val="50000"/>
-            </a:schemeClr>
-          </a:lnRef>
-          <a:fillRef idx="1">
-            <a:schemeClr val="accent1"/>
-          </a:fillRef>
-          <a:effectRef idx="0">
-            <a:schemeClr val="accent1"/>
-          </a:effectRef>
-          <a:fontRef idx="minor">
-            <a:schemeClr val="lt1"/>
-          </a:fontRef>
-        </p:style>
-        <p:txBody>
-          <a:bodyPr rtlCol="0" anchor="ctr"/>
-          <a:lstStyle/>
-          <a:p>
-            <a:pPr algn="ctr"/>
-            <a:endParaRPr lang="en-US" dirty="0"/>
-          </a:p>
-        </p:txBody>
-      </p:sp>
-      <p:sp>
-        <p:nvSpPr>
-          <p:cNvPr id="2" name="Title 1">
-            <a:extLst>
-              <a:ext uri="{FF2B5EF4-FFF2-40B4-BE49-F238E27FC236}">
-                <a16:creationId xmlns:a16="http://schemas.microsoft.com/office/drawing/2014/main" id="{09CDC13B-4BA8-9F49-9709-0E961F8D583F}"/>
-              </a:ext>
-            </a:extLst>
-          </p:cNvPr>
-          <p:cNvSpPr>
-            <a:spLocks noGrp="1"/>
-          </p:cNvSpPr>
-          <p:nvPr>
-            <p:ph type="title"/>
-          </p:nvPr>
-        </p:nvSpPr>
-        <p:spPr>
-          <a:xfrm>
-            <a:off x="524741" y="620392"/>
-            <a:ext cx="3808268" cy="5504688"/>
-          </a:xfrm>
-        </p:spPr>
-        <p:txBody>
-          <a:bodyPr>
-            <a:normAutofit/>
-          </a:bodyPr>
-          <a:lstStyle/>
-          <a:p>
-            <a:r>
-              <a:rPr lang="en-US" sz="6000">
-                <a:solidFill>
-                  <a:schemeClr val="bg1"/>
-                </a:solidFill>
-              </a:rPr>
-              <a:t>Outline</a:t>
-            </a:r>
-          </a:p>
-        </p:txBody>
-      </p:sp>
-      <p:graphicFrame>
-        <p:nvGraphicFramePr>
-          <p:cNvPr id="5" name="Content Placeholder 2">
-            <a:extLst>
-              <a:ext uri="{FF2B5EF4-FFF2-40B4-BE49-F238E27FC236}">
-                <a16:creationId xmlns:a16="http://schemas.microsoft.com/office/drawing/2014/main" id="{F41589F1-FB7D-406E-8E41-0C198746D284}"/>
-              </a:ext>
-            </a:extLst>
-          </p:cNvPr>
-          <p:cNvGraphicFramePr>
-            <a:graphicFrameLocks noGrp="1"/>
-          </p:cNvGraphicFramePr>
-          <p:nvPr>
-            <p:ph idx="1"/>
-            <p:extLst>
-              <p:ext uri="{D42A27DB-BD31-4B8C-83A1-F6EECF244321}">
-                <p14:modId xmlns:p14="http://schemas.microsoft.com/office/powerpoint/2010/main" val="3275262890"/>
-              </p:ext>
-            </p:extLst>
-          </p:nvPr>
-        </p:nvGraphicFramePr>
-        <p:xfrm>
-          <a:off x="5468389" y="620392"/>
-          <a:ext cx="6263640" cy="5504688"/>
-        </p:xfrm>
-        <a:graphic>
-          <a:graphicData uri="http://schemas.openxmlformats.org/drawingml/2006/diagram">
-            <dgm:relIds xmlns:dgm="http://schemas.openxmlformats.org/drawingml/2006/diagram" xmlns:r="http://schemas.openxmlformats.org/officeDocument/2006/relationships" r:dm="rId2" r:lo="rId3" r:qs="rId4" r:cs="rId5"/>
-          </a:graphicData>
-        </a:graphic>
-      </p:graphicFrame>
-    </p:spTree>
-    <p:extLst>
-      <p:ext uri="{BB962C8B-B14F-4D97-AF65-F5344CB8AC3E}">
-        <p14:creationId xmlns:p14="http://schemas.microsoft.com/office/powerpoint/2010/main" val="3820430782"/>
-      </p:ext>
-    </p:extLst>
-  </p:cSld>
-  <p:clrMapOvr>
-    <a:masterClrMapping/>
-  </p:clrMapOvr>
-</p:sld>
-</file>
-
-<file path=ppt/slides/slide3.xml><?xml version="1.0" encoding="utf-8"?>
-<p:sld xmlns:a="http://schemas.openxmlformats.org/drawingml/2006/main" xmlns:r="http://schemas.openxmlformats.org/officeDocument/2006/relationships" xmlns:p="http://schemas.openxmlformats.org/presentationml/2006/main">
-  <p:cSld>
-    <p:bg>
-      <p:bgPr>
-        <a:solidFill>
-          <a:schemeClr val="bg1"/>
-        </a:solidFill>
-        <a:effectLst/>
-      </p:bgPr>
-    </p:bg>
-    <p:spTree>
-      <p:nvGrpSpPr>
-        <p:cNvPr id="1" name=""/>
-        <p:cNvGrpSpPr/>
-        <p:nvPr/>
-      </p:nvGrpSpPr>
-      <p:grpSpPr>
-        <a:xfrm>
-          <a:off x="0" y="0"/>
-          <a:ext cx="0" cy="0"/>
-          <a:chOff x="0" y="0"/>
-          <a:chExt cx="0" cy="0"/>
-        </a:xfrm>
-      </p:grpSpPr>
-      <p:sp>
-        <p:nvSpPr>
-          <p:cNvPr id="2" name="Title 1">
-            <a:extLst>
-              <a:ext uri="{FF2B5EF4-FFF2-40B4-BE49-F238E27FC236}">
-                <a16:creationId xmlns:a16="http://schemas.microsoft.com/office/drawing/2014/main" id="{036889FD-31F8-744B-849A-1E6652BB52C1}"/>
-              </a:ext>
-            </a:extLst>
-          </p:cNvPr>
-          <p:cNvSpPr>
-            <a:spLocks noGrp="1"/>
-          </p:cNvSpPr>
-          <p:nvPr>
-            <p:ph type="title"/>
-          </p:nvPr>
-        </p:nvSpPr>
-        <p:spPr>
-          <a:xfrm>
-            <a:off x="4965430" y="629268"/>
-            <a:ext cx="6586491" cy="1286160"/>
-          </a:xfrm>
-        </p:spPr>
-        <p:txBody>
-          <a:bodyPr anchor="b">
-            <a:normAutofit/>
-          </a:bodyPr>
-          <a:lstStyle/>
-          <a:p>
-            <a:r>
-              <a:rPr lang="en-US" dirty="0"/>
-              <a:t>Background</a:t>
-            </a:r>
-          </a:p>
-        </p:txBody>
-      </p:sp>
-      <p:sp>
-        <p:nvSpPr>
-          <p:cNvPr id="3" name="Content Placeholder 2">
-            <a:extLst>
-              <a:ext uri="{FF2B5EF4-FFF2-40B4-BE49-F238E27FC236}">
-                <a16:creationId xmlns:a16="http://schemas.microsoft.com/office/drawing/2014/main" id="{D02A6774-4342-3947-A4BF-456CA6E71817}"/>
-              </a:ext>
-            </a:extLst>
-          </p:cNvPr>
-          <p:cNvSpPr>
-            <a:spLocks noGrp="1"/>
-          </p:cNvSpPr>
-          <p:nvPr>
-            <p:ph idx="1"/>
-          </p:nvPr>
-        </p:nvSpPr>
-        <p:spPr>
-          <a:xfrm>
-            <a:off x="4965431" y="2438400"/>
-            <a:ext cx="6586489" cy="3785419"/>
-          </a:xfrm>
-        </p:spPr>
-        <p:txBody>
-          <a:bodyPr>
-            <a:normAutofit/>
-          </a:bodyPr>
-          <a:lstStyle/>
-          <a:p>
-            <a:r>
-              <a:rPr lang="en-US" sz="2000"/>
-              <a:t>Every Year, different movies of different genres are released every year. This project analyzes the success of different genres and their average return on investment percentage. Using the top genres with highest value counts, I analyze descriptive statistics for both average rating and and return on investment (ROI) percentage.</a:t>
-            </a:r>
-          </a:p>
-        </p:txBody>
-      </p:sp>
-      <p:pic>
-        <p:nvPicPr>
-          <p:cNvPr id="5" name="Picture 4" descr="Different numbers in 3D">
-            <a:extLst>
-              <a:ext uri="{FF2B5EF4-FFF2-40B4-BE49-F238E27FC236}">
-                <a16:creationId xmlns:a16="http://schemas.microsoft.com/office/drawing/2014/main" id="{AE7B3AC8-F20F-4597-94E7-7EDCBC195057}"/>
-              </a:ext>
-            </a:extLst>
-          </p:cNvPr>
-          <p:cNvPicPr>
-            <a:picLocks noChangeAspect="1"/>
-          </p:cNvPicPr>
-          <p:nvPr/>
-        </p:nvPicPr>
-        <p:blipFill rotWithShape="1">
-          <a:blip r:embed="rId2"/>
-          <a:srcRect l="33649" r="28330"/>
-          <a:stretch/>
-        </p:blipFill>
-        <p:spPr>
-          <a:xfrm>
-            <a:off x="20" y="10"/>
-            <a:ext cx="4635571" cy="6857990"/>
-          </a:xfrm>
-          <a:prstGeom prst="rect">
-            <a:avLst/>
-          </a:prstGeom>
-          <a:effectLst/>
-        </p:spPr>
-      </p:pic>
-      <p:cxnSp>
-        <p:nvCxnSpPr>
-          <p:cNvPr id="9" name="Straight Connector 8">
-            <a:extLst>
-              <a:ext uri="{FF2B5EF4-FFF2-40B4-BE49-F238E27FC236}">
-                <a16:creationId xmlns:a16="http://schemas.microsoft.com/office/drawing/2014/main" id="{A7F400EE-A8A5-48AF-B4D6-291B52C6F0B0}"/>
-              </a:ext>
-              <a:ext uri="{C183D7F6-B498-43B3-948B-1728B52AA6E4}">
-                <adec:decorative xmlns:adec="http://schemas.microsoft.com/office/drawing/2017/decorative" val="1"/>
-              </a:ext>
-            </a:extLst>
-          </p:cNvPr>
-          <p:cNvCxnSpPr>
-            <a:cxnSpLocks noGrp="1" noRot="1" noChangeAspect="1" noMove="1" noResize="1" noEditPoints="1" noAdjustHandles="1" noChangeArrowheads="1" noChangeShapeType="1"/>
-          </p:cNvCxnSpPr>
-          <p:nvPr>
-            <p:extLst>
-              <p:ext uri="{386F3935-93C4-4BCD-93E2-E3B085C9AB24}">
-                <p16:designElem xmlns:p16="http://schemas.microsoft.com/office/powerpoint/2015/main" val="1"/>
-              </p:ext>
-            </p:extLst>
-          </p:nvPr>
-        </p:nvCxnSpPr>
-        <p:spPr>
-          <a:xfrm>
-            <a:off x="5080934" y="2115117"/>
-            <a:ext cx="6309360" cy="0"/>
-          </a:xfrm>
-          <a:prstGeom prst="line">
-            <a:avLst/>
-          </a:prstGeom>
-          <a:ln w="19050">
-            <a:solidFill>
-              <a:srgbClr val="63C3D0"/>
-            </a:solidFill>
-          </a:ln>
-        </p:spPr>
-        <p:style>
-          <a:lnRef idx="1">
-            <a:schemeClr val="accent1"/>
-          </a:lnRef>
-          <a:fillRef idx="0">
-            <a:schemeClr val="accent1"/>
-          </a:fillRef>
-          <a:effectRef idx="0">
-            <a:schemeClr val="accent1"/>
-          </a:effectRef>
-          <a:fontRef idx="minor">
-            <a:schemeClr val="tx1"/>
-          </a:fontRef>
-        </p:style>
-      </p:cxnSp>
-    </p:spTree>
-    <p:extLst>
-      <p:ext uri="{BB962C8B-B14F-4D97-AF65-F5344CB8AC3E}">
-        <p14:creationId xmlns:p14="http://schemas.microsoft.com/office/powerpoint/2010/main" val="1414301555"/>
-      </p:ext>
-    </p:extLst>
-  </p:cSld>
-  <p:clrMapOvr>
-    <a:masterClrMapping/>
-  </p:clrMapOvr>
-</p:sld>
-</file>
-
-<file path=ppt/slides/slide4.xml><?xml version="1.0" encoding="utf-8"?>
+<file path=ppt/slides/slide13.xml><?xml version="1.0" encoding="utf-8"?>
 <p:sld xmlns:a="http://schemas.openxmlformats.org/drawingml/2006/main" xmlns:r="http://schemas.openxmlformats.org/officeDocument/2006/relationships" xmlns:p="http://schemas.openxmlformats.org/presentationml/2006/main">
   <p:cSld>
     <p:bg>
@@ -8025,7 +8925,7 @@
           <p:cNvPr id="2" name="Title 1">
             <a:extLst>
               <a:ext uri="{FF2B5EF4-FFF2-40B4-BE49-F238E27FC236}">
-                <a16:creationId xmlns:a16="http://schemas.microsoft.com/office/drawing/2014/main" id="{F1D83F11-C380-2C4C-B0C5-18B276A1C18B}"/>
+                <a16:creationId xmlns:a16="http://schemas.microsoft.com/office/drawing/2014/main" id="{F60B305A-C1EA-AA4C-B376-3FED8ACDFF33}"/>
               </a:ext>
             </a:extLst>
           </p:cNvPr>
@@ -8055,7 +8955,7 @@
                   <a:srgbClr val="FFFFFF"/>
                 </a:solidFill>
               </a:rPr>
-              <a:t>Business Problem</a:t>
+              <a:t>Next Steps…</a:t>
             </a:r>
           </a:p>
         </p:txBody>
@@ -8065,7 +8965,7 @@
           <p:cNvPr id="3" name="Content Placeholder 2">
             <a:extLst>
               <a:ext uri="{FF2B5EF4-FFF2-40B4-BE49-F238E27FC236}">
-                <a16:creationId xmlns:a16="http://schemas.microsoft.com/office/drawing/2014/main" id="{A6D7FAC5-BF10-9D47-9CE8-14F48516D522}"/>
+                <a16:creationId xmlns:a16="http://schemas.microsoft.com/office/drawing/2014/main" id="{BF862CB4-D907-6645-A76F-C429DF850D7F}"/>
               </a:ext>
             </a:extLst>
           </p:cNvPr>
@@ -8088,17 +8988,33 @@
           </a:bodyPr>
           <a:lstStyle/>
           <a:p>
+            <a:pPr marL="0" indent="0">
+              <a:buNone/>
+            </a:pPr>
+            <a:endParaRPr lang="en-US" sz="2000" dirty="0"/>
+          </a:p>
+          <a:p>
             <a:r>
               <a:rPr lang="en-US" sz="2000" dirty="0"/>
-              <a:t>When movies are analyzed for their success, they analyze individually how well that single movie does. There is no real analysis for success of specific genres. Are Specific genres more prone to success than others? Using the genres with the highest value counts for </a:t>
+              <a:t> -1) Provide Genre Specific data. For Example, best Action Director, Action Producer, Action Actors and Actresses.</a:t>
             </a:r>
-            <a:r>
-              <a:rPr lang="en-US" sz="2000" dirty="0" err="1"/>
-              <a:t>statiscal</a:t>
-            </a:r>
+          </a:p>
+          <a:p>
+            <a:endParaRPr lang="en-US" sz="2000" dirty="0"/>
+          </a:p>
+          <a:p>
             <a:r>
               <a:rPr lang="en-US" sz="2000" dirty="0"/>
-              <a:t> accuracy, analysis of average rating and their return on investments for specific genres</a:t>
+              <a:t>-2) Does Streaming vs Box Office affect movie success.. we live in a time where movies are now released via streaming platforms. Compare success of movies released via streaming platforms independently from box office.</a:t>
+            </a:r>
+          </a:p>
+          <a:p>
+            <a:endParaRPr lang="en-US" sz="2000" dirty="0"/>
+          </a:p>
+          <a:p>
+            <a:r>
+              <a:rPr lang="en-US" sz="2000" dirty="0"/>
+              <a:t>-3) Include different measure of success... i.e., popularity. How often is this movie viewed? or Box Office success on a week-by-week basis is another measure of popularity.</a:t>
             </a:r>
           </a:p>
         </p:txBody>
@@ -8106,7 +9022,7 @@
     </p:spTree>
     <p:extLst>
       <p:ext uri="{BB962C8B-B14F-4D97-AF65-F5344CB8AC3E}">
-        <p14:creationId xmlns:p14="http://schemas.microsoft.com/office/powerpoint/2010/main" val="1795258576"/>
+        <p14:creationId xmlns:p14="http://schemas.microsoft.com/office/powerpoint/2010/main" val="588871070"/>
       </p:ext>
     </p:extLst>
   </p:cSld>
@@ -8116,7 +9032,645 @@
 </p:sld>
 </file>
 
-<file path=ppt/slides/slide5.xml><?xml version="1.0" encoding="utf-8"?>
+<file path=ppt/slides/slide14.xml><?xml version="1.0" encoding="utf-8"?>
+<p:sld xmlns:a="http://schemas.openxmlformats.org/drawingml/2006/main" xmlns:r="http://schemas.openxmlformats.org/officeDocument/2006/relationships" xmlns:p="http://schemas.openxmlformats.org/presentationml/2006/main">
+  <p:cSld>
+    <p:bg>
+      <p:bgPr>
+        <a:solidFill>
+          <a:schemeClr val="bg1">
+            <a:tint val="95000"/>
+            <a:satMod val="170000"/>
+          </a:schemeClr>
+        </a:solidFill>
+        <a:effectLst/>
+      </p:bgPr>
+    </p:bg>
+    <p:spTree>
+      <p:nvGrpSpPr>
+        <p:cNvPr id="1" name=""/>
+        <p:cNvGrpSpPr/>
+        <p:nvPr/>
+      </p:nvGrpSpPr>
+      <p:grpSpPr>
+        <a:xfrm>
+          <a:off x="0" y="0"/>
+          <a:ext cx="0" cy="0"/>
+          <a:chOff x="0" y="0"/>
+          <a:chExt cx="0" cy="0"/>
+        </a:xfrm>
+      </p:grpSpPr>
+      <p:sp>
+        <p:nvSpPr>
+          <p:cNvPr id="2" name="Title 1">
+            <a:extLst>
+              <a:ext uri="{FF2B5EF4-FFF2-40B4-BE49-F238E27FC236}">
+                <a16:creationId xmlns:a16="http://schemas.microsoft.com/office/drawing/2014/main" id="{9B084033-13FC-4C4D-9949-214B40020603}"/>
+              </a:ext>
+            </a:extLst>
+          </p:cNvPr>
+          <p:cNvSpPr>
+            <a:spLocks noGrp="1"/>
+          </p:cNvSpPr>
+          <p:nvPr>
+            <p:ph type="title"/>
+          </p:nvPr>
+        </p:nvSpPr>
+        <p:spPr>
+          <a:xfrm>
+            <a:off x="7464614" y="1783959"/>
+            <a:ext cx="4087306" cy="2889114"/>
+          </a:xfrm>
+        </p:spPr>
+        <p:txBody>
+          <a:bodyPr vert="horz" lIns="91440" tIns="45720" rIns="91440" bIns="45720" rtlCol="0" anchor="b">
+            <a:normAutofit/>
+          </a:bodyPr>
+          <a:lstStyle/>
+          <a:p>
+            <a:r>
+              <a:rPr lang="en-US" sz="5400"/>
+              <a:t>Thank you!</a:t>
+            </a:r>
+          </a:p>
+        </p:txBody>
+      </p:sp>
+      <p:sp>
+        <p:nvSpPr>
+          <p:cNvPr id="9" name="Freeform: Shape 8">
+            <a:extLst>
+              <a:ext uri="{FF2B5EF4-FFF2-40B4-BE49-F238E27FC236}">
+                <a16:creationId xmlns:a16="http://schemas.microsoft.com/office/drawing/2014/main" id="{E49CC64F-7275-4E33-961B-0C5CDC439875}"/>
+              </a:ext>
+              <a:ext uri="{C183D7F6-B498-43B3-948B-1728B52AA6E4}">
+                <adec:decorative xmlns:adec="http://schemas.microsoft.com/office/drawing/2017/decorative" val="1"/>
+              </a:ext>
+            </a:extLst>
+          </p:cNvPr>
+          <p:cNvSpPr>
+            <a:spLocks noGrp="1" noRot="1" noChangeAspect="1" noMove="1" noResize="1" noEditPoints="1" noAdjustHandles="1" noChangeArrowheads="1" noChangeShapeType="1" noTextEdit="1"/>
+          </p:cNvSpPr>
+          <p:nvPr>
+            <p:extLst>
+              <p:ext uri="{386F3935-93C4-4BCD-93E2-E3B085C9AB24}">
+                <p16:designElem xmlns:p16="http://schemas.microsoft.com/office/powerpoint/2015/main" val="1"/>
+              </p:ext>
+            </p:extLst>
+          </p:nvPr>
+        </p:nvSpPr>
+        <p:spPr>
+          <a:xfrm flipH="1" flipV="1">
+            <a:off x="1" y="0"/>
+            <a:ext cx="7188051" cy="6858000"/>
+          </a:xfrm>
+          <a:custGeom>
+            <a:avLst/>
+            <a:gdLst>
+              <a:gd name="connsiteX0" fmla="*/ 7188051 w 7188051"/>
+              <a:gd name="connsiteY0" fmla="*/ 6858000 h 6858000"/>
+              <a:gd name="connsiteX1" fmla="*/ 108694 w 7188051"/>
+              <a:gd name="connsiteY1" fmla="*/ 6858000 h 6858000"/>
+              <a:gd name="connsiteX2" fmla="*/ 79127 w 7188051"/>
+              <a:gd name="connsiteY2" fmla="*/ 6681235 h 6858000"/>
+              <a:gd name="connsiteX3" fmla="*/ 0 w 7188051"/>
+              <a:gd name="connsiteY3" fmla="*/ 5565888 h 6858000"/>
+              <a:gd name="connsiteX4" fmla="*/ 2190696 w 7188051"/>
+              <a:gd name="connsiteY4" fmla="*/ 145339 h 6858000"/>
+              <a:gd name="connsiteX5" fmla="*/ 2339431 w 7188051"/>
+              <a:gd name="connsiteY5" fmla="*/ 0 h 6858000"/>
+              <a:gd name="connsiteX6" fmla="*/ 7188051 w 7188051"/>
+              <a:gd name="connsiteY6" fmla="*/ 0 h 6858000"/>
+            </a:gdLst>
+            <a:ahLst/>
+            <a:cxnLst>
+              <a:cxn ang="0">
+                <a:pos x="connsiteX0" y="connsiteY0"/>
+              </a:cxn>
+              <a:cxn ang="0">
+                <a:pos x="connsiteX1" y="connsiteY1"/>
+              </a:cxn>
+              <a:cxn ang="0">
+                <a:pos x="connsiteX2" y="connsiteY2"/>
+              </a:cxn>
+              <a:cxn ang="0">
+                <a:pos x="connsiteX3" y="connsiteY3"/>
+              </a:cxn>
+              <a:cxn ang="0">
+                <a:pos x="connsiteX4" y="connsiteY4"/>
+              </a:cxn>
+              <a:cxn ang="0">
+                <a:pos x="connsiteX5" y="connsiteY5"/>
+              </a:cxn>
+              <a:cxn ang="0">
+                <a:pos x="connsiteX6" y="connsiteY6"/>
+              </a:cxn>
+            </a:cxnLst>
+            <a:rect l="l" t="t" r="r" b="b"/>
+            <a:pathLst>
+              <a:path w="7188051" h="6858000">
+                <a:moveTo>
+                  <a:pt x="7188051" y="6858000"/>
+                </a:moveTo>
+                <a:lnTo>
+                  <a:pt x="108694" y="6858000"/>
+                </a:lnTo>
+                <a:lnTo>
+                  <a:pt x="79127" y="6681235"/>
+                </a:lnTo>
+                <a:cubicBezTo>
+                  <a:pt x="26981" y="6316967"/>
+                  <a:pt x="0" y="5944579"/>
+                  <a:pt x="0" y="5565888"/>
+                </a:cubicBezTo>
+                <a:cubicBezTo>
+                  <a:pt x="0" y="3459953"/>
+                  <a:pt x="834428" y="1548908"/>
+                  <a:pt x="2190696" y="145339"/>
+                </a:cubicBezTo>
+                <a:lnTo>
+                  <a:pt x="2339431" y="0"/>
+                </a:lnTo>
+                <a:lnTo>
+                  <a:pt x="7188051" y="0"/>
+                </a:lnTo>
+                <a:close/>
+              </a:path>
+            </a:pathLst>
+          </a:custGeom>
+          <a:solidFill>
+            <a:schemeClr val="tx1">
+              <a:alpha val="80000"/>
+            </a:schemeClr>
+          </a:solidFill>
+          <a:ln>
+            <a:noFill/>
+          </a:ln>
+        </p:spPr>
+        <p:style>
+          <a:lnRef idx="2">
+            <a:schemeClr val="accent1">
+              <a:shade val="50000"/>
+            </a:schemeClr>
+          </a:lnRef>
+          <a:fillRef idx="1">
+            <a:schemeClr val="accent1"/>
+          </a:fillRef>
+          <a:effectRef idx="0">
+            <a:schemeClr val="accent1"/>
+          </a:effectRef>
+          <a:fontRef idx="minor">
+            <a:schemeClr val="lt1"/>
+          </a:fontRef>
+        </p:style>
+        <p:txBody>
+          <a:bodyPr wrap="square" rtlCol="0" anchor="ctr">
+            <a:noAutofit/>
+          </a:bodyPr>
+          <a:lstStyle/>
+          <a:p>
+            <a:pPr algn="ctr"/>
+            <a:endParaRPr lang="en-US"/>
+          </a:p>
+        </p:txBody>
+      </p:sp>
+      <p:pic>
+        <p:nvPicPr>
+          <p:cNvPr id="5" name="Picture 4" descr="Aerial view of a highway near the ocean">
+            <a:extLst>
+              <a:ext uri="{FF2B5EF4-FFF2-40B4-BE49-F238E27FC236}">
+                <a16:creationId xmlns:a16="http://schemas.microsoft.com/office/drawing/2014/main" id="{1261D5C9-ECCF-4CB6-BDA8-D7BB7D99EE31}"/>
+              </a:ext>
+            </a:extLst>
+          </p:cNvPr>
+          <p:cNvPicPr>
+            <a:picLocks noChangeAspect="1"/>
+          </p:cNvPicPr>
+          <p:nvPr/>
+        </p:nvPicPr>
+        <p:blipFill rotWithShape="1">
+          <a:blip r:embed="rId2"/>
+          <a:srcRect l="15115" r="8020"/>
+          <a:stretch/>
+        </p:blipFill>
+        <p:spPr>
+          <a:xfrm>
+            <a:off x="1" y="10"/>
+            <a:ext cx="7028495" cy="6857990"/>
+          </a:xfrm>
+          <a:custGeom>
+            <a:avLst/>
+            <a:gdLst/>
+            <a:ahLst/>
+            <a:cxnLst/>
+            <a:rect l="l" t="t" r="r" b="b"/>
+            <a:pathLst>
+              <a:path w="7028495" h="6858000">
+                <a:moveTo>
+                  <a:pt x="0" y="0"/>
+                </a:moveTo>
+                <a:lnTo>
+                  <a:pt x="6915668" y="0"/>
+                </a:lnTo>
+                <a:lnTo>
+                  <a:pt x="6952411" y="219663"/>
+                </a:lnTo>
+                <a:cubicBezTo>
+                  <a:pt x="7002551" y="569921"/>
+                  <a:pt x="7028495" y="927986"/>
+                  <a:pt x="7028495" y="1292112"/>
+                </a:cubicBezTo>
+                <a:cubicBezTo>
+                  <a:pt x="7028495" y="3343346"/>
+                  <a:pt x="6205186" y="5202289"/>
+                  <a:pt x="4870994" y="6556512"/>
+                </a:cubicBezTo>
+                <a:lnTo>
+                  <a:pt x="4556185" y="6858000"/>
+                </a:lnTo>
+                <a:lnTo>
+                  <a:pt x="0" y="6858000"/>
+                </a:lnTo>
+                <a:close/>
+              </a:path>
+            </a:pathLst>
+          </a:custGeom>
+        </p:spPr>
+      </p:pic>
+    </p:spTree>
+    <p:extLst>
+      <p:ext uri="{BB962C8B-B14F-4D97-AF65-F5344CB8AC3E}">
+        <p14:creationId xmlns:p14="http://schemas.microsoft.com/office/powerpoint/2010/main" val="2050843898"/>
+      </p:ext>
+    </p:extLst>
+  </p:cSld>
+  <p:clrMapOvr>
+    <a:overrideClrMapping bg1="dk1" tx1="lt1" bg2="dk2" tx2="lt2" accent1="accent1" accent2="accent2" accent3="accent3" accent4="accent4" accent5="accent5" accent6="accent6" hlink="hlink" folHlink="folHlink"/>
+  </p:clrMapOvr>
+</p:sld>
+</file>
+
+<file path=ppt/slides/slide2.xml><?xml version="1.0" encoding="utf-8"?>
+<p:sld xmlns:a="http://schemas.openxmlformats.org/drawingml/2006/main" xmlns:r="http://schemas.openxmlformats.org/officeDocument/2006/relationships" xmlns:p="http://schemas.openxmlformats.org/presentationml/2006/main">
+  <p:cSld>
+    <p:bg>
+      <p:bgPr>
+        <a:solidFill>
+          <a:schemeClr val="bg1"/>
+        </a:solidFill>
+        <a:effectLst/>
+      </p:bgPr>
+    </p:bg>
+    <p:spTree>
+      <p:nvGrpSpPr>
+        <p:cNvPr id="1" name=""/>
+        <p:cNvGrpSpPr/>
+        <p:nvPr/>
+      </p:nvGrpSpPr>
+      <p:grpSpPr>
+        <a:xfrm>
+          <a:off x="0" y="0"/>
+          <a:ext cx="0" cy="0"/>
+          <a:chOff x="0" y="0"/>
+          <a:chExt cx="0" cy="0"/>
+        </a:xfrm>
+      </p:grpSpPr>
+      <p:sp>
+        <p:nvSpPr>
+          <p:cNvPr id="9" name="Rectangle 8">
+            <a:extLst>
+              <a:ext uri="{FF2B5EF4-FFF2-40B4-BE49-F238E27FC236}">
+                <a16:creationId xmlns:a16="http://schemas.microsoft.com/office/drawing/2014/main" id="{B819A166-7571-4003-A6B8-B62034C3ED30}"/>
+              </a:ext>
+              <a:ext uri="{C183D7F6-B498-43B3-948B-1728B52AA6E4}">
+                <adec:decorative xmlns:adec="http://schemas.microsoft.com/office/drawing/2017/decorative" val="1"/>
+              </a:ext>
+            </a:extLst>
+          </p:cNvPr>
+          <p:cNvSpPr>
+            <a:spLocks noGrp="1" noRot="1" noChangeAspect="1" noMove="1" noResize="1" noEditPoints="1" noAdjustHandles="1" noChangeArrowheads="1" noChangeShapeType="1" noTextEdit="1"/>
+          </p:cNvSpPr>
+          <p:nvPr>
+            <p:extLst>
+              <p:ext uri="{386F3935-93C4-4BCD-93E2-E3B085C9AB24}">
+                <p16:designElem xmlns:p16="http://schemas.microsoft.com/office/powerpoint/2015/main" val="1"/>
+              </p:ext>
+            </p:extLst>
+          </p:nvPr>
+        </p:nvSpPr>
+        <p:spPr>
+          <a:xfrm>
+            <a:off x="-1" y="0"/>
+            <a:ext cx="5093209" cy="6858000"/>
+          </a:xfrm>
+          <a:prstGeom prst="rect">
+            <a:avLst/>
+          </a:prstGeom>
+          <a:solidFill>
+            <a:schemeClr val="accent1"/>
+          </a:solidFill>
+          <a:ln>
+            <a:noFill/>
+          </a:ln>
+        </p:spPr>
+        <p:style>
+          <a:lnRef idx="2">
+            <a:schemeClr val="accent1">
+              <a:shade val="50000"/>
+            </a:schemeClr>
+          </a:lnRef>
+          <a:fillRef idx="1">
+            <a:schemeClr val="accent1"/>
+          </a:fillRef>
+          <a:effectRef idx="0">
+            <a:schemeClr val="accent1"/>
+          </a:effectRef>
+          <a:fontRef idx="minor">
+            <a:schemeClr val="lt1"/>
+          </a:fontRef>
+        </p:style>
+        <p:txBody>
+          <a:bodyPr rtlCol="0" anchor="ctr"/>
+          <a:lstStyle/>
+          <a:p>
+            <a:pPr algn="ctr"/>
+            <a:endParaRPr lang="en-US" dirty="0"/>
+          </a:p>
+        </p:txBody>
+      </p:sp>
+      <p:sp>
+        <p:nvSpPr>
+          <p:cNvPr id="2" name="Title 1">
+            <a:extLst>
+              <a:ext uri="{FF2B5EF4-FFF2-40B4-BE49-F238E27FC236}">
+                <a16:creationId xmlns:a16="http://schemas.microsoft.com/office/drawing/2014/main" id="{09CDC13B-4BA8-9F49-9709-0E961F8D583F}"/>
+              </a:ext>
+            </a:extLst>
+          </p:cNvPr>
+          <p:cNvSpPr>
+            <a:spLocks noGrp="1"/>
+          </p:cNvSpPr>
+          <p:nvPr>
+            <p:ph type="title"/>
+          </p:nvPr>
+        </p:nvSpPr>
+        <p:spPr>
+          <a:xfrm>
+            <a:off x="524741" y="620392"/>
+            <a:ext cx="3808268" cy="5504688"/>
+          </a:xfrm>
+        </p:spPr>
+        <p:txBody>
+          <a:bodyPr>
+            <a:normAutofit/>
+          </a:bodyPr>
+          <a:lstStyle/>
+          <a:p>
+            <a:r>
+              <a:rPr lang="en-US" sz="6000">
+                <a:solidFill>
+                  <a:schemeClr val="bg1"/>
+                </a:solidFill>
+              </a:rPr>
+              <a:t>Outline</a:t>
+            </a:r>
+          </a:p>
+        </p:txBody>
+      </p:sp>
+      <p:graphicFrame>
+        <p:nvGraphicFramePr>
+          <p:cNvPr id="5" name="Content Placeholder 2">
+            <a:extLst>
+              <a:ext uri="{FF2B5EF4-FFF2-40B4-BE49-F238E27FC236}">
+                <a16:creationId xmlns:a16="http://schemas.microsoft.com/office/drawing/2014/main" id="{F41589F1-FB7D-406E-8E41-0C198746D284}"/>
+              </a:ext>
+            </a:extLst>
+          </p:cNvPr>
+          <p:cNvGraphicFramePr>
+            <a:graphicFrameLocks noGrp="1"/>
+          </p:cNvGraphicFramePr>
+          <p:nvPr>
+            <p:ph idx="1"/>
+            <p:extLst>
+              <p:ext uri="{D42A27DB-BD31-4B8C-83A1-F6EECF244321}">
+                <p14:modId xmlns:p14="http://schemas.microsoft.com/office/powerpoint/2010/main" val="3275262890"/>
+              </p:ext>
+            </p:extLst>
+          </p:nvPr>
+        </p:nvGraphicFramePr>
+        <p:xfrm>
+          <a:off x="5468389" y="620392"/>
+          <a:ext cx="6263640" cy="5504688"/>
+        </p:xfrm>
+        <a:graphic>
+          <a:graphicData uri="http://schemas.openxmlformats.org/drawingml/2006/diagram">
+            <dgm:relIds xmlns:dgm="http://schemas.openxmlformats.org/drawingml/2006/diagram" xmlns:r="http://schemas.openxmlformats.org/officeDocument/2006/relationships" r:dm="rId2" r:lo="rId3" r:qs="rId4" r:cs="rId5"/>
+          </a:graphicData>
+        </a:graphic>
+      </p:graphicFrame>
+    </p:spTree>
+    <p:extLst>
+      <p:ext uri="{BB962C8B-B14F-4D97-AF65-F5344CB8AC3E}">
+        <p14:creationId xmlns:p14="http://schemas.microsoft.com/office/powerpoint/2010/main" val="3820430782"/>
+      </p:ext>
+    </p:extLst>
+  </p:cSld>
+  <p:clrMapOvr>
+    <a:masterClrMapping/>
+  </p:clrMapOvr>
+</p:sld>
+</file>
+
+<file path=ppt/slides/slide3.xml><?xml version="1.0" encoding="utf-8"?>
+<p:sld xmlns:a="http://schemas.openxmlformats.org/drawingml/2006/main" xmlns:r="http://schemas.openxmlformats.org/officeDocument/2006/relationships" xmlns:p="http://schemas.openxmlformats.org/presentationml/2006/main">
+  <p:cSld>
+    <p:bg>
+      <p:bgPr>
+        <a:solidFill>
+          <a:schemeClr val="bg1"/>
+        </a:solidFill>
+        <a:effectLst/>
+      </p:bgPr>
+    </p:bg>
+    <p:spTree>
+      <p:nvGrpSpPr>
+        <p:cNvPr id="1" name=""/>
+        <p:cNvGrpSpPr/>
+        <p:nvPr/>
+      </p:nvGrpSpPr>
+      <p:grpSpPr>
+        <a:xfrm>
+          <a:off x="0" y="0"/>
+          <a:ext cx="0" cy="0"/>
+          <a:chOff x="0" y="0"/>
+          <a:chExt cx="0" cy="0"/>
+        </a:xfrm>
+      </p:grpSpPr>
+      <p:sp>
+        <p:nvSpPr>
+          <p:cNvPr id="2" name="Title 1">
+            <a:extLst>
+              <a:ext uri="{FF2B5EF4-FFF2-40B4-BE49-F238E27FC236}">
+                <a16:creationId xmlns:a16="http://schemas.microsoft.com/office/drawing/2014/main" id="{036889FD-31F8-744B-849A-1E6652BB52C1}"/>
+              </a:ext>
+            </a:extLst>
+          </p:cNvPr>
+          <p:cNvSpPr>
+            <a:spLocks noGrp="1"/>
+          </p:cNvSpPr>
+          <p:nvPr>
+            <p:ph type="title"/>
+          </p:nvPr>
+        </p:nvSpPr>
+        <p:spPr>
+          <a:xfrm>
+            <a:off x="4965430" y="629268"/>
+            <a:ext cx="6586491" cy="1286160"/>
+          </a:xfrm>
+        </p:spPr>
+        <p:txBody>
+          <a:bodyPr anchor="b">
+            <a:normAutofit/>
+          </a:bodyPr>
+          <a:lstStyle/>
+          <a:p>
+            <a:r>
+              <a:rPr lang="en-US" dirty="0"/>
+              <a:t>Background</a:t>
+            </a:r>
+          </a:p>
+        </p:txBody>
+      </p:sp>
+      <p:sp>
+        <p:nvSpPr>
+          <p:cNvPr id="3" name="Content Placeholder 2">
+            <a:extLst>
+              <a:ext uri="{FF2B5EF4-FFF2-40B4-BE49-F238E27FC236}">
+                <a16:creationId xmlns:a16="http://schemas.microsoft.com/office/drawing/2014/main" id="{D02A6774-4342-3947-A4BF-456CA6E71817}"/>
+              </a:ext>
+            </a:extLst>
+          </p:cNvPr>
+          <p:cNvSpPr>
+            <a:spLocks noGrp="1"/>
+          </p:cNvSpPr>
+          <p:nvPr>
+            <p:ph idx="1"/>
+          </p:nvPr>
+        </p:nvSpPr>
+        <p:spPr>
+          <a:xfrm>
+            <a:off x="4965431" y="2438400"/>
+            <a:ext cx="6586489" cy="3785419"/>
+          </a:xfrm>
+        </p:spPr>
+        <p:txBody>
+          <a:bodyPr>
+            <a:normAutofit/>
+          </a:bodyPr>
+          <a:lstStyle/>
+          <a:p>
+            <a:r>
+              <a:rPr lang="en-US" sz="2000" dirty="0"/>
+              <a:t>Every Year, different movies of different genres are released every year.  While there are different measures for success, I rate a directors, actors, and producers' success on two things the return on investment and the average rating of their films.</a:t>
+            </a:r>
+          </a:p>
+        </p:txBody>
+      </p:sp>
+      <p:pic>
+        <p:nvPicPr>
+          <p:cNvPr id="5" name="Picture 4" descr="Different numbers in 3D">
+            <a:extLst>
+              <a:ext uri="{FF2B5EF4-FFF2-40B4-BE49-F238E27FC236}">
+                <a16:creationId xmlns:a16="http://schemas.microsoft.com/office/drawing/2014/main" id="{AE7B3AC8-F20F-4597-94E7-7EDCBC195057}"/>
+              </a:ext>
+            </a:extLst>
+          </p:cNvPr>
+          <p:cNvPicPr>
+            <a:picLocks noChangeAspect="1"/>
+          </p:cNvPicPr>
+          <p:nvPr/>
+        </p:nvPicPr>
+        <p:blipFill rotWithShape="1">
+          <a:blip r:embed="rId2"/>
+          <a:srcRect l="33649" r="28330"/>
+          <a:stretch/>
+        </p:blipFill>
+        <p:spPr>
+          <a:xfrm>
+            <a:off x="20" y="10"/>
+            <a:ext cx="4635571" cy="6857990"/>
+          </a:xfrm>
+          <a:prstGeom prst="rect">
+            <a:avLst/>
+          </a:prstGeom>
+          <a:effectLst/>
+        </p:spPr>
+      </p:pic>
+      <p:cxnSp>
+        <p:nvCxnSpPr>
+          <p:cNvPr id="9" name="Straight Connector 8">
+            <a:extLst>
+              <a:ext uri="{FF2B5EF4-FFF2-40B4-BE49-F238E27FC236}">
+                <a16:creationId xmlns:a16="http://schemas.microsoft.com/office/drawing/2014/main" id="{A7F400EE-A8A5-48AF-B4D6-291B52C6F0B0}"/>
+              </a:ext>
+              <a:ext uri="{C183D7F6-B498-43B3-948B-1728B52AA6E4}">
+                <adec:decorative xmlns:adec="http://schemas.microsoft.com/office/drawing/2017/decorative" val="1"/>
+              </a:ext>
+            </a:extLst>
+          </p:cNvPr>
+          <p:cNvCxnSpPr>
+            <a:cxnSpLocks noGrp="1" noRot="1" noChangeAspect="1" noMove="1" noResize="1" noEditPoints="1" noAdjustHandles="1" noChangeArrowheads="1" noChangeShapeType="1"/>
+          </p:cNvCxnSpPr>
+          <p:nvPr>
+            <p:extLst>
+              <p:ext uri="{386F3935-93C4-4BCD-93E2-E3B085C9AB24}">
+                <p16:designElem xmlns:p16="http://schemas.microsoft.com/office/powerpoint/2015/main" val="1"/>
+              </p:ext>
+            </p:extLst>
+          </p:nvPr>
+        </p:nvCxnSpPr>
+        <p:spPr>
+          <a:xfrm>
+            <a:off x="5080934" y="2115117"/>
+            <a:ext cx="6309360" cy="0"/>
+          </a:xfrm>
+          <a:prstGeom prst="line">
+            <a:avLst/>
+          </a:prstGeom>
+          <a:ln w="19050">
+            <a:solidFill>
+              <a:srgbClr val="63C3D0"/>
+            </a:solidFill>
+          </a:ln>
+        </p:spPr>
+        <p:style>
+          <a:lnRef idx="1">
+            <a:schemeClr val="accent1"/>
+          </a:lnRef>
+          <a:fillRef idx="0">
+            <a:schemeClr val="accent1"/>
+          </a:fillRef>
+          <a:effectRef idx="0">
+            <a:schemeClr val="accent1"/>
+          </a:effectRef>
+          <a:fontRef idx="minor">
+            <a:schemeClr val="tx1"/>
+          </a:fontRef>
+        </p:style>
+      </p:cxnSp>
+    </p:spTree>
+    <p:extLst>
+      <p:ext uri="{BB962C8B-B14F-4D97-AF65-F5344CB8AC3E}">
+        <p14:creationId xmlns:p14="http://schemas.microsoft.com/office/powerpoint/2010/main" val="1414301555"/>
+      </p:ext>
+    </p:extLst>
+  </p:cSld>
+  <p:clrMapOvr>
+    <a:masterClrMapping/>
+  </p:clrMapOvr>
+</p:sld>
+</file>
+
+<file path=ppt/slides/slide4.xml><?xml version="1.0" encoding="utf-8"?>
 <p:sld xmlns:a="http://schemas.openxmlformats.org/drawingml/2006/main" xmlns:r="http://schemas.openxmlformats.org/officeDocument/2006/relationships" xmlns:p="http://schemas.openxmlformats.org/presentationml/2006/main">
   <p:cSld>
     <p:bg>
@@ -8768,7 +10322,7 @@
           <p:cNvPr id="2" name="Title 1">
             <a:extLst>
               <a:ext uri="{FF2B5EF4-FFF2-40B4-BE49-F238E27FC236}">
-                <a16:creationId xmlns:a16="http://schemas.microsoft.com/office/drawing/2014/main" id="{21613BA5-0051-8D40-B622-66501D61717A}"/>
+                <a16:creationId xmlns:a16="http://schemas.microsoft.com/office/drawing/2014/main" id="{F1D83F11-C380-2C4C-B0C5-18B276A1C18B}"/>
               </a:ext>
             </a:extLst>
           </p:cNvPr>
@@ -8798,7 +10352,7 @@
                   <a:srgbClr val="FFFFFF"/>
                 </a:solidFill>
               </a:rPr>
-              <a:t>Data</a:t>
+              <a:t>Business Problem</a:t>
             </a:r>
           </a:p>
         </p:txBody>
@@ -8808,7 +10362,7 @@
           <p:cNvPr id="3" name="Content Placeholder 2">
             <a:extLst>
               <a:ext uri="{FF2B5EF4-FFF2-40B4-BE49-F238E27FC236}">
-                <a16:creationId xmlns:a16="http://schemas.microsoft.com/office/drawing/2014/main" id="{572A965E-A3D1-0F4F-9A8B-4CF09B9CC7C8}"/>
+                <a16:creationId xmlns:a16="http://schemas.microsoft.com/office/drawing/2014/main" id="{A6D7FAC5-BF10-9D47-9CE8-14F48516D522}"/>
               </a:ext>
             </a:extLst>
           </p:cNvPr>
@@ -8833,15 +10387,7 @@
           <a:p>
             <a:r>
               <a:rPr lang="en-US" sz="2000" dirty="0"/>
-              <a:t>Using three different data sets, that contain similar columns but different data I merge them to get a clear picture of everything. These data sets are average rating, movies and genres, and movies  with budgets/gross data. I merge these data sets to get a complete picture of everything which is used for analysis. Since Return on </a:t>
-            </a:r>
-            <a:r>
-              <a:rPr lang="en-US" sz="2000" dirty="0" err="1"/>
-              <a:t>Invesment</a:t>
-            </a:r>
-            <a:r>
-              <a:rPr lang="en-US" sz="2000" dirty="0"/>
-              <a:t> also needs to be calculated, the budget and gross are converted to integers for mathematical analysis.</a:t>
+              <a:t>What is the formula for success? A good director, producer, and the right actors. A good movie has the right actors/actresses, directors, and producers. People are more likely if a certain individual is tied to a new movie. I provide insight on best people who are very successful in the role.</a:t>
             </a:r>
           </a:p>
         </p:txBody>
@@ -8849,7 +10395,7 @@
     </p:spTree>
     <p:extLst>
       <p:ext uri="{BB962C8B-B14F-4D97-AF65-F5344CB8AC3E}">
-        <p14:creationId xmlns:p14="http://schemas.microsoft.com/office/powerpoint/2010/main" val="3090532460"/>
+        <p14:creationId xmlns:p14="http://schemas.microsoft.com/office/powerpoint/2010/main" val="1795258576"/>
       </p:ext>
     </p:extLst>
   </p:cSld>
@@ -8859,7 +10405,7 @@
 </p:sld>
 </file>
 
-<file path=ppt/slides/slide6.xml><?xml version="1.0" encoding="utf-8"?>
+<file path=ppt/slides/slide5.xml><?xml version="1.0" encoding="utf-8"?>
 <p:sld xmlns:a="http://schemas.openxmlformats.org/drawingml/2006/main" xmlns:r="http://schemas.openxmlformats.org/officeDocument/2006/relationships" xmlns:p="http://schemas.openxmlformats.org/presentationml/2006/main">
   <p:cSld>
     <p:bg>
@@ -9511,7 +11057,7 @@
           <p:cNvPr id="2" name="Title 1">
             <a:extLst>
               <a:ext uri="{FF2B5EF4-FFF2-40B4-BE49-F238E27FC236}">
-                <a16:creationId xmlns:a16="http://schemas.microsoft.com/office/drawing/2014/main" id="{B9A96219-0B50-DC43-9836-FD021AF451C7}"/>
+                <a16:creationId xmlns:a16="http://schemas.microsoft.com/office/drawing/2014/main" id="{21613BA5-0051-8D40-B622-66501D61717A}"/>
               </a:ext>
             </a:extLst>
           </p:cNvPr>
@@ -9541,7 +11087,7 @@
                   <a:srgbClr val="FFFFFF"/>
                 </a:solidFill>
               </a:rPr>
-              <a:t>Methods</a:t>
+              <a:t>Data</a:t>
             </a:r>
           </a:p>
         </p:txBody>
@@ -9551,7 +11097,7 @@
           <p:cNvPr id="3" name="Content Placeholder 2">
             <a:extLst>
               <a:ext uri="{FF2B5EF4-FFF2-40B4-BE49-F238E27FC236}">
-                <a16:creationId xmlns:a16="http://schemas.microsoft.com/office/drawing/2014/main" id="{8D24899F-AC40-5747-B683-C297EF6FF0A5}"/>
+                <a16:creationId xmlns:a16="http://schemas.microsoft.com/office/drawing/2014/main" id="{572A965E-A3D1-0F4F-9A8B-4CF09B9CC7C8}"/>
               </a:ext>
             </a:extLst>
           </p:cNvPr>
@@ -9576,45 +11122,33 @@
           <a:p>
             <a:r>
               <a:rPr lang="en-US" sz="2000" dirty="0"/>
-              <a:t>Using </a:t>
+              <a:t>Using six different data sets from sources such as IMDB and </a:t>
             </a:r>
             <a:r>
               <a:rPr lang="en-US" sz="2000" dirty="0" err="1"/>
-              <a:t>valiue</a:t>
+              <a:t>TheNumbers</a:t>
             </a:r>
             <a:r>
               <a:rPr lang="en-US" sz="2000" dirty="0"/>
-              <a:t> counts to determine the top 5 genres with the highest value counts. We create </a:t>
+              <a:t>. </a:t>
             </a:r>
-            <a:r>
-              <a:rPr lang="en-US" sz="2000" dirty="0" err="1"/>
-              <a:t>seperate</a:t>
-            </a:r>
+          </a:p>
+          <a:p>
             <a:r>
               <a:rPr lang="en-US" sz="2000" dirty="0"/>
-              <a:t> </a:t>
+              <a:t>Provide descriptive statistics on ROI Percentage and average rating.</a:t>
             </a:r>
-            <a:r>
-              <a:rPr lang="en-US" sz="2000" dirty="0" err="1"/>
-              <a:t>dataframes</a:t>
-            </a:r>
+          </a:p>
+          <a:p>
             <a:r>
               <a:rPr lang="en-US" sz="2000" dirty="0"/>
-              <a:t> that </a:t>
+              <a:t>Individuals are grouped, allows analysis for individual rather than movie</a:t>
             </a:r>
-            <a:r>
-              <a:rPr lang="en-US" sz="2000" dirty="0" err="1"/>
-              <a:t>specfically</a:t>
-            </a:r>
+          </a:p>
+          <a:p>
             <a:r>
               <a:rPr lang="en-US" sz="2000" dirty="0"/>
-              <a:t> target those genres to use for analysis. I used those genres to perform descriptive statistics on both average rating and the return on investment percentage. </a:t>
-            </a:r>
-          </a:p>
-          <a:p>
-            <a:r>
-              <a:rPr lang="en-US" sz="2000" dirty="0"/>
-              <a:t>I also provide basic descriptive statistics for the other movies with lower value counts, to share their data. With the top genres I also graphed the Return on Investment and Average to see if their correlation.</a:t>
+              <a:t>ROI Percentage and average rating plotted.</a:t>
             </a:r>
           </a:p>
         </p:txBody>
@@ -9622,7 +11156,7 @@
     </p:spTree>
     <p:extLst>
       <p:ext uri="{BB962C8B-B14F-4D97-AF65-F5344CB8AC3E}">
-        <p14:creationId xmlns:p14="http://schemas.microsoft.com/office/powerpoint/2010/main" val="1707708481"/>
+        <p14:creationId xmlns:p14="http://schemas.microsoft.com/office/powerpoint/2010/main" val="3090532460"/>
       </p:ext>
     </p:extLst>
   </p:cSld>
@@ -9632,493 +11166,7 @@
 </p:sld>
 </file>
 
-<file path=ppt/slides/slide7.xml><?xml version="1.0" encoding="utf-8"?>
-<p:sld xmlns:a="http://schemas.openxmlformats.org/drawingml/2006/main" xmlns:r="http://schemas.openxmlformats.org/officeDocument/2006/relationships" xmlns:p="http://schemas.openxmlformats.org/presentationml/2006/main">
-  <p:cSld>
-    <p:spTree>
-      <p:nvGrpSpPr>
-        <p:cNvPr id="1" name=""/>
-        <p:cNvGrpSpPr/>
-        <p:nvPr/>
-      </p:nvGrpSpPr>
-      <p:grpSpPr>
-        <a:xfrm>
-          <a:off x="0" y="0"/>
-          <a:ext cx="0" cy="0"/>
-          <a:chOff x="0" y="0"/>
-          <a:chExt cx="0" cy="0"/>
-        </a:xfrm>
-      </p:grpSpPr>
-      <p:sp>
-        <p:nvSpPr>
-          <p:cNvPr id="2" name="Title 1">
-            <a:extLst>
-              <a:ext uri="{FF2B5EF4-FFF2-40B4-BE49-F238E27FC236}">
-                <a16:creationId xmlns:a16="http://schemas.microsoft.com/office/drawing/2014/main" id="{2D5D46DE-345B-A547-B1B1-C7513AB2563D}"/>
-              </a:ext>
-            </a:extLst>
-          </p:cNvPr>
-          <p:cNvSpPr>
-            <a:spLocks noGrp="1"/>
-          </p:cNvSpPr>
-          <p:nvPr>
-            <p:ph type="title"/>
-          </p:nvPr>
-        </p:nvSpPr>
-        <p:spPr/>
-        <p:txBody>
-          <a:bodyPr/>
-          <a:lstStyle/>
-          <a:p>
-            <a:r>
-              <a:rPr lang="en-US"/>
-              <a:t>Results</a:t>
-            </a:r>
-            <a:endParaRPr lang="en-US" dirty="0"/>
-          </a:p>
-        </p:txBody>
-      </p:sp>
-      <p:pic>
-        <p:nvPicPr>
-          <p:cNvPr id="1026" name="Picture 2">
-            <a:extLst>
-              <a:ext uri="{FF2B5EF4-FFF2-40B4-BE49-F238E27FC236}">
-                <a16:creationId xmlns:a16="http://schemas.microsoft.com/office/drawing/2014/main" id="{CCBC58CC-4A46-F046-9D13-E621E4D4572E}"/>
-              </a:ext>
-            </a:extLst>
-          </p:cNvPr>
-          <p:cNvPicPr>
-            <a:picLocks noGrp="1" noChangeAspect="1" noChangeArrowheads="1"/>
-          </p:cNvPicPr>
-          <p:nvPr>
-            <p:ph idx="1"/>
-          </p:nvPr>
-        </p:nvPicPr>
-        <p:blipFill>
-          <a:blip r:embed="rId2">
-            <a:extLst>
-              <a:ext uri="{28A0092B-C50C-407E-A947-70E740481C1C}">
-                <a14:useLocalDpi xmlns:a14="http://schemas.microsoft.com/office/drawing/2010/main" val="0"/>
-              </a:ext>
-            </a:extLst>
-          </a:blip>
-          <a:srcRect/>
-          <a:stretch>
-            <a:fillRect/>
-          </a:stretch>
-        </p:blipFill>
-        <p:spPr bwMode="auto">
-          <a:xfrm>
-            <a:off x="443728" y="1367160"/>
-            <a:ext cx="3599635" cy="2533414"/>
-          </a:xfrm>
-          <a:prstGeom prst="rect">
-            <a:avLst/>
-          </a:prstGeom>
-          <a:noFill/>
-          <a:extLst>
-            <a:ext uri="{909E8E84-426E-40DD-AFC4-6F175D3DCCD1}">
-              <a14:hiddenFill xmlns:a14="http://schemas.microsoft.com/office/drawing/2010/main">
-                <a:solidFill>
-                  <a:srgbClr val="FFFFFF"/>
-                </a:solidFill>
-              </a14:hiddenFill>
-            </a:ext>
-          </a:extLst>
-        </p:spPr>
-      </p:pic>
-      <p:pic>
-        <p:nvPicPr>
-          <p:cNvPr id="1028" name="Picture 4">
-            <a:extLst>
-              <a:ext uri="{FF2B5EF4-FFF2-40B4-BE49-F238E27FC236}">
-                <a16:creationId xmlns:a16="http://schemas.microsoft.com/office/drawing/2014/main" id="{A6F9AF57-03E6-9F46-B818-82D83E90EFA2}"/>
-              </a:ext>
-            </a:extLst>
-          </p:cNvPr>
-          <p:cNvPicPr>
-            <a:picLocks noChangeAspect="1" noChangeArrowheads="1"/>
-          </p:cNvPicPr>
-          <p:nvPr/>
-        </p:nvPicPr>
-        <p:blipFill>
-          <a:blip r:embed="rId3">
-            <a:extLst>
-              <a:ext uri="{28A0092B-C50C-407E-A947-70E740481C1C}">
-                <a14:useLocalDpi xmlns:a14="http://schemas.microsoft.com/office/drawing/2010/main" val="0"/>
-              </a:ext>
-            </a:extLst>
-          </a:blip>
-          <a:srcRect/>
-          <a:stretch>
-            <a:fillRect/>
-          </a:stretch>
-        </p:blipFill>
-        <p:spPr bwMode="auto">
-          <a:xfrm>
-            <a:off x="4043363" y="1348036"/>
-            <a:ext cx="3890964" cy="2638263"/>
-          </a:xfrm>
-          <a:prstGeom prst="rect">
-            <a:avLst/>
-          </a:prstGeom>
-          <a:noFill/>
-          <a:extLst>
-            <a:ext uri="{909E8E84-426E-40DD-AFC4-6F175D3DCCD1}">
-              <a14:hiddenFill xmlns:a14="http://schemas.microsoft.com/office/drawing/2010/main">
-                <a:solidFill>
-                  <a:srgbClr val="FFFFFF"/>
-                </a:solidFill>
-              </a14:hiddenFill>
-            </a:ext>
-          </a:extLst>
-        </p:spPr>
-      </p:pic>
-      <p:pic>
-        <p:nvPicPr>
-          <p:cNvPr id="1030" name="Picture 6">
-            <a:extLst>
-              <a:ext uri="{FF2B5EF4-FFF2-40B4-BE49-F238E27FC236}">
-                <a16:creationId xmlns:a16="http://schemas.microsoft.com/office/drawing/2014/main" id="{585A22B3-4E54-4A4A-A698-E594E602ABF6}"/>
-              </a:ext>
-            </a:extLst>
-          </p:cNvPr>
-          <p:cNvPicPr>
-            <a:picLocks noChangeAspect="1" noChangeArrowheads="1"/>
-          </p:cNvPicPr>
-          <p:nvPr/>
-        </p:nvPicPr>
-        <p:blipFill>
-          <a:blip r:embed="rId4">
-            <a:extLst>
-              <a:ext uri="{28A0092B-C50C-407E-A947-70E740481C1C}">
-                <a14:useLocalDpi xmlns:a14="http://schemas.microsoft.com/office/drawing/2010/main" val="0"/>
-              </a:ext>
-            </a:extLst>
-          </a:blip>
-          <a:srcRect/>
-          <a:stretch>
-            <a:fillRect/>
-          </a:stretch>
-        </p:blipFill>
-        <p:spPr bwMode="auto">
-          <a:xfrm>
-            <a:off x="7934327" y="1367160"/>
-            <a:ext cx="3947904" cy="2638263"/>
-          </a:xfrm>
-          <a:prstGeom prst="rect">
-            <a:avLst/>
-          </a:prstGeom>
-          <a:noFill/>
-          <a:extLst>
-            <a:ext uri="{909E8E84-426E-40DD-AFC4-6F175D3DCCD1}">
-              <a14:hiddenFill xmlns:a14="http://schemas.microsoft.com/office/drawing/2010/main">
-                <a:solidFill>
-                  <a:srgbClr val="FFFFFF"/>
-                </a:solidFill>
-              </a14:hiddenFill>
-            </a:ext>
-          </a:extLst>
-        </p:spPr>
-      </p:pic>
-      <p:pic>
-        <p:nvPicPr>
-          <p:cNvPr id="1032" name="Picture 8">
-            <a:extLst>
-              <a:ext uri="{FF2B5EF4-FFF2-40B4-BE49-F238E27FC236}">
-                <a16:creationId xmlns:a16="http://schemas.microsoft.com/office/drawing/2014/main" id="{3D633A50-1D73-4640-8815-F7A1378EA521}"/>
-              </a:ext>
-            </a:extLst>
-          </p:cNvPr>
-          <p:cNvPicPr>
-            <a:picLocks noChangeAspect="1" noChangeArrowheads="1"/>
-          </p:cNvPicPr>
-          <p:nvPr/>
-        </p:nvPicPr>
-        <p:blipFill>
-          <a:blip r:embed="rId4">
-            <a:extLst>
-              <a:ext uri="{28A0092B-C50C-407E-A947-70E740481C1C}">
-                <a14:useLocalDpi xmlns:a14="http://schemas.microsoft.com/office/drawing/2010/main" val="0"/>
-              </a:ext>
-            </a:extLst>
-          </a:blip>
-          <a:srcRect/>
-          <a:stretch>
-            <a:fillRect/>
-          </a:stretch>
-        </p:blipFill>
-        <p:spPr bwMode="auto">
-          <a:xfrm>
-            <a:off x="2040939" y="3986299"/>
-            <a:ext cx="3947906" cy="2638264"/>
-          </a:xfrm>
-          <a:prstGeom prst="rect">
-            <a:avLst/>
-          </a:prstGeom>
-          <a:noFill/>
-          <a:extLst>
-            <a:ext uri="{909E8E84-426E-40DD-AFC4-6F175D3DCCD1}">
-              <a14:hiddenFill xmlns:a14="http://schemas.microsoft.com/office/drawing/2010/main">
-                <a:solidFill>
-                  <a:srgbClr val="FFFFFF"/>
-                </a:solidFill>
-              </a14:hiddenFill>
-            </a:ext>
-          </a:extLst>
-        </p:spPr>
-      </p:pic>
-      <p:pic>
-        <p:nvPicPr>
-          <p:cNvPr id="1034" name="Picture 10">
-            <a:extLst>
-              <a:ext uri="{FF2B5EF4-FFF2-40B4-BE49-F238E27FC236}">
-                <a16:creationId xmlns:a16="http://schemas.microsoft.com/office/drawing/2014/main" id="{C7E22831-FFB9-744F-8DB2-BE4758B92920}"/>
-              </a:ext>
-            </a:extLst>
-          </p:cNvPr>
-          <p:cNvPicPr>
-            <a:picLocks noChangeAspect="1" noChangeArrowheads="1"/>
-          </p:cNvPicPr>
-          <p:nvPr/>
-        </p:nvPicPr>
-        <p:blipFill>
-          <a:blip r:embed="rId5">
-            <a:extLst>
-              <a:ext uri="{28A0092B-C50C-407E-A947-70E740481C1C}">
-                <a14:useLocalDpi xmlns:a14="http://schemas.microsoft.com/office/drawing/2010/main" val="0"/>
-              </a:ext>
-            </a:extLst>
-          </a:blip>
-          <a:srcRect/>
-          <a:stretch>
-            <a:fillRect/>
-          </a:stretch>
-        </p:blipFill>
-        <p:spPr bwMode="auto">
-          <a:xfrm>
-            <a:off x="6431758" y="4005423"/>
-            <a:ext cx="3947904" cy="2619373"/>
-          </a:xfrm>
-          <a:prstGeom prst="rect">
-            <a:avLst/>
-          </a:prstGeom>
-          <a:noFill/>
-          <a:extLst>
-            <a:ext uri="{909E8E84-426E-40DD-AFC4-6F175D3DCCD1}">
-              <a14:hiddenFill xmlns:a14="http://schemas.microsoft.com/office/drawing/2010/main">
-                <a:solidFill>
-                  <a:srgbClr val="FFFFFF"/>
-                </a:solidFill>
-              </a14:hiddenFill>
-            </a:ext>
-          </a:extLst>
-        </p:spPr>
-      </p:pic>
-    </p:spTree>
-    <p:extLst>
-      <p:ext uri="{BB962C8B-B14F-4D97-AF65-F5344CB8AC3E}">
-        <p14:creationId xmlns:p14="http://schemas.microsoft.com/office/powerpoint/2010/main" val="2949780701"/>
-      </p:ext>
-    </p:extLst>
-  </p:cSld>
-  <p:clrMapOvr>
-    <a:masterClrMapping/>
-  </p:clrMapOvr>
-</p:sld>
-</file>
-
-<file path=ppt/slides/slide8.xml><?xml version="1.0" encoding="utf-8"?>
-<p:sld xmlns:a="http://schemas.openxmlformats.org/drawingml/2006/main" xmlns:r="http://schemas.openxmlformats.org/officeDocument/2006/relationships" xmlns:p="http://schemas.openxmlformats.org/presentationml/2006/main">
-  <p:cSld>
-    <p:bg>
-      <p:bgPr>
-        <a:solidFill>
-          <a:schemeClr val="bg1"/>
-        </a:solidFill>
-        <a:effectLst/>
-      </p:bgPr>
-    </p:bg>
-    <p:spTree>
-      <p:nvGrpSpPr>
-        <p:cNvPr id="1" name=""/>
-        <p:cNvGrpSpPr/>
-        <p:nvPr/>
-      </p:nvGrpSpPr>
-      <p:grpSpPr>
-        <a:xfrm>
-          <a:off x="0" y="0"/>
-          <a:ext cx="0" cy="0"/>
-          <a:chOff x="0" y="0"/>
-          <a:chExt cx="0" cy="0"/>
-        </a:xfrm>
-      </p:grpSpPr>
-      <p:sp>
-        <p:nvSpPr>
-          <p:cNvPr id="2" name="Title 1">
-            <a:extLst>
-              <a:ext uri="{FF2B5EF4-FFF2-40B4-BE49-F238E27FC236}">
-                <a16:creationId xmlns:a16="http://schemas.microsoft.com/office/drawing/2014/main" id="{80ECD576-99C5-D742-9F38-9C2393803CB8}"/>
-              </a:ext>
-            </a:extLst>
-          </p:cNvPr>
-          <p:cNvSpPr>
-            <a:spLocks noGrp="1"/>
-          </p:cNvSpPr>
-          <p:nvPr>
-            <p:ph type="title"/>
-          </p:nvPr>
-        </p:nvSpPr>
-        <p:spPr>
-          <a:xfrm>
-            <a:off x="4965430" y="629268"/>
-            <a:ext cx="6586491" cy="1286160"/>
-          </a:xfrm>
-        </p:spPr>
-        <p:txBody>
-          <a:bodyPr anchor="b">
-            <a:normAutofit/>
-          </a:bodyPr>
-          <a:lstStyle/>
-          <a:p>
-            <a:r>
-              <a:rPr lang="en-US" dirty="0"/>
-              <a:t>Results (continued…)</a:t>
-            </a:r>
-          </a:p>
-        </p:txBody>
-      </p:sp>
-      <p:sp>
-        <p:nvSpPr>
-          <p:cNvPr id="3" name="Content Placeholder 2">
-            <a:extLst>
-              <a:ext uri="{FF2B5EF4-FFF2-40B4-BE49-F238E27FC236}">
-                <a16:creationId xmlns:a16="http://schemas.microsoft.com/office/drawing/2014/main" id="{E284294C-649B-8841-8B9B-0C78E1821671}"/>
-              </a:ext>
-            </a:extLst>
-          </p:cNvPr>
-          <p:cNvSpPr>
-            <a:spLocks noGrp="1"/>
-          </p:cNvSpPr>
-          <p:nvPr>
-            <p:ph idx="1"/>
-          </p:nvPr>
-        </p:nvSpPr>
-        <p:spPr>
-          <a:xfrm>
-            <a:off x="4965431" y="2438400"/>
-            <a:ext cx="6586489" cy="3785419"/>
-          </a:xfrm>
-        </p:spPr>
-        <p:txBody>
-          <a:bodyPr>
-            <a:normAutofit/>
-          </a:bodyPr>
-          <a:lstStyle/>
-          <a:p>
-            <a:r>
-              <a:rPr lang="en-US" sz="2000" dirty="0"/>
-              <a:t>Results show there is a general increase in Return on Investment as predicted. Unexpected results, show outliers on the higher return on investment but they do not appear on the higher average ratings rather the middle section of average ratings.</a:t>
-            </a:r>
-          </a:p>
-        </p:txBody>
-      </p:sp>
-      <p:pic>
-        <p:nvPicPr>
-          <p:cNvPr id="5" name="Picture 4" descr="Colourful charts and graphs">
-            <a:extLst>
-              <a:ext uri="{FF2B5EF4-FFF2-40B4-BE49-F238E27FC236}">
-                <a16:creationId xmlns:a16="http://schemas.microsoft.com/office/drawing/2014/main" id="{53E516F8-9F2D-4D94-A3F0-BFA583588AC7}"/>
-              </a:ext>
-            </a:extLst>
-          </p:cNvPr>
-          <p:cNvPicPr>
-            <a:picLocks noChangeAspect="1"/>
-          </p:cNvPicPr>
-          <p:nvPr/>
-        </p:nvPicPr>
-        <p:blipFill rotWithShape="1">
-          <a:blip r:embed="rId2"/>
-          <a:srcRect l="29492" r="25389" b="-1"/>
-          <a:stretch/>
-        </p:blipFill>
-        <p:spPr>
-          <a:xfrm>
-            <a:off x="20" y="10"/>
-            <a:ext cx="4635571" cy="6857990"/>
-          </a:xfrm>
-          <a:prstGeom prst="rect">
-            <a:avLst/>
-          </a:prstGeom>
-          <a:effectLst/>
-        </p:spPr>
-      </p:pic>
-      <p:cxnSp>
-        <p:nvCxnSpPr>
-          <p:cNvPr id="9" name="Straight Connector 8">
-            <a:extLst>
-              <a:ext uri="{FF2B5EF4-FFF2-40B4-BE49-F238E27FC236}">
-                <a16:creationId xmlns:a16="http://schemas.microsoft.com/office/drawing/2014/main" id="{A7F400EE-A8A5-48AF-B4D6-291B52C6F0B0}"/>
-              </a:ext>
-              <a:ext uri="{C183D7F6-B498-43B3-948B-1728B52AA6E4}">
-                <adec:decorative xmlns:adec="http://schemas.microsoft.com/office/drawing/2017/decorative" val="1"/>
-              </a:ext>
-            </a:extLst>
-          </p:cNvPr>
-          <p:cNvCxnSpPr>
-            <a:cxnSpLocks noGrp="1" noRot="1" noChangeAspect="1" noMove="1" noResize="1" noEditPoints="1" noAdjustHandles="1" noChangeArrowheads="1" noChangeShapeType="1"/>
-          </p:cNvCxnSpPr>
-          <p:nvPr>
-            <p:extLst>
-              <p:ext uri="{386F3935-93C4-4BCD-93E2-E3B085C9AB24}">
-                <p16:designElem xmlns:p16="http://schemas.microsoft.com/office/powerpoint/2015/main" val="1"/>
-              </p:ext>
-            </p:extLst>
-          </p:nvPr>
-        </p:nvCxnSpPr>
-        <p:spPr>
-          <a:xfrm>
-            <a:off x="5080934" y="2115117"/>
-            <a:ext cx="6309360" cy="0"/>
-          </a:xfrm>
-          <a:prstGeom prst="line">
-            <a:avLst/>
-          </a:prstGeom>
-          <a:ln w="19050">
-            <a:solidFill>
-              <a:srgbClr val="E5B15D"/>
-            </a:solidFill>
-          </a:ln>
-        </p:spPr>
-        <p:style>
-          <a:lnRef idx="1">
-            <a:schemeClr val="accent1"/>
-          </a:lnRef>
-          <a:fillRef idx="0">
-            <a:schemeClr val="accent1"/>
-          </a:fillRef>
-          <a:effectRef idx="0">
-            <a:schemeClr val="accent1"/>
-          </a:effectRef>
-          <a:fontRef idx="minor">
-            <a:schemeClr val="tx1"/>
-          </a:fontRef>
-        </p:style>
-      </p:cxnSp>
-    </p:spTree>
-    <p:extLst>
-      <p:ext uri="{BB962C8B-B14F-4D97-AF65-F5344CB8AC3E}">
-        <p14:creationId xmlns:p14="http://schemas.microsoft.com/office/powerpoint/2010/main" val="493001081"/>
-      </p:ext>
-    </p:extLst>
-  </p:cSld>
-  <p:clrMapOvr>
-    <a:masterClrMapping/>
-  </p:clrMapOvr>
-</p:sld>
-</file>
-
-<file path=ppt/slides/slide9.xml><?xml version="1.0" encoding="utf-8"?>
+<file path=ppt/slides/slide6.xml><?xml version="1.0" encoding="utf-8"?>
 <p:sld xmlns:a="http://schemas.openxmlformats.org/drawingml/2006/main" xmlns:r="http://schemas.openxmlformats.org/officeDocument/2006/relationships" xmlns:p="http://schemas.openxmlformats.org/presentationml/2006/main">
   <p:cSld>
     <p:bg>
@@ -10770,7 +11818,7 @@
           <p:cNvPr id="2" name="Title 1">
             <a:extLst>
               <a:ext uri="{FF2B5EF4-FFF2-40B4-BE49-F238E27FC236}">
-                <a16:creationId xmlns:a16="http://schemas.microsoft.com/office/drawing/2014/main" id="{46E91C97-A06F-AC4A-8D1E-7409EF5640B1}"/>
+                <a16:creationId xmlns:a16="http://schemas.microsoft.com/office/drawing/2014/main" id="{B9A96219-0B50-DC43-9836-FD021AF451C7}"/>
               </a:ext>
             </a:extLst>
           </p:cNvPr>
@@ -10800,7 +11848,7 @@
                   <a:srgbClr val="FFFFFF"/>
                 </a:solidFill>
               </a:rPr>
-              <a:t>Conclusions</a:t>
+              <a:t>Methods</a:t>
             </a:r>
           </a:p>
         </p:txBody>
@@ -10810,7 +11858,7 @@
           <p:cNvPr id="3" name="Content Placeholder 2">
             <a:extLst>
               <a:ext uri="{FF2B5EF4-FFF2-40B4-BE49-F238E27FC236}">
-                <a16:creationId xmlns:a16="http://schemas.microsoft.com/office/drawing/2014/main" id="{F0879E51-3025-FD47-A6D2-158E9D009E69}"/>
+                <a16:creationId xmlns:a16="http://schemas.microsoft.com/office/drawing/2014/main" id="{8D24899F-AC40-5747-B683-C297EF6FF0A5}"/>
               </a:ext>
             </a:extLst>
           </p:cNvPr>
@@ -10835,7 +11883,19 @@
           <a:p>
             <a:r>
               <a:rPr lang="en-US" sz="2000" dirty="0"/>
-              <a:t>In conclusion, the genre Drama has the highest average rating and highest return on investment while comedy/drama has both lowest average rating and lowest return on investment. Dramas will almost always receive great ratings and and a high return on investment.</a:t>
+              <a:t>First create separate data frames by role</a:t>
+            </a:r>
+          </a:p>
+          <a:p>
+            <a:r>
+              <a:rPr lang="en-US" sz="2000" dirty="0"/>
+              <a:t>Identify top individuals by value counts</a:t>
+            </a:r>
+          </a:p>
+          <a:p>
+            <a:r>
+              <a:rPr lang="en-US" sz="2000" dirty="0"/>
+              <a:t>Group by individuals – then plotted  both Return on Investment Percentage (ROI Percentage) and average rating.</a:t>
             </a:r>
           </a:p>
         </p:txBody>
@@ -10843,7 +11903,1656 @@
     </p:spTree>
     <p:extLst>
       <p:ext uri="{BB962C8B-B14F-4D97-AF65-F5344CB8AC3E}">
-        <p14:creationId xmlns:p14="http://schemas.microsoft.com/office/powerpoint/2010/main" val="1690659996"/>
+        <p14:creationId xmlns:p14="http://schemas.microsoft.com/office/powerpoint/2010/main" val="1707708481"/>
+      </p:ext>
+    </p:extLst>
+  </p:cSld>
+  <p:clrMapOvr>
+    <a:masterClrMapping/>
+  </p:clrMapOvr>
+</p:sld>
+</file>
+
+<file path=ppt/slides/slide7.xml><?xml version="1.0" encoding="utf-8"?>
+<p:sld xmlns:a="http://schemas.openxmlformats.org/drawingml/2006/main" xmlns:r="http://schemas.openxmlformats.org/officeDocument/2006/relationships" xmlns:p="http://schemas.openxmlformats.org/presentationml/2006/main">
+  <p:cSld>
+    <p:bg>
+      <p:bgPr>
+        <a:solidFill>
+          <a:schemeClr val="bg1"/>
+        </a:solidFill>
+        <a:effectLst/>
+      </p:bgPr>
+    </p:bg>
+    <p:spTree>
+      <p:nvGrpSpPr>
+        <p:cNvPr id="1" name=""/>
+        <p:cNvGrpSpPr/>
+        <p:nvPr/>
+      </p:nvGrpSpPr>
+      <p:grpSpPr>
+        <a:xfrm>
+          <a:off x="0" y="0"/>
+          <a:ext cx="0" cy="0"/>
+          <a:chOff x="0" y="0"/>
+          <a:chExt cx="0" cy="0"/>
+        </a:xfrm>
+      </p:grpSpPr>
+      <p:sp useBgFill="1">
+        <p:nvSpPr>
+          <p:cNvPr id="25" name="Rectangle 24">
+            <a:extLst>
+              <a:ext uri="{FF2B5EF4-FFF2-40B4-BE49-F238E27FC236}">
+                <a16:creationId xmlns:a16="http://schemas.microsoft.com/office/drawing/2014/main" id="{2151139A-886F-4B97-8815-729AD3831BBD}"/>
+              </a:ext>
+              <a:ext uri="{C183D7F6-B498-43B3-948B-1728B52AA6E4}">
+                <adec:decorative xmlns:adec="http://schemas.microsoft.com/office/drawing/2017/decorative" val="1"/>
+              </a:ext>
+            </a:extLst>
+          </p:cNvPr>
+          <p:cNvSpPr>
+            <a:spLocks noGrp="1" noRot="1" noChangeAspect="1" noMove="1" noResize="1" noEditPoints="1" noAdjustHandles="1" noChangeArrowheads="1" noChangeShapeType="1" noTextEdit="1"/>
+          </p:cNvSpPr>
+          <p:nvPr>
+            <p:extLst>
+              <p:ext uri="{386F3935-93C4-4BCD-93E2-E3B085C9AB24}">
+                <p16:designElem xmlns:p16="http://schemas.microsoft.com/office/powerpoint/2015/main" val="1"/>
+              </p:ext>
+            </p:extLst>
+          </p:nvPr>
+        </p:nvSpPr>
+        <p:spPr>
+          <a:xfrm>
+            <a:off x="0" y="0"/>
+            <a:ext cx="12192000" cy="6858000"/>
+          </a:xfrm>
+          <a:prstGeom prst="rect">
+            <a:avLst/>
+          </a:prstGeom>
+          <a:ln w="12700" cap="flat" cmpd="sng" algn="ctr">
+            <a:noFill/>
+            <a:prstDash val="solid"/>
+            <a:miter lim="800000"/>
+          </a:ln>
+          <a:effectLst/>
+          <a:extLst>
+            <a:ext uri="{91240B29-F687-4F45-9708-019B960494DF}">
+              <a14:hiddenLine xmlns:a14="http://schemas.microsoft.com/office/drawing/2010/main" w="12700" cap="flat" cmpd="sng" algn="ctr">
+                <a:solidFill>
+                  <a:schemeClr val="accent1">
+                    <a:shade val="50000"/>
+                  </a:schemeClr>
+                </a:solidFill>
+                <a:prstDash val="solid"/>
+                <a:miter lim="800000"/>
+              </a14:hiddenLine>
+            </a:ext>
+          </a:extLst>
+        </p:spPr>
+        <p:style>
+          <a:lnRef idx="2">
+            <a:schemeClr val="accent1">
+              <a:shade val="50000"/>
+            </a:schemeClr>
+          </a:lnRef>
+          <a:fillRef idx="1">
+            <a:schemeClr val="accent1"/>
+          </a:fillRef>
+          <a:effectRef idx="0">
+            <a:schemeClr val="accent1"/>
+          </a:effectRef>
+          <a:fontRef idx="minor">
+            <a:schemeClr val="lt1"/>
+          </a:fontRef>
+        </p:style>
+        <p:txBody>
+          <a:bodyPr rtlCol="0" anchor="ctr"/>
+          <a:lstStyle/>
+          <a:p>
+            <a:pPr algn="ctr"/>
+            <a:endParaRPr lang="en-US" sz="2000"/>
+          </a:p>
+        </p:txBody>
+      </p:sp>
+      <p:sp>
+        <p:nvSpPr>
+          <p:cNvPr id="27" name="Rectangle 26">
+            <a:extLst>
+              <a:ext uri="{FF2B5EF4-FFF2-40B4-BE49-F238E27FC236}">
+                <a16:creationId xmlns:a16="http://schemas.microsoft.com/office/drawing/2014/main" id="{AB5E08C4-8CDD-4623-A5B8-E998C6DEE3B7}"/>
+              </a:ext>
+              <a:ext uri="{C183D7F6-B498-43B3-948B-1728B52AA6E4}">
+                <adec:decorative xmlns:adec="http://schemas.microsoft.com/office/drawing/2017/decorative" val="1"/>
+              </a:ext>
+            </a:extLst>
+          </p:cNvPr>
+          <p:cNvSpPr>
+            <a:spLocks noGrp="1" noRot="1" noChangeAspect="1" noMove="1" noResize="1" noEditPoints="1" noAdjustHandles="1" noChangeArrowheads="1" noChangeShapeType="1" noTextEdit="1"/>
+          </p:cNvSpPr>
+          <p:nvPr>
+            <p:extLst>
+              <p:ext uri="{386F3935-93C4-4BCD-93E2-E3B085C9AB24}">
+                <p16:designElem xmlns:p16="http://schemas.microsoft.com/office/powerpoint/2015/main" val="1"/>
+              </p:ext>
+            </p:extLst>
+          </p:nvPr>
+        </p:nvSpPr>
+        <p:spPr>
+          <a:xfrm flipH="1">
+            <a:off x="2" y="492"/>
+            <a:ext cx="12191998" cy="1575955"/>
+          </a:xfrm>
+          <a:prstGeom prst="rect">
+            <a:avLst/>
+          </a:prstGeom>
+          <a:gradFill>
+            <a:gsLst>
+              <a:gs pos="0">
+                <a:schemeClr val="accent1">
+                  <a:lumMod val="50000"/>
+                </a:schemeClr>
+              </a:gs>
+              <a:gs pos="100000">
+                <a:schemeClr val="accent1">
+                  <a:lumMod val="75000"/>
+                </a:schemeClr>
+              </a:gs>
+            </a:gsLst>
+            <a:lin ang="8400000" scaled="0"/>
+          </a:gradFill>
+          <a:ln>
+            <a:noFill/>
+          </a:ln>
+        </p:spPr>
+        <p:style>
+          <a:lnRef idx="2">
+            <a:schemeClr val="accent1">
+              <a:shade val="50000"/>
+            </a:schemeClr>
+          </a:lnRef>
+          <a:fillRef idx="1">
+            <a:schemeClr val="accent1"/>
+          </a:fillRef>
+          <a:effectRef idx="0">
+            <a:schemeClr val="accent1"/>
+          </a:effectRef>
+          <a:fontRef idx="minor">
+            <a:schemeClr val="lt1"/>
+          </a:fontRef>
+        </p:style>
+        <p:txBody>
+          <a:bodyPr rtlCol="0" anchor="ctr"/>
+          <a:lstStyle/>
+          <a:p>
+            <a:pPr algn="ctr"/>
+            <a:endParaRPr lang="en-US"/>
+          </a:p>
+        </p:txBody>
+      </p:sp>
+      <p:sp>
+        <p:nvSpPr>
+          <p:cNvPr id="29" name="Rectangle 28">
+            <a:extLst>
+              <a:ext uri="{FF2B5EF4-FFF2-40B4-BE49-F238E27FC236}">
+                <a16:creationId xmlns:a16="http://schemas.microsoft.com/office/drawing/2014/main" id="{15F33878-D502-4FFA-8ACE-F2AECDB2A23F}"/>
+              </a:ext>
+              <a:ext uri="{C183D7F6-B498-43B3-948B-1728B52AA6E4}">
+                <adec:decorative xmlns:adec="http://schemas.microsoft.com/office/drawing/2017/decorative" val="1"/>
+              </a:ext>
+            </a:extLst>
+          </p:cNvPr>
+          <p:cNvSpPr>
+            <a:spLocks noGrp="1" noRot="1" noChangeAspect="1" noMove="1" noResize="1" noEditPoints="1" noAdjustHandles="1" noChangeArrowheads="1" noChangeShapeType="1" noTextEdit="1"/>
+          </p:cNvSpPr>
+          <p:nvPr>
+            <p:extLst>
+              <p:ext uri="{386F3935-93C4-4BCD-93E2-E3B085C9AB24}">
+                <p16:designElem xmlns:p16="http://schemas.microsoft.com/office/powerpoint/2015/main" val="1"/>
+              </p:ext>
+            </p:extLst>
+          </p:nvPr>
+        </p:nvSpPr>
+        <p:spPr>
+          <a:xfrm rot="10800000" flipH="1">
+            <a:off x="8128857" y="35"/>
+            <a:ext cx="4063143" cy="1576412"/>
+          </a:xfrm>
+          <a:prstGeom prst="rect">
+            <a:avLst/>
+          </a:prstGeom>
+          <a:gradFill>
+            <a:gsLst>
+              <a:gs pos="19000">
+                <a:schemeClr val="accent1">
+                  <a:lumMod val="50000"/>
+                  <a:alpha val="68000"/>
+                </a:schemeClr>
+              </a:gs>
+              <a:gs pos="100000">
+                <a:schemeClr val="accent1">
+                  <a:alpha val="79000"/>
+                </a:schemeClr>
+              </a:gs>
+            </a:gsLst>
+            <a:lin ang="19200000" scaled="0"/>
+          </a:gradFill>
+          <a:ln>
+            <a:noFill/>
+          </a:ln>
+        </p:spPr>
+        <p:style>
+          <a:lnRef idx="2">
+            <a:schemeClr val="accent1">
+              <a:shade val="50000"/>
+            </a:schemeClr>
+          </a:lnRef>
+          <a:fillRef idx="1">
+            <a:schemeClr val="accent1"/>
+          </a:fillRef>
+          <a:effectRef idx="0">
+            <a:schemeClr val="accent1"/>
+          </a:effectRef>
+          <a:fontRef idx="minor">
+            <a:schemeClr val="lt1"/>
+          </a:fontRef>
+        </p:style>
+        <p:txBody>
+          <a:bodyPr rtlCol="0" anchor="ctr"/>
+          <a:lstStyle/>
+          <a:p>
+            <a:pPr algn="ctr"/>
+            <a:endParaRPr lang="en-US"/>
+          </a:p>
+        </p:txBody>
+      </p:sp>
+      <p:sp>
+        <p:nvSpPr>
+          <p:cNvPr id="31" name="Rectangle 30">
+            <a:extLst>
+              <a:ext uri="{FF2B5EF4-FFF2-40B4-BE49-F238E27FC236}">
+                <a16:creationId xmlns:a16="http://schemas.microsoft.com/office/drawing/2014/main" id="{D3539FEE-81D3-4406-802E-60B20B16F4F6}"/>
+              </a:ext>
+              <a:ext uri="{C183D7F6-B498-43B3-948B-1728B52AA6E4}">
+                <adec:decorative xmlns:adec="http://schemas.microsoft.com/office/drawing/2017/decorative" val="1"/>
+              </a:ext>
+            </a:extLst>
+          </p:cNvPr>
+          <p:cNvSpPr>
+            <a:spLocks noGrp="1" noRot="1" noChangeAspect="1" noMove="1" noResize="1" noEditPoints="1" noAdjustHandles="1" noChangeArrowheads="1" noChangeShapeType="1" noTextEdit="1"/>
+          </p:cNvSpPr>
+          <p:nvPr>
+            <p:extLst>
+              <p:ext uri="{386F3935-93C4-4BCD-93E2-E3B085C9AB24}">
+                <p16:designElem xmlns:p16="http://schemas.microsoft.com/office/powerpoint/2015/main" val="1"/>
+              </p:ext>
+            </p:extLst>
+          </p:nvPr>
+        </p:nvSpPr>
+        <p:spPr>
+          <a:xfrm rot="5400000">
+            <a:off x="5307778" y="-5307777"/>
+            <a:ext cx="1576446" cy="12192001"/>
+          </a:xfrm>
+          <a:prstGeom prst="rect">
+            <a:avLst/>
+          </a:prstGeom>
+          <a:gradFill>
+            <a:gsLst>
+              <a:gs pos="16000">
+                <a:srgbClr val="000000">
+                  <a:alpha val="0"/>
+                </a:srgbClr>
+              </a:gs>
+              <a:gs pos="99000">
+                <a:srgbClr val="000000">
+                  <a:alpha val="87000"/>
+                </a:srgbClr>
+              </a:gs>
+            </a:gsLst>
+            <a:lin ang="11400000" scaled="0"/>
+          </a:gradFill>
+          <a:ln>
+            <a:noFill/>
+          </a:ln>
+        </p:spPr>
+        <p:style>
+          <a:lnRef idx="2">
+            <a:schemeClr val="accent1">
+              <a:shade val="50000"/>
+            </a:schemeClr>
+          </a:lnRef>
+          <a:fillRef idx="1">
+            <a:schemeClr val="accent1"/>
+          </a:fillRef>
+          <a:effectRef idx="0">
+            <a:schemeClr val="accent1"/>
+          </a:effectRef>
+          <a:fontRef idx="minor">
+            <a:schemeClr val="lt1"/>
+          </a:fontRef>
+        </p:style>
+        <p:txBody>
+          <a:bodyPr rtlCol="0" anchor="ctr"/>
+          <a:lstStyle/>
+          <a:p>
+            <a:pPr algn="ctr"/>
+            <a:endParaRPr lang="en-US" dirty="0"/>
+          </a:p>
+        </p:txBody>
+      </p:sp>
+      <p:sp>
+        <p:nvSpPr>
+          <p:cNvPr id="33" name="Rectangle 32">
+            <a:extLst>
+              <a:ext uri="{FF2B5EF4-FFF2-40B4-BE49-F238E27FC236}">
+                <a16:creationId xmlns:a16="http://schemas.microsoft.com/office/drawing/2014/main" id="{DC701763-729E-462F-A5A8-E0DEFEB1E2E4}"/>
+              </a:ext>
+              <a:ext uri="{C183D7F6-B498-43B3-948B-1728B52AA6E4}">
+                <adec:decorative xmlns:adec="http://schemas.microsoft.com/office/drawing/2017/decorative" val="1"/>
+              </a:ext>
+            </a:extLst>
+          </p:cNvPr>
+          <p:cNvSpPr>
+            <a:spLocks noGrp="1" noRot="1" noChangeAspect="1" noMove="1" noResize="1" noEditPoints="1" noAdjustHandles="1" noChangeArrowheads="1" noChangeShapeType="1" noTextEdit="1"/>
+          </p:cNvSpPr>
+          <p:nvPr>
+            <p:extLst>
+              <p:ext uri="{386F3935-93C4-4BCD-93E2-E3B085C9AB24}">
+                <p16:designElem xmlns:p16="http://schemas.microsoft.com/office/powerpoint/2015/main" val="1"/>
+              </p:ext>
+            </p:extLst>
+          </p:nvPr>
+        </p:nvSpPr>
+        <p:spPr>
+          <a:xfrm>
+            <a:off x="3825434" y="986"/>
+            <a:ext cx="4303422" cy="1575461"/>
+          </a:xfrm>
+          <a:prstGeom prst="rect">
+            <a:avLst/>
+          </a:prstGeom>
+          <a:gradFill>
+            <a:gsLst>
+              <a:gs pos="0">
+                <a:schemeClr val="accent1">
+                  <a:alpha val="17000"/>
+                </a:schemeClr>
+              </a:gs>
+              <a:gs pos="74000">
+                <a:schemeClr val="accent1">
+                  <a:lumMod val="50000"/>
+                  <a:alpha val="0"/>
+                </a:schemeClr>
+              </a:gs>
+            </a:gsLst>
+            <a:lin ang="14400000" scaled="0"/>
+          </a:gradFill>
+          <a:ln>
+            <a:noFill/>
+          </a:ln>
+        </p:spPr>
+        <p:style>
+          <a:lnRef idx="2">
+            <a:schemeClr val="accent1">
+              <a:shade val="50000"/>
+            </a:schemeClr>
+          </a:lnRef>
+          <a:fillRef idx="1">
+            <a:schemeClr val="accent1"/>
+          </a:fillRef>
+          <a:effectRef idx="0">
+            <a:schemeClr val="accent1"/>
+          </a:effectRef>
+          <a:fontRef idx="minor">
+            <a:schemeClr val="lt1"/>
+          </a:fontRef>
+        </p:style>
+        <p:txBody>
+          <a:bodyPr rtlCol="0" anchor="ctr"/>
+          <a:lstStyle/>
+          <a:p>
+            <a:pPr algn="ctr"/>
+            <a:endParaRPr lang="en-US"/>
+          </a:p>
+        </p:txBody>
+      </p:sp>
+      <p:sp>
+        <p:nvSpPr>
+          <p:cNvPr id="2" name="Title 1">
+            <a:extLst>
+              <a:ext uri="{FF2B5EF4-FFF2-40B4-BE49-F238E27FC236}">
+                <a16:creationId xmlns:a16="http://schemas.microsoft.com/office/drawing/2014/main" id="{2D5D46DE-345B-A547-B1B1-C7513AB2563D}"/>
+              </a:ext>
+            </a:extLst>
+          </p:cNvPr>
+          <p:cNvSpPr>
+            <a:spLocks noGrp="1"/>
+          </p:cNvSpPr>
+          <p:nvPr>
+            <p:ph type="title"/>
+          </p:nvPr>
+        </p:nvSpPr>
+        <p:spPr>
+          <a:xfrm>
+            <a:off x="699714" y="353160"/>
+            <a:ext cx="7091300" cy="898581"/>
+          </a:xfrm>
+        </p:spPr>
+        <p:txBody>
+          <a:bodyPr vert="horz" lIns="91440" tIns="45720" rIns="91440" bIns="45720" rtlCol="0" anchor="ctr">
+            <a:normAutofit/>
+          </a:bodyPr>
+          <a:lstStyle/>
+          <a:p>
+            <a:r>
+              <a:rPr lang="en-US" sz="4000" dirty="0">
+                <a:solidFill>
+                  <a:srgbClr val="FFFFFF"/>
+                </a:solidFill>
+              </a:rPr>
+              <a:t>Results - Directors</a:t>
+            </a:r>
+          </a:p>
+        </p:txBody>
+      </p:sp>
+      <p:pic>
+        <p:nvPicPr>
+          <p:cNvPr id="5" name="Picture 4">
+            <a:extLst>
+              <a:ext uri="{FF2B5EF4-FFF2-40B4-BE49-F238E27FC236}">
+                <a16:creationId xmlns:a16="http://schemas.microsoft.com/office/drawing/2014/main" id="{56D10592-D2DB-EE4B-8762-03763333B737}"/>
+              </a:ext>
+            </a:extLst>
+          </p:cNvPr>
+          <p:cNvPicPr>
+            <a:picLocks noChangeAspect="1" noChangeArrowheads="1"/>
+          </p:cNvPicPr>
+          <p:nvPr/>
+        </p:nvPicPr>
+        <p:blipFill>
+          <a:blip r:embed="rId2">
+            <a:extLst>
+              <a:ext uri="{28A0092B-C50C-407E-A947-70E740481C1C}">
+                <a14:useLocalDpi xmlns:a14="http://schemas.microsoft.com/office/drawing/2010/main" val="0"/>
+              </a:ext>
+            </a:extLst>
+          </a:blip>
+          <a:stretch>
+            <a:fillRect/>
+          </a:stretch>
+        </p:blipFill>
+        <p:spPr bwMode="auto">
+          <a:xfrm>
+            <a:off x="1579088" y="2181426"/>
+            <a:ext cx="4267747" cy="3997637"/>
+          </a:xfrm>
+          <a:prstGeom prst="rect">
+            <a:avLst/>
+          </a:prstGeom>
+          <a:noFill/>
+          <a:extLst>
+            <a:ext uri="{909E8E84-426E-40DD-AFC4-6F175D3DCCD1}">
+              <a14:hiddenFill xmlns:a14="http://schemas.microsoft.com/office/drawing/2010/main">
+                <a:solidFill>
+                  <a:srgbClr val="FFFFFF"/>
+                </a:solidFill>
+              </a14:hiddenFill>
+            </a:ext>
+          </a:extLst>
+        </p:spPr>
+      </p:pic>
+      <p:pic>
+        <p:nvPicPr>
+          <p:cNvPr id="4" name="Picture 2">
+            <a:extLst>
+              <a:ext uri="{FF2B5EF4-FFF2-40B4-BE49-F238E27FC236}">
+                <a16:creationId xmlns:a16="http://schemas.microsoft.com/office/drawing/2014/main" id="{125251F4-0B48-A942-84ED-46F99888C98A}"/>
+              </a:ext>
+            </a:extLst>
+          </p:cNvPr>
+          <p:cNvPicPr>
+            <a:picLocks noGrp="1" noChangeAspect="1" noChangeArrowheads="1"/>
+          </p:cNvPicPr>
+          <p:nvPr>
+            <p:ph idx="1"/>
+          </p:nvPr>
+        </p:nvPicPr>
+        <p:blipFill>
+          <a:blip r:embed="rId3">
+            <a:extLst>
+              <a:ext uri="{28A0092B-C50C-407E-A947-70E740481C1C}">
+                <a14:useLocalDpi xmlns:a14="http://schemas.microsoft.com/office/drawing/2010/main" val="0"/>
+              </a:ext>
+            </a:extLst>
+          </a:blip>
+          <a:stretch>
+            <a:fillRect/>
+          </a:stretch>
+        </p:blipFill>
+        <p:spPr bwMode="auto">
+          <a:xfrm>
+            <a:off x="6345165" y="2217815"/>
+            <a:ext cx="4062660" cy="3997831"/>
+          </a:xfrm>
+          <a:prstGeom prst="rect">
+            <a:avLst/>
+          </a:prstGeom>
+          <a:noFill/>
+          <a:extLst>
+            <a:ext uri="{909E8E84-426E-40DD-AFC4-6F175D3DCCD1}">
+              <a14:hiddenFill xmlns:a14="http://schemas.microsoft.com/office/drawing/2010/main">
+                <a:solidFill>
+                  <a:srgbClr val="FFFFFF"/>
+                </a:solidFill>
+              </a14:hiddenFill>
+            </a:ext>
+          </a:extLst>
+        </p:spPr>
+      </p:pic>
+    </p:spTree>
+    <p:extLst>
+      <p:ext uri="{BB962C8B-B14F-4D97-AF65-F5344CB8AC3E}">
+        <p14:creationId xmlns:p14="http://schemas.microsoft.com/office/powerpoint/2010/main" val="2949780701"/>
+      </p:ext>
+    </p:extLst>
+  </p:cSld>
+  <p:clrMapOvr>
+    <a:masterClrMapping/>
+  </p:clrMapOvr>
+</p:sld>
+</file>
+
+<file path=ppt/slides/slide8.xml><?xml version="1.0" encoding="utf-8"?>
+<p:sld xmlns:a="http://schemas.openxmlformats.org/drawingml/2006/main" xmlns:r="http://schemas.openxmlformats.org/officeDocument/2006/relationships" xmlns:p="http://schemas.openxmlformats.org/presentationml/2006/main">
+  <p:cSld>
+    <p:bg>
+      <p:bgPr>
+        <a:solidFill>
+          <a:schemeClr val="bg1"/>
+        </a:solidFill>
+        <a:effectLst/>
+      </p:bgPr>
+    </p:bg>
+    <p:spTree>
+      <p:nvGrpSpPr>
+        <p:cNvPr id="1" name=""/>
+        <p:cNvGrpSpPr/>
+        <p:nvPr/>
+      </p:nvGrpSpPr>
+      <p:grpSpPr>
+        <a:xfrm>
+          <a:off x="0" y="0"/>
+          <a:ext cx="0" cy="0"/>
+          <a:chOff x="0" y="0"/>
+          <a:chExt cx="0" cy="0"/>
+        </a:xfrm>
+      </p:grpSpPr>
+      <p:sp useBgFill="1">
+        <p:nvSpPr>
+          <p:cNvPr id="137" name="Rectangle 136">
+            <a:extLst>
+              <a:ext uri="{FF2B5EF4-FFF2-40B4-BE49-F238E27FC236}">
+                <a16:creationId xmlns:a16="http://schemas.microsoft.com/office/drawing/2014/main" id="{2151139A-886F-4B97-8815-729AD3831BBD}"/>
+              </a:ext>
+              <a:ext uri="{C183D7F6-B498-43B3-948B-1728B52AA6E4}">
+                <adec:decorative xmlns:adec="http://schemas.microsoft.com/office/drawing/2017/decorative" val="1"/>
+              </a:ext>
+            </a:extLst>
+          </p:cNvPr>
+          <p:cNvSpPr>
+            <a:spLocks noGrp="1" noRot="1" noChangeAspect="1" noMove="1" noResize="1" noEditPoints="1" noAdjustHandles="1" noChangeArrowheads="1" noChangeShapeType="1" noTextEdit="1"/>
+          </p:cNvSpPr>
+          <p:nvPr>
+            <p:extLst>
+              <p:ext uri="{386F3935-93C4-4BCD-93E2-E3B085C9AB24}">
+                <p16:designElem xmlns:p16="http://schemas.microsoft.com/office/powerpoint/2015/main" val="1"/>
+              </p:ext>
+            </p:extLst>
+          </p:nvPr>
+        </p:nvSpPr>
+        <p:spPr>
+          <a:xfrm>
+            <a:off x="0" y="0"/>
+            <a:ext cx="12192000" cy="6858000"/>
+          </a:xfrm>
+          <a:prstGeom prst="rect">
+            <a:avLst/>
+          </a:prstGeom>
+          <a:ln w="12700" cap="flat" cmpd="sng" algn="ctr">
+            <a:noFill/>
+            <a:prstDash val="solid"/>
+            <a:miter lim="800000"/>
+          </a:ln>
+          <a:effectLst/>
+          <a:extLst>
+            <a:ext uri="{91240B29-F687-4F45-9708-019B960494DF}">
+              <a14:hiddenLine xmlns:a14="http://schemas.microsoft.com/office/drawing/2010/main" w="12700" cap="flat" cmpd="sng" algn="ctr">
+                <a:solidFill>
+                  <a:schemeClr val="accent1">
+                    <a:shade val="50000"/>
+                  </a:schemeClr>
+                </a:solidFill>
+                <a:prstDash val="solid"/>
+                <a:miter lim="800000"/>
+              </a14:hiddenLine>
+            </a:ext>
+          </a:extLst>
+        </p:spPr>
+        <p:style>
+          <a:lnRef idx="2">
+            <a:schemeClr val="accent1">
+              <a:shade val="50000"/>
+            </a:schemeClr>
+          </a:lnRef>
+          <a:fillRef idx="1">
+            <a:schemeClr val="accent1"/>
+          </a:fillRef>
+          <a:effectRef idx="0">
+            <a:schemeClr val="accent1"/>
+          </a:effectRef>
+          <a:fontRef idx="minor">
+            <a:schemeClr val="lt1"/>
+          </a:fontRef>
+        </p:style>
+        <p:txBody>
+          <a:bodyPr rtlCol="0" anchor="ctr"/>
+          <a:lstStyle/>
+          <a:p>
+            <a:pPr algn="ctr"/>
+            <a:endParaRPr lang="en-US" sz="2000"/>
+          </a:p>
+        </p:txBody>
+      </p:sp>
+      <p:sp>
+        <p:nvSpPr>
+          <p:cNvPr id="139" name="Rectangle 138">
+            <a:extLst>
+              <a:ext uri="{FF2B5EF4-FFF2-40B4-BE49-F238E27FC236}">
+                <a16:creationId xmlns:a16="http://schemas.microsoft.com/office/drawing/2014/main" id="{AB5E08C4-8CDD-4623-A5B8-E998C6DEE3B7}"/>
+              </a:ext>
+              <a:ext uri="{C183D7F6-B498-43B3-948B-1728B52AA6E4}">
+                <adec:decorative xmlns:adec="http://schemas.microsoft.com/office/drawing/2017/decorative" val="1"/>
+              </a:ext>
+            </a:extLst>
+          </p:cNvPr>
+          <p:cNvSpPr>
+            <a:spLocks noGrp="1" noRot="1" noChangeAspect="1" noMove="1" noResize="1" noEditPoints="1" noAdjustHandles="1" noChangeArrowheads="1" noChangeShapeType="1" noTextEdit="1"/>
+          </p:cNvSpPr>
+          <p:nvPr>
+            <p:extLst>
+              <p:ext uri="{386F3935-93C4-4BCD-93E2-E3B085C9AB24}">
+                <p16:designElem xmlns:p16="http://schemas.microsoft.com/office/powerpoint/2015/main" val="1"/>
+              </p:ext>
+            </p:extLst>
+          </p:nvPr>
+        </p:nvSpPr>
+        <p:spPr>
+          <a:xfrm flipH="1">
+            <a:off x="2" y="492"/>
+            <a:ext cx="12191998" cy="1575955"/>
+          </a:xfrm>
+          <a:prstGeom prst="rect">
+            <a:avLst/>
+          </a:prstGeom>
+          <a:gradFill>
+            <a:gsLst>
+              <a:gs pos="0">
+                <a:schemeClr val="accent1">
+                  <a:lumMod val="50000"/>
+                </a:schemeClr>
+              </a:gs>
+              <a:gs pos="100000">
+                <a:schemeClr val="accent1">
+                  <a:lumMod val="75000"/>
+                </a:schemeClr>
+              </a:gs>
+            </a:gsLst>
+            <a:lin ang="8400000" scaled="0"/>
+          </a:gradFill>
+          <a:ln>
+            <a:noFill/>
+          </a:ln>
+        </p:spPr>
+        <p:style>
+          <a:lnRef idx="2">
+            <a:schemeClr val="accent1">
+              <a:shade val="50000"/>
+            </a:schemeClr>
+          </a:lnRef>
+          <a:fillRef idx="1">
+            <a:schemeClr val="accent1"/>
+          </a:fillRef>
+          <a:effectRef idx="0">
+            <a:schemeClr val="accent1"/>
+          </a:effectRef>
+          <a:fontRef idx="minor">
+            <a:schemeClr val="lt1"/>
+          </a:fontRef>
+        </p:style>
+        <p:txBody>
+          <a:bodyPr rtlCol="0" anchor="ctr"/>
+          <a:lstStyle/>
+          <a:p>
+            <a:pPr algn="ctr"/>
+            <a:endParaRPr lang="en-US"/>
+          </a:p>
+        </p:txBody>
+      </p:sp>
+      <p:sp>
+        <p:nvSpPr>
+          <p:cNvPr id="141" name="Rectangle 140">
+            <a:extLst>
+              <a:ext uri="{FF2B5EF4-FFF2-40B4-BE49-F238E27FC236}">
+                <a16:creationId xmlns:a16="http://schemas.microsoft.com/office/drawing/2014/main" id="{15F33878-D502-4FFA-8ACE-F2AECDB2A23F}"/>
+              </a:ext>
+              <a:ext uri="{C183D7F6-B498-43B3-948B-1728B52AA6E4}">
+                <adec:decorative xmlns:adec="http://schemas.microsoft.com/office/drawing/2017/decorative" val="1"/>
+              </a:ext>
+            </a:extLst>
+          </p:cNvPr>
+          <p:cNvSpPr>
+            <a:spLocks noGrp="1" noRot="1" noChangeAspect="1" noMove="1" noResize="1" noEditPoints="1" noAdjustHandles="1" noChangeArrowheads="1" noChangeShapeType="1" noTextEdit="1"/>
+          </p:cNvSpPr>
+          <p:nvPr>
+            <p:extLst>
+              <p:ext uri="{386F3935-93C4-4BCD-93E2-E3B085C9AB24}">
+                <p16:designElem xmlns:p16="http://schemas.microsoft.com/office/powerpoint/2015/main" val="1"/>
+              </p:ext>
+            </p:extLst>
+          </p:nvPr>
+        </p:nvSpPr>
+        <p:spPr>
+          <a:xfrm rot="10800000" flipH="1">
+            <a:off x="8128857" y="35"/>
+            <a:ext cx="4063143" cy="1576412"/>
+          </a:xfrm>
+          <a:prstGeom prst="rect">
+            <a:avLst/>
+          </a:prstGeom>
+          <a:gradFill>
+            <a:gsLst>
+              <a:gs pos="19000">
+                <a:schemeClr val="accent1">
+                  <a:lumMod val="50000"/>
+                  <a:alpha val="68000"/>
+                </a:schemeClr>
+              </a:gs>
+              <a:gs pos="100000">
+                <a:schemeClr val="accent1">
+                  <a:alpha val="79000"/>
+                </a:schemeClr>
+              </a:gs>
+            </a:gsLst>
+            <a:lin ang="19200000" scaled="0"/>
+          </a:gradFill>
+          <a:ln>
+            <a:noFill/>
+          </a:ln>
+        </p:spPr>
+        <p:style>
+          <a:lnRef idx="2">
+            <a:schemeClr val="accent1">
+              <a:shade val="50000"/>
+            </a:schemeClr>
+          </a:lnRef>
+          <a:fillRef idx="1">
+            <a:schemeClr val="accent1"/>
+          </a:fillRef>
+          <a:effectRef idx="0">
+            <a:schemeClr val="accent1"/>
+          </a:effectRef>
+          <a:fontRef idx="minor">
+            <a:schemeClr val="lt1"/>
+          </a:fontRef>
+        </p:style>
+        <p:txBody>
+          <a:bodyPr rtlCol="0" anchor="ctr"/>
+          <a:lstStyle/>
+          <a:p>
+            <a:pPr algn="ctr"/>
+            <a:endParaRPr lang="en-US"/>
+          </a:p>
+        </p:txBody>
+      </p:sp>
+      <p:sp>
+        <p:nvSpPr>
+          <p:cNvPr id="143" name="Rectangle 142">
+            <a:extLst>
+              <a:ext uri="{FF2B5EF4-FFF2-40B4-BE49-F238E27FC236}">
+                <a16:creationId xmlns:a16="http://schemas.microsoft.com/office/drawing/2014/main" id="{D3539FEE-81D3-4406-802E-60B20B16F4F6}"/>
+              </a:ext>
+              <a:ext uri="{C183D7F6-B498-43B3-948B-1728B52AA6E4}">
+                <adec:decorative xmlns:adec="http://schemas.microsoft.com/office/drawing/2017/decorative" val="1"/>
+              </a:ext>
+            </a:extLst>
+          </p:cNvPr>
+          <p:cNvSpPr>
+            <a:spLocks noGrp="1" noRot="1" noChangeAspect="1" noMove="1" noResize="1" noEditPoints="1" noAdjustHandles="1" noChangeArrowheads="1" noChangeShapeType="1" noTextEdit="1"/>
+          </p:cNvSpPr>
+          <p:nvPr>
+            <p:extLst>
+              <p:ext uri="{386F3935-93C4-4BCD-93E2-E3B085C9AB24}">
+                <p16:designElem xmlns:p16="http://schemas.microsoft.com/office/powerpoint/2015/main" val="1"/>
+              </p:ext>
+            </p:extLst>
+          </p:nvPr>
+        </p:nvSpPr>
+        <p:spPr>
+          <a:xfrm rot="5400000">
+            <a:off x="5307778" y="-5307777"/>
+            <a:ext cx="1576446" cy="12192001"/>
+          </a:xfrm>
+          <a:prstGeom prst="rect">
+            <a:avLst/>
+          </a:prstGeom>
+          <a:gradFill>
+            <a:gsLst>
+              <a:gs pos="16000">
+                <a:srgbClr val="000000">
+                  <a:alpha val="0"/>
+                </a:srgbClr>
+              </a:gs>
+              <a:gs pos="99000">
+                <a:srgbClr val="000000">
+                  <a:alpha val="87000"/>
+                </a:srgbClr>
+              </a:gs>
+            </a:gsLst>
+            <a:lin ang="11400000" scaled="0"/>
+          </a:gradFill>
+          <a:ln>
+            <a:noFill/>
+          </a:ln>
+        </p:spPr>
+        <p:style>
+          <a:lnRef idx="2">
+            <a:schemeClr val="accent1">
+              <a:shade val="50000"/>
+            </a:schemeClr>
+          </a:lnRef>
+          <a:fillRef idx="1">
+            <a:schemeClr val="accent1"/>
+          </a:fillRef>
+          <a:effectRef idx="0">
+            <a:schemeClr val="accent1"/>
+          </a:effectRef>
+          <a:fontRef idx="minor">
+            <a:schemeClr val="lt1"/>
+          </a:fontRef>
+        </p:style>
+        <p:txBody>
+          <a:bodyPr rtlCol="0" anchor="ctr"/>
+          <a:lstStyle/>
+          <a:p>
+            <a:pPr algn="ctr"/>
+            <a:endParaRPr lang="en-US" dirty="0"/>
+          </a:p>
+        </p:txBody>
+      </p:sp>
+      <p:sp>
+        <p:nvSpPr>
+          <p:cNvPr id="145" name="Rectangle 144">
+            <a:extLst>
+              <a:ext uri="{FF2B5EF4-FFF2-40B4-BE49-F238E27FC236}">
+                <a16:creationId xmlns:a16="http://schemas.microsoft.com/office/drawing/2014/main" id="{DC701763-729E-462F-A5A8-E0DEFEB1E2E4}"/>
+              </a:ext>
+              <a:ext uri="{C183D7F6-B498-43B3-948B-1728B52AA6E4}">
+                <adec:decorative xmlns:adec="http://schemas.microsoft.com/office/drawing/2017/decorative" val="1"/>
+              </a:ext>
+            </a:extLst>
+          </p:cNvPr>
+          <p:cNvSpPr>
+            <a:spLocks noGrp="1" noRot="1" noChangeAspect="1" noMove="1" noResize="1" noEditPoints="1" noAdjustHandles="1" noChangeArrowheads="1" noChangeShapeType="1" noTextEdit="1"/>
+          </p:cNvSpPr>
+          <p:nvPr>
+            <p:extLst>
+              <p:ext uri="{386F3935-93C4-4BCD-93E2-E3B085C9AB24}">
+                <p16:designElem xmlns:p16="http://schemas.microsoft.com/office/powerpoint/2015/main" val="1"/>
+              </p:ext>
+            </p:extLst>
+          </p:nvPr>
+        </p:nvSpPr>
+        <p:spPr>
+          <a:xfrm>
+            <a:off x="3825434" y="986"/>
+            <a:ext cx="4303422" cy="1575461"/>
+          </a:xfrm>
+          <a:prstGeom prst="rect">
+            <a:avLst/>
+          </a:prstGeom>
+          <a:gradFill>
+            <a:gsLst>
+              <a:gs pos="0">
+                <a:schemeClr val="accent1">
+                  <a:alpha val="17000"/>
+                </a:schemeClr>
+              </a:gs>
+              <a:gs pos="74000">
+                <a:schemeClr val="accent1">
+                  <a:lumMod val="50000"/>
+                  <a:alpha val="0"/>
+                </a:schemeClr>
+              </a:gs>
+            </a:gsLst>
+            <a:lin ang="14400000" scaled="0"/>
+          </a:gradFill>
+          <a:ln>
+            <a:noFill/>
+          </a:ln>
+        </p:spPr>
+        <p:style>
+          <a:lnRef idx="2">
+            <a:schemeClr val="accent1">
+              <a:shade val="50000"/>
+            </a:schemeClr>
+          </a:lnRef>
+          <a:fillRef idx="1">
+            <a:schemeClr val="accent1"/>
+          </a:fillRef>
+          <a:effectRef idx="0">
+            <a:schemeClr val="accent1"/>
+          </a:effectRef>
+          <a:fontRef idx="minor">
+            <a:schemeClr val="lt1"/>
+          </a:fontRef>
+        </p:style>
+        <p:txBody>
+          <a:bodyPr rtlCol="0" anchor="ctr"/>
+          <a:lstStyle/>
+          <a:p>
+            <a:pPr algn="ctr"/>
+            <a:endParaRPr lang="en-US"/>
+          </a:p>
+        </p:txBody>
+      </p:sp>
+      <p:sp>
+        <p:nvSpPr>
+          <p:cNvPr id="2" name="Title 1">
+            <a:extLst>
+              <a:ext uri="{FF2B5EF4-FFF2-40B4-BE49-F238E27FC236}">
+                <a16:creationId xmlns:a16="http://schemas.microsoft.com/office/drawing/2014/main" id="{2D5D46DE-345B-A547-B1B1-C7513AB2563D}"/>
+              </a:ext>
+            </a:extLst>
+          </p:cNvPr>
+          <p:cNvSpPr>
+            <a:spLocks noGrp="1"/>
+          </p:cNvSpPr>
+          <p:nvPr>
+            <p:ph type="title"/>
+          </p:nvPr>
+        </p:nvSpPr>
+        <p:spPr>
+          <a:xfrm>
+            <a:off x="699714" y="353160"/>
+            <a:ext cx="7091300" cy="898581"/>
+          </a:xfrm>
+        </p:spPr>
+        <p:txBody>
+          <a:bodyPr vert="horz" lIns="91440" tIns="45720" rIns="91440" bIns="45720" rtlCol="0" anchor="ctr">
+            <a:normAutofit/>
+          </a:bodyPr>
+          <a:lstStyle/>
+          <a:p>
+            <a:r>
+              <a:rPr lang="en-US" sz="4000" dirty="0">
+                <a:solidFill>
+                  <a:srgbClr val="FFFFFF"/>
+                </a:solidFill>
+              </a:rPr>
+              <a:t>Results - Actors</a:t>
+            </a:r>
+          </a:p>
+        </p:txBody>
+      </p:sp>
+      <p:pic>
+        <p:nvPicPr>
+          <p:cNvPr id="2052" name="Picture 4">
+            <a:extLst>
+              <a:ext uri="{FF2B5EF4-FFF2-40B4-BE49-F238E27FC236}">
+                <a16:creationId xmlns:a16="http://schemas.microsoft.com/office/drawing/2014/main" id="{3F048A00-7633-4744-B49B-13F720336788}"/>
+              </a:ext>
+            </a:extLst>
+          </p:cNvPr>
+          <p:cNvPicPr>
+            <a:picLocks noChangeAspect="1" noChangeArrowheads="1"/>
+          </p:cNvPicPr>
+          <p:nvPr/>
+        </p:nvPicPr>
+        <p:blipFill>
+          <a:blip r:embed="rId2">
+            <a:extLst>
+              <a:ext uri="{28A0092B-C50C-407E-A947-70E740481C1C}">
+                <a14:useLocalDpi xmlns:a14="http://schemas.microsoft.com/office/drawing/2010/main" val="0"/>
+              </a:ext>
+            </a:extLst>
+          </a:blip>
+          <a:stretch>
+            <a:fillRect/>
+          </a:stretch>
+        </p:blipFill>
+        <p:spPr bwMode="auto">
+          <a:xfrm>
+            <a:off x="1405018" y="2181426"/>
+            <a:ext cx="4441818" cy="3997637"/>
+          </a:xfrm>
+          <a:prstGeom prst="rect">
+            <a:avLst/>
+          </a:prstGeom>
+          <a:noFill/>
+          <a:extLst>
+            <a:ext uri="{909E8E84-426E-40DD-AFC4-6F175D3DCCD1}">
+              <a14:hiddenFill xmlns:a14="http://schemas.microsoft.com/office/drawing/2010/main">
+                <a:solidFill>
+                  <a:srgbClr val="FFFFFF"/>
+                </a:solidFill>
+              </a14:hiddenFill>
+            </a:ext>
+          </a:extLst>
+        </p:spPr>
+      </p:pic>
+      <p:pic>
+        <p:nvPicPr>
+          <p:cNvPr id="2050" name="Picture 2">
+            <a:extLst>
+              <a:ext uri="{FF2B5EF4-FFF2-40B4-BE49-F238E27FC236}">
+                <a16:creationId xmlns:a16="http://schemas.microsoft.com/office/drawing/2014/main" id="{2C8A157C-A7C0-5C45-8205-4291DF51A9B0}"/>
+              </a:ext>
+            </a:extLst>
+          </p:cNvPr>
+          <p:cNvPicPr>
+            <a:picLocks noGrp="1" noChangeAspect="1" noChangeArrowheads="1"/>
+          </p:cNvPicPr>
+          <p:nvPr>
+            <p:ph idx="1"/>
+          </p:nvPr>
+        </p:nvPicPr>
+        <p:blipFill>
+          <a:blip r:embed="rId3">
+            <a:extLst>
+              <a:ext uri="{28A0092B-C50C-407E-A947-70E740481C1C}">
+                <a14:useLocalDpi xmlns:a14="http://schemas.microsoft.com/office/drawing/2010/main" val="0"/>
+              </a:ext>
+            </a:extLst>
+          </a:blip>
+          <a:stretch>
+            <a:fillRect/>
+          </a:stretch>
+        </p:blipFill>
+        <p:spPr bwMode="auto">
+          <a:xfrm>
+            <a:off x="6345165" y="2217815"/>
+            <a:ext cx="4282576" cy="3997831"/>
+          </a:xfrm>
+          <a:prstGeom prst="rect">
+            <a:avLst/>
+          </a:prstGeom>
+          <a:noFill/>
+          <a:extLst>
+            <a:ext uri="{909E8E84-426E-40DD-AFC4-6F175D3DCCD1}">
+              <a14:hiddenFill xmlns:a14="http://schemas.microsoft.com/office/drawing/2010/main">
+                <a:solidFill>
+                  <a:srgbClr val="FFFFFF"/>
+                </a:solidFill>
+              </a14:hiddenFill>
+            </a:ext>
+          </a:extLst>
+        </p:spPr>
+      </p:pic>
+    </p:spTree>
+    <p:extLst>
+      <p:ext uri="{BB962C8B-B14F-4D97-AF65-F5344CB8AC3E}">
+        <p14:creationId xmlns:p14="http://schemas.microsoft.com/office/powerpoint/2010/main" val="2118108941"/>
+      </p:ext>
+    </p:extLst>
+  </p:cSld>
+  <p:clrMapOvr>
+    <a:masterClrMapping/>
+  </p:clrMapOvr>
+</p:sld>
+</file>
+
+<file path=ppt/slides/slide9.xml><?xml version="1.0" encoding="utf-8"?>
+<p:sld xmlns:a="http://schemas.openxmlformats.org/drawingml/2006/main" xmlns:r="http://schemas.openxmlformats.org/officeDocument/2006/relationships" xmlns:p="http://schemas.openxmlformats.org/presentationml/2006/main">
+  <p:cSld>
+    <p:bg>
+      <p:bgPr>
+        <a:solidFill>
+          <a:schemeClr val="bg1"/>
+        </a:solidFill>
+        <a:effectLst/>
+      </p:bgPr>
+    </p:bg>
+    <p:spTree>
+      <p:nvGrpSpPr>
+        <p:cNvPr id="1" name=""/>
+        <p:cNvGrpSpPr/>
+        <p:nvPr/>
+      </p:nvGrpSpPr>
+      <p:grpSpPr>
+        <a:xfrm>
+          <a:off x="0" y="0"/>
+          <a:ext cx="0" cy="0"/>
+          <a:chOff x="0" y="0"/>
+          <a:chExt cx="0" cy="0"/>
+        </a:xfrm>
+      </p:grpSpPr>
+      <p:sp useBgFill="1">
+        <p:nvSpPr>
+          <p:cNvPr id="137" name="Rectangle 136">
+            <a:extLst>
+              <a:ext uri="{FF2B5EF4-FFF2-40B4-BE49-F238E27FC236}">
+                <a16:creationId xmlns:a16="http://schemas.microsoft.com/office/drawing/2014/main" id="{2151139A-886F-4B97-8815-729AD3831BBD}"/>
+              </a:ext>
+              <a:ext uri="{C183D7F6-B498-43B3-948B-1728B52AA6E4}">
+                <adec:decorative xmlns:adec="http://schemas.microsoft.com/office/drawing/2017/decorative" val="1"/>
+              </a:ext>
+            </a:extLst>
+          </p:cNvPr>
+          <p:cNvSpPr>
+            <a:spLocks noGrp="1" noRot="1" noChangeAspect="1" noMove="1" noResize="1" noEditPoints="1" noAdjustHandles="1" noChangeArrowheads="1" noChangeShapeType="1" noTextEdit="1"/>
+          </p:cNvSpPr>
+          <p:nvPr>
+            <p:extLst>
+              <p:ext uri="{386F3935-93C4-4BCD-93E2-E3B085C9AB24}">
+                <p16:designElem xmlns:p16="http://schemas.microsoft.com/office/powerpoint/2015/main" val="1"/>
+              </p:ext>
+            </p:extLst>
+          </p:nvPr>
+        </p:nvSpPr>
+        <p:spPr>
+          <a:xfrm>
+            <a:off x="0" y="0"/>
+            <a:ext cx="12192000" cy="6858000"/>
+          </a:xfrm>
+          <a:prstGeom prst="rect">
+            <a:avLst/>
+          </a:prstGeom>
+          <a:ln w="12700" cap="flat" cmpd="sng" algn="ctr">
+            <a:noFill/>
+            <a:prstDash val="solid"/>
+            <a:miter lim="800000"/>
+          </a:ln>
+          <a:effectLst/>
+          <a:extLst>
+            <a:ext uri="{91240B29-F687-4F45-9708-019B960494DF}">
+              <a14:hiddenLine xmlns:a14="http://schemas.microsoft.com/office/drawing/2010/main" w="12700" cap="flat" cmpd="sng" algn="ctr">
+                <a:solidFill>
+                  <a:schemeClr val="accent1">
+                    <a:shade val="50000"/>
+                  </a:schemeClr>
+                </a:solidFill>
+                <a:prstDash val="solid"/>
+                <a:miter lim="800000"/>
+              </a14:hiddenLine>
+            </a:ext>
+          </a:extLst>
+        </p:spPr>
+        <p:style>
+          <a:lnRef idx="2">
+            <a:schemeClr val="accent1">
+              <a:shade val="50000"/>
+            </a:schemeClr>
+          </a:lnRef>
+          <a:fillRef idx="1">
+            <a:schemeClr val="accent1"/>
+          </a:fillRef>
+          <a:effectRef idx="0">
+            <a:schemeClr val="accent1"/>
+          </a:effectRef>
+          <a:fontRef idx="minor">
+            <a:schemeClr val="lt1"/>
+          </a:fontRef>
+        </p:style>
+        <p:txBody>
+          <a:bodyPr rtlCol="0" anchor="ctr"/>
+          <a:lstStyle/>
+          <a:p>
+            <a:pPr algn="ctr"/>
+            <a:endParaRPr lang="en-US" sz="2000"/>
+          </a:p>
+        </p:txBody>
+      </p:sp>
+      <p:sp>
+        <p:nvSpPr>
+          <p:cNvPr id="139" name="Rectangle 138">
+            <a:extLst>
+              <a:ext uri="{FF2B5EF4-FFF2-40B4-BE49-F238E27FC236}">
+                <a16:creationId xmlns:a16="http://schemas.microsoft.com/office/drawing/2014/main" id="{AB5E08C4-8CDD-4623-A5B8-E998C6DEE3B7}"/>
+              </a:ext>
+              <a:ext uri="{C183D7F6-B498-43B3-948B-1728B52AA6E4}">
+                <adec:decorative xmlns:adec="http://schemas.microsoft.com/office/drawing/2017/decorative" val="1"/>
+              </a:ext>
+            </a:extLst>
+          </p:cNvPr>
+          <p:cNvSpPr>
+            <a:spLocks noGrp="1" noRot="1" noChangeAspect="1" noMove="1" noResize="1" noEditPoints="1" noAdjustHandles="1" noChangeArrowheads="1" noChangeShapeType="1" noTextEdit="1"/>
+          </p:cNvSpPr>
+          <p:nvPr>
+            <p:extLst>
+              <p:ext uri="{386F3935-93C4-4BCD-93E2-E3B085C9AB24}">
+                <p16:designElem xmlns:p16="http://schemas.microsoft.com/office/powerpoint/2015/main" val="1"/>
+              </p:ext>
+            </p:extLst>
+          </p:nvPr>
+        </p:nvSpPr>
+        <p:spPr>
+          <a:xfrm flipH="1">
+            <a:off x="2" y="492"/>
+            <a:ext cx="12191998" cy="1575955"/>
+          </a:xfrm>
+          <a:prstGeom prst="rect">
+            <a:avLst/>
+          </a:prstGeom>
+          <a:gradFill>
+            <a:gsLst>
+              <a:gs pos="0">
+                <a:schemeClr val="accent1">
+                  <a:lumMod val="50000"/>
+                </a:schemeClr>
+              </a:gs>
+              <a:gs pos="100000">
+                <a:schemeClr val="accent1">
+                  <a:lumMod val="75000"/>
+                </a:schemeClr>
+              </a:gs>
+            </a:gsLst>
+            <a:lin ang="8400000" scaled="0"/>
+          </a:gradFill>
+          <a:ln>
+            <a:noFill/>
+          </a:ln>
+        </p:spPr>
+        <p:style>
+          <a:lnRef idx="2">
+            <a:schemeClr val="accent1">
+              <a:shade val="50000"/>
+            </a:schemeClr>
+          </a:lnRef>
+          <a:fillRef idx="1">
+            <a:schemeClr val="accent1"/>
+          </a:fillRef>
+          <a:effectRef idx="0">
+            <a:schemeClr val="accent1"/>
+          </a:effectRef>
+          <a:fontRef idx="minor">
+            <a:schemeClr val="lt1"/>
+          </a:fontRef>
+        </p:style>
+        <p:txBody>
+          <a:bodyPr rtlCol="0" anchor="ctr"/>
+          <a:lstStyle/>
+          <a:p>
+            <a:pPr algn="ctr"/>
+            <a:endParaRPr lang="en-US"/>
+          </a:p>
+        </p:txBody>
+      </p:sp>
+      <p:sp>
+        <p:nvSpPr>
+          <p:cNvPr id="141" name="Rectangle 140">
+            <a:extLst>
+              <a:ext uri="{FF2B5EF4-FFF2-40B4-BE49-F238E27FC236}">
+                <a16:creationId xmlns:a16="http://schemas.microsoft.com/office/drawing/2014/main" id="{15F33878-D502-4FFA-8ACE-F2AECDB2A23F}"/>
+              </a:ext>
+              <a:ext uri="{C183D7F6-B498-43B3-948B-1728B52AA6E4}">
+                <adec:decorative xmlns:adec="http://schemas.microsoft.com/office/drawing/2017/decorative" val="1"/>
+              </a:ext>
+            </a:extLst>
+          </p:cNvPr>
+          <p:cNvSpPr>
+            <a:spLocks noGrp="1" noRot="1" noChangeAspect="1" noMove="1" noResize="1" noEditPoints="1" noAdjustHandles="1" noChangeArrowheads="1" noChangeShapeType="1" noTextEdit="1"/>
+          </p:cNvSpPr>
+          <p:nvPr>
+            <p:extLst>
+              <p:ext uri="{386F3935-93C4-4BCD-93E2-E3B085C9AB24}">
+                <p16:designElem xmlns:p16="http://schemas.microsoft.com/office/powerpoint/2015/main" val="1"/>
+              </p:ext>
+            </p:extLst>
+          </p:nvPr>
+        </p:nvSpPr>
+        <p:spPr>
+          <a:xfrm rot="10800000" flipH="1">
+            <a:off x="8128857" y="35"/>
+            <a:ext cx="4063143" cy="1576412"/>
+          </a:xfrm>
+          <a:prstGeom prst="rect">
+            <a:avLst/>
+          </a:prstGeom>
+          <a:gradFill>
+            <a:gsLst>
+              <a:gs pos="19000">
+                <a:schemeClr val="accent1">
+                  <a:lumMod val="50000"/>
+                  <a:alpha val="68000"/>
+                </a:schemeClr>
+              </a:gs>
+              <a:gs pos="100000">
+                <a:schemeClr val="accent1">
+                  <a:alpha val="79000"/>
+                </a:schemeClr>
+              </a:gs>
+            </a:gsLst>
+            <a:lin ang="19200000" scaled="0"/>
+          </a:gradFill>
+          <a:ln>
+            <a:noFill/>
+          </a:ln>
+        </p:spPr>
+        <p:style>
+          <a:lnRef idx="2">
+            <a:schemeClr val="accent1">
+              <a:shade val="50000"/>
+            </a:schemeClr>
+          </a:lnRef>
+          <a:fillRef idx="1">
+            <a:schemeClr val="accent1"/>
+          </a:fillRef>
+          <a:effectRef idx="0">
+            <a:schemeClr val="accent1"/>
+          </a:effectRef>
+          <a:fontRef idx="minor">
+            <a:schemeClr val="lt1"/>
+          </a:fontRef>
+        </p:style>
+        <p:txBody>
+          <a:bodyPr rtlCol="0" anchor="ctr"/>
+          <a:lstStyle/>
+          <a:p>
+            <a:pPr algn="ctr"/>
+            <a:endParaRPr lang="en-US"/>
+          </a:p>
+        </p:txBody>
+      </p:sp>
+      <p:sp>
+        <p:nvSpPr>
+          <p:cNvPr id="143" name="Rectangle 142">
+            <a:extLst>
+              <a:ext uri="{FF2B5EF4-FFF2-40B4-BE49-F238E27FC236}">
+                <a16:creationId xmlns:a16="http://schemas.microsoft.com/office/drawing/2014/main" id="{D3539FEE-81D3-4406-802E-60B20B16F4F6}"/>
+              </a:ext>
+              <a:ext uri="{C183D7F6-B498-43B3-948B-1728B52AA6E4}">
+                <adec:decorative xmlns:adec="http://schemas.microsoft.com/office/drawing/2017/decorative" val="1"/>
+              </a:ext>
+            </a:extLst>
+          </p:cNvPr>
+          <p:cNvSpPr>
+            <a:spLocks noGrp="1" noRot="1" noChangeAspect="1" noMove="1" noResize="1" noEditPoints="1" noAdjustHandles="1" noChangeArrowheads="1" noChangeShapeType="1" noTextEdit="1"/>
+          </p:cNvSpPr>
+          <p:nvPr>
+            <p:extLst>
+              <p:ext uri="{386F3935-93C4-4BCD-93E2-E3B085C9AB24}">
+                <p16:designElem xmlns:p16="http://schemas.microsoft.com/office/powerpoint/2015/main" val="1"/>
+              </p:ext>
+            </p:extLst>
+          </p:nvPr>
+        </p:nvSpPr>
+        <p:spPr>
+          <a:xfrm rot="5400000">
+            <a:off x="5307778" y="-5307777"/>
+            <a:ext cx="1576446" cy="12192001"/>
+          </a:xfrm>
+          <a:prstGeom prst="rect">
+            <a:avLst/>
+          </a:prstGeom>
+          <a:gradFill>
+            <a:gsLst>
+              <a:gs pos="16000">
+                <a:srgbClr val="000000">
+                  <a:alpha val="0"/>
+                </a:srgbClr>
+              </a:gs>
+              <a:gs pos="99000">
+                <a:srgbClr val="000000">
+                  <a:alpha val="87000"/>
+                </a:srgbClr>
+              </a:gs>
+            </a:gsLst>
+            <a:lin ang="11400000" scaled="0"/>
+          </a:gradFill>
+          <a:ln>
+            <a:noFill/>
+          </a:ln>
+        </p:spPr>
+        <p:style>
+          <a:lnRef idx="2">
+            <a:schemeClr val="accent1">
+              <a:shade val="50000"/>
+            </a:schemeClr>
+          </a:lnRef>
+          <a:fillRef idx="1">
+            <a:schemeClr val="accent1"/>
+          </a:fillRef>
+          <a:effectRef idx="0">
+            <a:schemeClr val="accent1"/>
+          </a:effectRef>
+          <a:fontRef idx="minor">
+            <a:schemeClr val="lt1"/>
+          </a:fontRef>
+        </p:style>
+        <p:txBody>
+          <a:bodyPr rtlCol="0" anchor="ctr"/>
+          <a:lstStyle/>
+          <a:p>
+            <a:pPr algn="ctr"/>
+            <a:endParaRPr lang="en-US" dirty="0"/>
+          </a:p>
+        </p:txBody>
+      </p:sp>
+      <p:sp>
+        <p:nvSpPr>
+          <p:cNvPr id="145" name="Rectangle 144">
+            <a:extLst>
+              <a:ext uri="{FF2B5EF4-FFF2-40B4-BE49-F238E27FC236}">
+                <a16:creationId xmlns:a16="http://schemas.microsoft.com/office/drawing/2014/main" id="{DC701763-729E-462F-A5A8-E0DEFEB1E2E4}"/>
+              </a:ext>
+              <a:ext uri="{C183D7F6-B498-43B3-948B-1728B52AA6E4}">
+                <adec:decorative xmlns:adec="http://schemas.microsoft.com/office/drawing/2017/decorative" val="1"/>
+              </a:ext>
+            </a:extLst>
+          </p:cNvPr>
+          <p:cNvSpPr>
+            <a:spLocks noGrp="1" noRot="1" noChangeAspect="1" noMove="1" noResize="1" noEditPoints="1" noAdjustHandles="1" noChangeArrowheads="1" noChangeShapeType="1" noTextEdit="1"/>
+          </p:cNvSpPr>
+          <p:nvPr>
+            <p:extLst>
+              <p:ext uri="{386F3935-93C4-4BCD-93E2-E3B085C9AB24}">
+                <p16:designElem xmlns:p16="http://schemas.microsoft.com/office/powerpoint/2015/main" val="1"/>
+              </p:ext>
+            </p:extLst>
+          </p:nvPr>
+        </p:nvSpPr>
+        <p:spPr>
+          <a:xfrm>
+            <a:off x="3825434" y="986"/>
+            <a:ext cx="4303422" cy="1575461"/>
+          </a:xfrm>
+          <a:prstGeom prst="rect">
+            <a:avLst/>
+          </a:prstGeom>
+          <a:gradFill>
+            <a:gsLst>
+              <a:gs pos="0">
+                <a:schemeClr val="accent1">
+                  <a:alpha val="17000"/>
+                </a:schemeClr>
+              </a:gs>
+              <a:gs pos="74000">
+                <a:schemeClr val="accent1">
+                  <a:lumMod val="50000"/>
+                  <a:alpha val="0"/>
+                </a:schemeClr>
+              </a:gs>
+            </a:gsLst>
+            <a:lin ang="14400000" scaled="0"/>
+          </a:gradFill>
+          <a:ln>
+            <a:noFill/>
+          </a:ln>
+        </p:spPr>
+        <p:style>
+          <a:lnRef idx="2">
+            <a:schemeClr val="accent1">
+              <a:shade val="50000"/>
+            </a:schemeClr>
+          </a:lnRef>
+          <a:fillRef idx="1">
+            <a:schemeClr val="accent1"/>
+          </a:fillRef>
+          <a:effectRef idx="0">
+            <a:schemeClr val="accent1"/>
+          </a:effectRef>
+          <a:fontRef idx="minor">
+            <a:schemeClr val="lt1"/>
+          </a:fontRef>
+        </p:style>
+        <p:txBody>
+          <a:bodyPr rtlCol="0" anchor="ctr"/>
+          <a:lstStyle/>
+          <a:p>
+            <a:pPr algn="ctr"/>
+            <a:endParaRPr lang="en-US"/>
+          </a:p>
+        </p:txBody>
+      </p:sp>
+      <p:sp>
+        <p:nvSpPr>
+          <p:cNvPr id="2" name="Title 1">
+            <a:extLst>
+              <a:ext uri="{FF2B5EF4-FFF2-40B4-BE49-F238E27FC236}">
+                <a16:creationId xmlns:a16="http://schemas.microsoft.com/office/drawing/2014/main" id="{2D5D46DE-345B-A547-B1B1-C7513AB2563D}"/>
+              </a:ext>
+            </a:extLst>
+          </p:cNvPr>
+          <p:cNvSpPr>
+            <a:spLocks noGrp="1"/>
+          </p:cNvSpPr>
+          <p:nvPr>
+            <p:ph type="title"/>
+          </p:nvPr>
+        </p:nvSpPr>
+        <p:spPr>
+          <a:xfrm>
+            <a:off x="699714" y="353160"/>
+            <a:ext cx="7091300" cy="898581"/>
+          </a:xfrm>
+        </p:spPr>
+        <p:txBody>
+          <a:bodyPr vert="horz" lIns="91440" tIns="45720" rIns="91440" bIns="45720" rtlCol="0" anchor="ctr">
+            <a:normAutofit/>
+          </a:bodyPr>
+          <a:lstStyle/>
+          <a:p>
+            <a:r>
+              <a:rPr lang="en-US" sz="4000" dirty="0">
+                <a:solidFill>
+                  <a:srgbClr val="FFFFFF"/>
+                </a:solidFill>
+              </a:rPr>
+              <a:t>Results - Producers</a:t>
+            </a:r>
+          </a:p>
+        </p:txBody>
+      </p:sp>
+      <p:pic>
+        <p:nvPicPr>
+          <p:cNvPr id="4100" name="Picture 4">
+            <a:extLst>
+              <a:ext uri="{FF2B5EF4-FFF2-40B4-BE49-F238E27FC236}">
+                <a16:creationId xmlns:a16="http://schemas.microsoft.com/office/drawing/2014/main" id="{6219ED42-EB04-8443-8BD1-064D7B2609A3}"/>
+              </a:ext>
+            </a:extLst>
+          </p:cNvPr>
+          <p:cNvPicPr>
+            <a:picLocks noGrp="1" noChangeAspect="1" noChangeArrowheads="1"/>
+          </p:cNvPicPr>
+          <p:nvPr>
+            <p:ph idx="1"/>
+          </p:nvPr>
+        </p:nvPicPr>
+        <p:blipFill>
+          <a:blip r:embed="rId2">
+            <a:extLst>
+              <a:ext uri="{28A0092B-C50C-407E-A947-70E740481C1C}">
+                <a14:useLocalDpi xmlns:a14="http://schemas.microsoft.com/office/drawing/2010/main" val="0"/>
+              </a:ext>
+            </a:extLst>
+          </a:blip>
+          <a:srcRect/>
+          <a:stretch>
+            <a:fillRect/>
+          </a:stretch>
+        </p:blipFill>
+        <p:spPr bwMode="auto">
+          <a:xfrm>
+            <a:off x="918083" y="1735652"/>
+            <a:ext cx="4633628" cy="4769187"/>
+          </a:xfrm>
+          <a:prstGeom prst="rect">
+            <a:avLst/>
+          </a:prstGeom>
+          <a:noFill/>
+          <a:extLst>
+            <a:ext uri="{909E8E84-426E-40DD-AFC4-6F175D3DCCD1}">
+              <a14:hiddenFill xmlns:a14="http://schemas.microsoft.com/office/drawing/2010/main">
+                <a:solidFill>
+                  <a:srgbClr val="FFFFFF"/>
+                </a:solidFill>
+              </a14:hiddenFill>
+            </a:ext>
+          </a:extLst>
+        </p:spPr>
+      </p:pic>
+      <p:pic>
+        <p:nvPicPr>
+          <p:cNvPr id="4102" name="Picture 6">
+            <a:extLst>
+              <a:ext uri="{FF2B5EF4-FFF2-40B4-BE49-F238E27FC236}">
+                <a16:creationId xmlns:a16="http://schemas.microsoft.com/office/drawing/2014/main" id="{E2506B71-124C-9B43-8CEC-F2370613FDF7}"/>
+              </a:ext>
+            </a:extLst>
+          </p:cNvPr>
+          <p:cNvPicPr>
+            <a:picLocks noChangeAspect="1" noChangeArrowheads="1"/>
+          </p:cNvPicPr>
+          <p:nvPr/>
+        </p:nvPicPr>
+        <p:blipFill>
+          <a:blip r:embed="rId3">
+            <a:extLst>
+              <a:ext uri="{28A0092B-C50C-407E-A947-70E740481C1C}">
+                <a14:useLocalDpi xmlns:a14="http://schemas.microsoft.com/office/drawing/2010/main" val="0"/>
+              </a:ext>
+            </a:extLst>
+          </a:blip>
+          <a:srcRect/>
+          <a:stretch>
+            <a:fillRect/>
+          </a:stretch>
+        </p:blipFill>
+        <p:spPr bwMode="auto">
+          <a:xfrm>
+            <a:off x="5620606" y="1759773"/>
+            <a:ext cx="5016500" cy="4914900"/>
+          </a:xfrm>
+          <a:prstGeom prst="rect">
+            <a:avLst/>
+          </a:prstGeom>
+          <a:noFill/>
+          <a:extLst>
+            <a:ext uri="{909E8E84-426E-40DD-AFC4-6F175D3DCCD1}">
+              <a14:hiddenFill xmlns:a14="http://schemas.microsoft.com/office/drawing/2010/main">
+                <a:solidFill>
+                  <a:srgbClr val="FFFFFF"/>
+                </a:solidFill>
+              </a14:hiddenFill>
+            </a:ext>
+          </a:extLst>
+        </p:spPr>
+      </p:pic>
+    </p:spTree>
+    <p:extLst>
+      <p:ext uri="{BB962C8B-B14F-4D97-AF65-F5344CB8AC3E}">
+        <p14:creationId xmlns:p14="http://schemas.microsoft.com/office/powerpoint/2010/main" val="2471076384"/>
       </p:ext>
     </p:extLst>
   </p:cSld>
